--- a/Apresentação/PALESTRA.pptx
+++ b/Apresentação/PALESTRA.pptx
@@ -5,7 +5,7 @@
     <p:sldMasterId id="2147483648" r:id="rId1"/>
   </p:sldMasterIdLst>
   <p:notesMasterIdLst>
-    <p:notesMasterId r:id="rId24"/>
+    <p:notesMasterId r:id="rId27"/>
   </p:notesMasterIdLst>
   <p:sldIdLst>
     <p:sldId id="277" r:id="rId2"/>
@@ -30,6 +30,9 @@
     <p:sldId id="273" r:id="rId21"/>
     <p:sldId id="274" r:id="rId22"/>
     <p:sldId id="275" r:id="rId23"/>
+    <p:sldId id="286" r:id="rId24"/>
+    <p:sldId id="287" r:id="rId25"/>
+    <p:sldId id="288" r:id="rId26"/>
   </p:sldIdLst>
   <p:sldSz cx="12192000" cy="6858000"/>
   <p:notesSz cx="6858000" cy="9144000"/>
@@ -139,7 +142,7 @@
 <file path=ppt/revisionInfo.xml><?xml version="1.0" encoding="utf-8"?>
 <p1510:revInfo xmlns:a="http://schemas.openxmlformats.org/drawingml/2006/main" xmlns:r="http://schemas.openxmlformats.org/officeDocument/2006/relationships" xmlns:p1510="http://schemas.microsoft.com/office/powerpoint/2015/10/main">
   <p1510:revLst>
-    <p1510:client id="{A9A96EB3-C1F3-4FD2-AE50-52357A7C4C20}" v="2028" dt="2023-01-17T02:12:34.976"/>
+    <p1510:client id="{A9A96EB3-C1F3-4FD2-AE50-52357A7C4C20}" v="2902" dt="2023-01-17T15:55:19.899"/>
   </p1510:revLst>
 </p1510:revInfo>
 </file>
@@ -149,7 +152,7 @@
   <pc:docChgLst>
     <pc:chgData name="Gabriel Quintella" userId="0401f16030b3bbcc" providerId="LiveId" clId="{A9A96EB3-C1F3-4FD2-AE50-52357A7C4C20}"/>
     <pc:docChg chg="undo redo custSel addSld delSld modSld sldOrd">
-      <pc:chgData name="Gabriel Quintella" userId="0401f16030b3bbcc" providerId="LiveId" clId="{A9A96EB3-C1F3-4FD2-AE50-52357A7C4C20}" dt="2023-01-17T02:14:41.517" v="10752" actId="20577"/>
+      <pc:chgData name="Gabriel Quintella" userId="0401f16030b3bbcc" providerId="LiveId" clId="{A9A96EB3-C1F3-4FD2-AE50-52357A7C4C20}" dt="2023-01-17T17:10:02.498" v="12199" actId="20577"/>
       <pc:docMkLst>
         <pc:docMk/>
       </pc:docMkLst>
@@ -2337,7 +2340,7 @@
         </pc:spChg>
       </pc:sldChg>
       <pc:sldChg chg="addSp delSp modSp new mod">
-        <pc:chgData name="Gabriel Quintella" userId="0401f16030b3bbcc" providerId="LiveId" clId="{A9A96EB3-C1F3-4FD2-AE50-52357A7C4C20}" dt="2023-01-16T01:50:01.843" v="7383"/>
+        <pc:chgData name="Gabriel Quintella" userId="0401f16030b3bbcc" providerId="LiveId" clId="{A9A96EB3-C1F3-4FD2-AE50-52357A7C4C20}" dt="2023-01-17T11:10:43.381" v="10849" actId="14100"/>
         <pc:sldMkLst>
           <pc:docMk/>
           <pc:sldMk cId="2210021597" sldId="273"/>
@@ -2375,6 +2378,14 @@
           </ac:spMkLst>
         </pc:spChg>
         <pc:picChg chg="add mod">
+          <ac:chgData name="Gabriel Quintella" userId="0401f16030b3bbcc" providerId="LiveId" clId="{A9A96EB3-C1F3-4FD2-AE50-52357A7C4C20}" dt="2023-01-17T11:10:43.381" v="10849" actId="14100"/>
+          <ac:picMkLst>
+            <pc:docMk/>
+            <pc:sldMk cId="2210021597" sldId="273"/>
+            <ac:picMk id="3" creationId="{A055A4A5-7E1C-5111-6364-4B878215E17A}"/>
+          </ac:picMkLst>
+        </pc:picChg>
+        <pc:picChg chg="add mod">
           <ac:chgData name="Gabriel Quintella" userId="0401f16030b3bbcc" providerId="LiveId" clId="{A9A96EB3-C1F3-4FD2-AE50-52357A7C4C20}" dt="2023-01-16T00:50:29.375" v="4157"/>
           <ac:picMkLst>
             <pc:docMk/>
@@ -2382,8 +2393,8 @@
             <ac:picMk id="4" creationId="{2AD029DE-7C34-A761-7F07-21150CD06D03}"/>
           </ac:picMkLst>
         </pc:picChg>
-        <pc:picChg chg="add mod">
-          <ac:chgData name="Gabriel Quintella" userId="0401f16030b3bbcc" providerId="LiveId" clId="{A9A96EB3-C1F3-4FD2-AE50-52357A7C4C20}" dt="2023-01-12T20:20:27.977" v="2762" actId="1076"/>
+        <pc:picChg chg="add del mod">
+          <ac:chgData name="Gabriel Quintella" userId="0401f16030b3bbcc" providerId="LiveId" clId="{A9A96EB3-C1F3-4FD2-AE50-52357A7C4C20}" dt="2023-01-17T11:07:43.643" v="10753" actId="478"/>
           <ac:picMkLst>
             <pc:docMk/>
             <pc:sldMk cId="2210021597" sldId="273"/>
@@ -2392,7 +2403,7 @@
         </pc:picChg>
       </pc:sldChg>
       <pc:sldChg chg="addSp delSp modSp add mod">
-        <pc:chgData name="Gabriel Quintella" userId="0401f16030b3bbcc" providerId="LiveId" clId="{A9A96EB3-C1F3-4FD2-AE50-52357A7C4C20}" dt="2023-01-16T01:50:05.291" v="7385"/>
+        <pc:chgData name="Gabriel Quintella" userId="0401f16030b3bbcc" providerId="LiveId" clId="{A9A96EB3-C1F3-4FD2-AE50-52357A7C4C20}" dt="2023-01-17T11:08:23.865" v="10783" actId="1037"/>
         <pc:sldMkLst>
           <pc:docMk/>
           <pc:sldMk cId="253976610" sldId="274"/>
@@ -2438,6 +2449,14 @@
           </ac:spMkLst>
         </pc:spChg>
         <pc:picChg chg="add mod">
+          <ac:chgData name="Gabriel Quintella" userId="0401f16030b3bbcc" providerId="LiveId" clId="{A9A96EB3-C1F3-4FD2-AE50-52357A7C4C20}" dt="2023-01-17T11:08:23.865" v="10783" actId="1037"/>
+          <ac:picMkLst>
+            <pc:docMk/>
+            <pc:sldMk cId="253976610" sldId="274"/>
+            <ac:picMk id="3" creationId="{4539B5A9-AF35-9AC4-E4ED-74D69B0892D8}"/>
+          </ac:picMkLst>
+        </pc:picChg>
+        <pc:picChg chg="add mod">
           <ac:chgData name="Gabriel Quintella" userId="0401f16030b3bbcc" providerId="LiveId" clId="{A9A96EB3-C1F3-4FD2-AE50-52357A7C4C20}" dt="2023-01-16T00:50:30.812" v="4158"/>
           <ac:picMkLst>
             <pc:docMk/>
@@ -2445,8 +2464,8 @@
             <ac:picMk id="4" creationId="{901BC8BB-71C8-5A30-7BAF-EE8872F18BA6}"/>
           </ac:picMkLst>
         </pc:picChg>
-        <pc:picChg chg="add mod">
-          <ac:chgData name="Gabriel Quintella" userId="0401f16030b3bbcc" providerId="LiveId" clId="{A9A96EB3-C1F3-4FD2-AE50-52357A7C4C20}" dt="2023-01-16T01:40:37.045" v="6959" actId="1036"/>
+        <pc:picChg chg="add del mod">
+          <ac:chgData name="Gabriel Quintella" userId="0401f16030b3bbcc" providerId="LiveId" clId="{A9A96EB3-C1F3-4FD2-AE50-52357A7C4C20}" dt="2023-01-17T11:08:17.589" v="10757" actId="478"/>
           <ac:picMkLst>
             <pc:docMk/>
             <pc:sldMk cId="253976610" sldId="274"/>
@@ -2455,7 +2474,7 @@
         </pc:picChg>
       </pc:sldChg>
       <pc:sldChg chg="addSp delSp modSp add mod">
-        <pc:chgData name="Gabriel Quintella" userId="0401f16030b3bbcc" providerId="LiveId" clId="{A9A96EB3-C1F3-4FD2-AE50-52357A7C4C20}" dt="2023-01-16T01:50:09.404" v="7387"/>
+        <pc:chgData name="Gabriel Quintella" userId="0401f16030b3bbcc" providerId="LiveId" clId="{A9A96EB3-C1F3-4FD2-AE50-52357A7C4C20}" dt="2023-01-17T11:08:43.776" v="10803" actId="1036"/>
         <pc:sldMkLst>
           <pc:docMk/>
           <pc:sldMk cId="132315978" sldId="275"/>
@@ -2501,6 +2520,14 @@
           </ac:spMkLst>
         </pc:spChg>
         <pc:picChg chg="add mod">
+          <ac:chgData name="Gabriel Quintella" userId="0401f16030b3bbcc" providerId="LiveId" clId="{A9A96EB3-C1F3-4FD2-AE50-52357A7C4C20}" dt="2023-01-17T11:08:43.776" v="10803" actId="1036"/>
+          <ac:picMkLst>
+            <pc:docMk/>
+            <pc:sldMk cId="132315978" sldId="275"/>
+            <ac:picMk id="3" creationId="{0550244F-A9AF-C0DA-C254-9307223EC41A}"/>
+          </ac:picMkLst>
+        </pc:picChg>
+        <pc:picChg chg="add mod">
           <ac:chgData name="Gabriel Quintella" userId="0401f16030b3bbcc" providerId="LiveId" clId="{A9A96EB3-C1F3-4FD2-AE50-52357A7C4C20}" dt="2023-01-16T00:50:32.333" v="4159"/>
           <ac:picMkLst>
             <pc:docMk/>
@@ -2508,8 +2535,8 @@
             <ac:picMk id="4" creationId="{0E5E5865-72E0-A5BA-F89B-D0D32A8C1ED8}"/>
           </ac:picMkLst>
         </pc:picChg>
-        <pc:picChg chg="add mod">
-          <ac:chgData name="Gabriel Quintella" userId="0401f16030b3bbcc" providerId="LiveId" clId="{A9A96EB3-C1F3-4FD2-AE50-52357A7C4C20}" dt="2023-01-16T01:40:43.803" v="6964" actId="1036"/>
+        <pc:picChg chg="add del mod">
+          <ac:chgData name="Gabriel Quintella" userId="0401f16030b3bbcc" providerId="LiveId" clId="{A9A96EB3-C1F3-4FD2-AE50-52357A7C4C20}" dt="2023-01-17T11:08:40.994" v="10784" actId="478"/>
           <ac:picMkLst>
             <pc:docMk/>
             <pc:sldMk cId="132315978" sldId="275"/>
@@ -2864,8 +2891,8 @@
           </ac:picMkLst>
         </pc:picChg>
       </pc:sldChg>
-      <pc:sldChg chg="addSp modSp add mod">
-        <pc:chgData name="Gabriel Quintella" userId="0401f16030b3bbcc" providerId="LiveId" clId="{A9A96EB3-C1F3-4FD2-AE50-52357A7C4C20}" dt="2023-01-17T01:04:10.491" v="9211" actId="1037"/>
+      <pc:sldChg chg="addSp delSp modSp add mod modAnim modNotesTx">
+        <pc:chgData name="Gabriel Quintella" userId="0401f16030b3bbcc" providerId="LiveId" clId="{A9A96EB3-C1F3-4FD2-AE50-52357A7C4C20}" dt="2023-01-17T17:10:02.498" v="12199" actId="20577"/>
         <pc:sldMkLst>
           <pc:docMk/>
           <pc:sldMk cId="349050035" sldId="281"/>
@@ -3047,6 +3074,14 @@
           </ac:picMkLst>
         </pc:picChg>
         <pc:picChg chg="add mod">
+          <ac:chgData name="Gabriel Quintella" userId="0401f16030b3bbcc" providerId="LiveId" clId="{A9A96EB3-C1F3-4FD2-AE50-52357A7C4C20}" dt="2023-01-17T15:54:26.117" v="12195" actId="1076"/>
+          <ac:picMkLst>
+            <pc:docMk/>
+            <pc:sldMk cId="349050035" sldId="281"/>
+            <ac:picMk id="26" creationId="{B78EDA1D-299A-9B60-C119-DDE4688AF360}"/>
+          </ac:picMkLst>
+        </pc:picChg>
+        <pc:picChg chg="add mod">
           <ac:chgData name="Gabriel Quintella" userId="0401f16030b3bbcc" providerId="LiveId" clId="{A9A96EB3-C1F3-4FD2-AE50-52357A7C4C20}" dt="2023-01-17T01:03:38.387" v="9200" actId="1035"/>
           <ac:picMkLst>
             <pc:docMk/>
@@ -3087,6 +3122,30 @@
           </ac:picMkLst>
         </pc:picChg>
         <pc:picChg chg="add mod">
+          <ac:chgData name="Gabriel Quintella" userId="0401f16030b3bbcc" providerId="LiveId" clId="{A9A96EB3-C1F3-4FD2-AE50-52357A7C4C20}" dt="2023-01-17T15:50:29.009" v="12183" actId="1076"/>
+          <ac:picMkLst>
+            <pc:docMk/>
+            <pc:sldMk cId="349050035" sldId="281"/>
+            <ac:picMk id="7170" creationId="{DC1D486E-D83A-80B0-2575-CBF8656E371E}"/>
+          </ac:picMkLst>
+        </pc:picChg>
+        <pc:picChg chg="add del">
+          <ac:chgData name="Gabriel Quintella" userId="0401f16030b3bbcc" providerId="LiveId" clId="{A9A96EB3-C1F3-4FD2-AE50-52357A7C4C20}" dt="2023-01-17T15:52:20.974" v="12185"/>
+          <ac:picMkLst>
+            <pc:docMk/>
+            <pc:sldMk cId="349050035" sldId="281"/>
+            <ac:picMk id="7172" creationId="{8AB7ADA9-053D-75A0-A259-641DE30E8CF8}"/>
+          </ac:picMkLst>
+        </pc:picChg>
+        <pc:picChg chg="add mod">
+          <ac:chgData name="Gabriel Quintella" userId="0401f16030b3bbcc" providerId="LiveId" clId="{A9A96EB3-C1F3-4FD2-AE50-52357A7C4C20}" dt="2023-01-17T15:52:42.127" v="12190" actId="1076"/>
+          <ac:picMkLst>
+            <pc:docMk/>
+            <pc:sldMk cId="349050035" sldId="281"/>
+            <ac:picMk id="7174" creationId="{5F799ACE-D2B8-1AE9-83BB-2C43E6083B61}"/>
+          </ac:picMkLst>
+        </pc:picChg>
+        <pc:picChg chg="add mod">
           <ac:chgData name="Gabriel Quintella" userId="0401f16030b3bbcc" providerId="LiveId" clId="{A9A96EB3-C1F3-4FD2-AE50-52357A7C4C20}" dt="2023-01-17T01:01:53.903" v="9185" actId="1035"/>
           <ac:picMkLst>
             <pc:docMk/>
@@ -3104,11 +3163,27 @@
         </pc:cxnChg>
       </pc:sldChg>
       <pc:sldChg chg="addSp delSp modSp add mod modAnim">
-        <pc:chgData name="Gabriel Quintella" userId="0401f16030b3bbcc" providerId="LiveId" clId="{A9A96EB3-C1F3-4FD2-AE50-52357A7C4C20}" dt="2023-01-16T01:09:20.226" v="5282" actId="20577"/>
+        <pc:chgData name="Gabriel Quintella" userId="0401f16030b3bbcc" providerId="LiveId" clId="{A9A96EB3-C1F3-4FD2-AE50-52357A7C4C20}" dt="2023-01-17T15:47:41.716" v="12180" actId="1035"/>
         <pc:sldMkLst>
           <pc:docMk/>
           <pc:sldMk cId="1197532474" sldId="282"/>
         </pc:sldMkLst>
+        <pc:spChg chg="mod">
+          <ac:chgData name="Gabriel Quintella" userId="0401f16030b3bbcc" providerId="LiveId" clId="{A9A96EB3-C1F3-4FD2-AE50-52357A7C4C20}" dt="2023-01-17T15:44:16.535" v="12025" actId="1038"/>
+          <ac:spMkLst>
+            <pc:docMk/>
+            <pc:sldMk cId="1197532474" sldId="282"/>
+            <ac:spMk id="2" creationId="{19764015-E385-156B-7450-0F3870114483}"/>
+          </ac:spMkLst>
+        </pc:spChg>
+        <pc:spChg chg="mod">
+          <ac:chgData name="Gabriel Quintella" userId="0401f16030b3bbcc" providerId="LiveId" clId="{A9A96EB3-C1F3-4FD2-AE50-52357A7C4C20}" dt="2023-01-17T15:44:07.522" v="11979" actId="121"/>
+          <ac:spMkLst>
+            <pc:docMk/>
+            <pc:sldMk cId="1197532474" sldId="282"/>
+            <ac:spMk id="3" creationId="{1697039B-63ED-5819-CCAB-560586622336}"/>
+          </ac:spMkLst>
+        </pc:spChg>
         <pc:spChg chg="del">
           <ac:chgData name="Gabriel Quintella" userId="0401f16030b3bbcc" providerId="LiveId" clId="{A9A96EB3-C1F3-4FD2-AE50-52357A7C4C20}" dt="2023-01-16T00:54:07.181" v="4387" actId="478"/>
           <ac:spMkLst>
@@ -3117,8 +3192,24 @@
             <ac:spMk id="4" creationId="{0F13E868-EDD6-7B10-7BDD-5364A6C3AC31}"/>
           </ac:spMkLst>
         </pc:spChg>
+        <pc:spChg chg="add del mod">
+          <ac:chgData name="Gabriel Quintella" userId="0401f16030b3bbcc" providerId="LiveId" clId="{A9A96EB3-C1F3-4FD2-AE50-52357A7C4C20}" dt="2023-01-17T12:05:57.069" v="11328"/>
+          <ac:spMkLst>
+            <pc:docMk/>
+            <pc:sldMk cId="1197532474" sldId="282"/>
+            <ac:spMk id="4" creationId="{E423D472-C8C3-AB5A-EDD6-F9FC8AE5EBBF}"/>
+          </ac:spMkLst>
+        </pc:spChg>
         <pc:spChg chg="add mod">
-          <ac:chgData name="Gabriel Quintella" userId="0401f16030b3bbcc" providerId="LiveId" clId="{A9A96EB3-C1F3-4FD2-AE50-52357A7C4C20}" dt="2023-01-16T01:00:47.953" v="4626" actId="1076"/>
+          <ac:chgData name="Gabriel Quintella" userId="0401f16030b3bbcc" providerId="LiveId" clId="{A9A96EB3-C1F3-4FD2-AE50-52357A7C4C20}" dt="2023-01-17T15:47:35.607" v="12176" actId="20577"/>
+          <ac:spMkLst>
+            <pc:docMk/>
+            <pc:sldMk cId="1197532474" sldId="282"/>
+            <ac:spMk id="7" creationId="{F179E118-4C10-B512-7C8C-D22EF3EC7C25}"/>
+          </ac:spMkLst>
+        </pc:spChg>
+        <pc:spChg chg="add mod">
+          <ac:chgData name="Gabriel Quintella" userId="0401f16030b3bbcc" providerId="LiveId" clId="{A9A96EB3-C1F3-4FD2-AE50-52357A7C4C20}" dt="2023-01-17T15:44:32.773" v="12030" actId="1076"/>
           <ac:spMkLst>
             <pc:docMk/>
             <pc:sldMk cId="1197532474" sldId="282"/>
@@ -3134,7 +3225,7 @@
           </ac:spMkLst>
         </pc:spChg>
         <pc:spChg chg="add mod">
-          <ac:chgData name="Gabriel Quintella" userId="0401f16030b3bbcc" providerId="LiveId" clId="{A9A96EB3-C1F3-4FD2-AE50-52357A7C4C20}" dt="2023-01-16T01:00:51.186" v="4627" actId="1076"/>
+          <ac:chgData name="Gabriel Quintella" userId="0401f16030b3bbcc" providerId="LiveId" clId="{A9A96EB3-C1F3-4FD2-AE50-52357A7C4C20}" dt="2023-01-17T15:44:53.393" v="12033" actId="121"/>
           <ac:spMkLst>
             <pc:docMk/>
             <pc:sldMk cId="1197532474" sldId="282"/>
@@ -3165,20 +3256,100 @@
             <ac:spMk id="17" creationId="{3E12D19E-9B4C-BBD9-5A30-67C74AF4B47E}"/>
           </ac:spMkLst>
         </pc:spChg>
-        <pc:spChg chg="add mod">
-          <ac:chgData name="Gabriel Quintella" userId="0401f16030b3bbcc" providerId="LiveId" clId="{A9A96EB3-C1F3-4FD2-AE50-52357A7C4C20}" dt="2023-01-16T01:09:20.226" v="5282" actId="20577"/>
+        <pc:spChg chg="add del mod">
+          <ac:chgData name="Gabriel Quintella" userId="0401f16030b3bbcc" providerId="LiveId" clId="{A9A96EB3-C1F3-4FD2-AE50-52357A7C4C20}" dt="2023-01-17T12:48:36.385" v="11789" actId="478"/>
           <ac:spMkLst>
             <pc:docMk/>
             <pc:sldMk cId="1197532474" sldId="282"/>
             <ac:spMk id="18" creationId="{29109CEB-008F-8B5F-FC0D-1FD41930513D}"/>
           </ac:spMkLst>
         </pc:spChg>
-        <pc:picChg chg="mod">
-          <ac:chgData name="Gabriel Quintella" userId="0401f16030b3bbcc" providerId="LiveId" clId="{A9A96EB3-C1F3-4FD2-AE50-52357A7C4C20}" dt="2023-01-16T00:59:10.784" v="4572" actId="1076"/>
+        <pc:picChg chg="del mod">
+          <ac:chgData name="Gabriel Quintella" userId="0401f16030b3bbcc" providerId="LiveId" clId="{A9A96EB3-C1F3-4FD2-AE50-52357A7C4C20}" dt="2023-01-17T12:25:55.022" v="11574" actId="478"/>
           <ac:picMkLst>
             <pc:docMk/>
             <pc:sldMk cId="1197532474" sldId="282"/>
             <ac:picMk id="6" creationId="{31A21E7A-F316-321D-1283-9964D799F775}"/>
+          </ac:picMkLst>
+        </pc:picChg>
+        <pc:picChg chg="add mod">
+          <ac:chgData name="Gabriel Quintella" userId="0401f16030b3bbcc" providerId="LiveId" clId="{A9A96EB3-C1F3-4FD2-AE50-52357A7C4C20}" dt="2023-01-17T15:45:21.826" v="12053" actId="1036"/>
+          <ac:picMkLst>
+            <pc:docMk/>
+            <pc:sldMk cId="1197532474" sldId="282"/>
+            <ac:picMk id="9" creationId="{F3ABF543-73D6-2EE1-09E4-70459BFA228D}"/>
+          </ac:picMkLst>
+        </pc:picChg>
+        <pc:picChg chg="add mod">
+          <ac:chgData name="Gabriel Quintella" userId="0401f16030b3bbcc" providerId="LiveId" clId="{A9A96EB3-C1F3-4FD2-AE50-52357A7C4C20}" dt="2023-01-17T15:45:31.042" v="12085" actId="1035"/>
+          <ac:picMkLst>
+            <pc:docMk/>
+            <pc:sldMk cId="1197532474" sldId="282"/>
+            <ac:picMk id="10" creationId="{0D252174-D1A2-B138-4446-6D658311C8CE}"/>
+          </ac:picMkLst>
+        </pc:picChg>
+        <pc:picChg chg="add mod">
+          <ac:chgData name="Gabriel Quintella" userId="0401f16030b3bbcc" providerId="LiveId" clId="{A9A96EB3-C1F3-4FD2-AE50-52357A7C4C20}" dt="2023-01-17T15:45:42.539" v="12108" actId="1038"/>
+          <ac:picMkLst>
+            <pc:docMk/>
+            <pc:sldMk cId="1197532474" sldId="282"/>
+            <ac:picMk id="11" creationId="{AE27C193-50D2-BF76-CA69-48B2D41C3A59}"/>
+          </ac:picMkLst>
+        </pc:picChg>
+        <pc:picChg chg="add mod">
+          <ac:chgData name="Gabriel Quintella" userId="0401f16030b3bbcc" providerId="LiveId" clId="{A9A96EB3-C1F3-4FD2-AE50-52357A7C4C20}" dt="2023-01-17T15:45:48.100" v="12128" actId="1035"/>
+          <ac:picMkLst>
+            <pc:docMk/>
+            <pc:sldMk cId="1197532474" sldId="282"/>
+            <ac:picMk id="13" creationId="{0AB08E32-FC8F-A37D-C8FA-5F4CEFF27761}"/>
+          </ac:picMkLst>
+        </pc:picChg>
+        <pc:picChg chg="add mod">
+          <ac:chgData name="Gabriel Quintella" userId="0401f16030b3bbcc" providerId="LiveId" clId="{A9A96EB3-C1F3-4FD2-AE50-52357A7C4C20}" dt="2023-01-17T15:44:28.820" v="12029" actId="1076"/>
+          <ac:picMkLst>
+            <pc:docMk/>
+            <pc:sldMk cId="1197532474" sldId="282"/>
+            <ac:picMk id="14" creationId="{B6F09F29-0D66-8F3C-01E4-85A0F582CC54}"/>
+          </ac:picMkLst>
+        </pc:picChg>
+        <pc:picChg chg="add mod">
+          <ac:chgData name="Gabriel Quintella" userId="0401f16030b3bbcc" providerId="LiveId" clId="{A9A96EB3-C1F3-4FD2-AE50-52357A7C4C20}" dt="2023-01-17T15:44:42.270" v="12031" actId="1076"/>
+          <ac:picMkLst>
+            <pc:docMk/>
+            <pc:sldMk cId="1197532474" sldId="282"/>
+            <ac:picMk id="15" creationId="{F3061846-0577-DBA0-3498-E78A47D8B81C}"/>
+          </ac:picMkLst>
+        </pc:picChg>
+        <pc:picChg chg="add mod">
+          <ac:chgData name="Gabriel Quintella" userId="0401f16030b3bbcc" providerId="LiveId" clId="{A9A96EB3-C1F3-4FD2-AE50-52357A7C4C20}" dt="2023-01-17T15:44:42.270" v="12031" actId="1076"/>
+          <ac:picMkLst>
+            <pc:docMk/>
+            <pc:sldMk cId="1197532474" sldId="282"/>
+            <ac:picMk id="16" creationId="{228F71BD-CFEF-5792-AB3E-5CB5B6BD7877}"/>
+          </ac:picMkLst>
+        </pc:picChg>
+        <pc:picChg chg="add mod">
+          <ac:chgData name="Gabriel Quintella" userId="0401f16030b3bbcc" providerId="LiveId" clId="{A9A96EB3-C1F3-4FD2-AE50-52357A7C4C20}" dt="2023-01-17T15:44:42.270" v="12031" actId="1076"/>
+          <ac:picMkLst>
+            <pc:docMk/>
+            <pc:sldMk cId="1197532474" sldId="282"/>
+            <ac:picMk id="17" creationId="{9B1952D0-A172-5019-FD3B-852B9C3D099E}"/>
+          </ac:picMkLst>
+        </pc:picChg>
+        <pc:picChg chg="add mod">
+          <ac:chgData name="Gabriel Quintella" userId="0401f16030b3bbcc" providerId="LiveId" clId="{A9A96EB3-C1F3-4FD2-AE50-52357A7C4C20}" dt="2023-01-17T15:44:42.270" v="12031" actId="1076"/>
+          <ac:picMkLst>
+            <pc:docMk/>
+            <pc:sldMk cId="1197532474" sldId="282"/>
+            <ac:picMk id="19" creationId="{60DC5E04-B837-505C-3D9E-906AB9CF7179}"/>
+          </ac:picMkLst>
+        </pc:picChg>
+        <pc:picChg chg="add mod">
+          <ac:chgData name="Gabriel Quintella" userId="0401f16030b3bbcc" providerId="LiveId" clId="{A9A96EB3-C1F3-4FD2-AE50-52357A7C4C20}" dt="2023-01-17T15:47:41.716" v="12180" actId="1035"/>
+          <ac:picMkLst>
+            <pc:docMk/>
+            <pc:sldMk cId="1197532474" sldId="282"/>
+            <ac:picMk id="6146" creationId="{7DE3A453-1EEB-AE14-3607-9381ECCAB1E4}"/>
           </ac:picMkLst>
         </pc:picChg>
       </pc:sldChg>
@@ -3738,6 +3909,210 @@
             <ac:spMk id="13" creationId="{2099715D-E4C8-A51A-E46E-876F250966B8}"/>
           </ac:spMkLst>
         </pc:spChg>
+      </pc:sldChg>
+      <pc:sldChg chg="addSp delSp modSp add mod">
+        <pc:chgData name="Gabriel Quintella" userId="0401f16030b3bbcc" providerId="LiveId" clId="{A9A96EB3-C1F3-4FD2-AE50-52357A7C4C20}" dt="2023-01-17T11:10:59.059" v="10851" actId="1035"/>
+        <pc:sldMkLst>
+          <pc:docMk/>
+          <pc:sldMk cId="3160557577" sldId="286"/>
+        </pc:sldMkLst>
+        <pc:spChg chg="mod">
+          <ac:chgData name="Gabriel Quintella" userId="0401f16030b3bbcc" providerId="LiveId" clId="{A9A96EB3-C1F3-4FD2-AE50-52357A7C4C20}" dt="2023-01-17T11:08:53.564" v="10806" actId="20577"/>
+          <ac:spMkLst>
+            <pc:docMk/>
+            <pc:sldMk cId="3160557577" sldId="286"/>
+            <ac:spMk id="2" creationId="{F0692AFF-3E64-0586-A52C-8FA02076D16D}"/>
+          </ac:spMkLst>
+        </pc:spChg>
+        <pc:picChg chg="del">
+          <ac:chgData name="Gabriel Quintella" userId="0401f16030b3bbcc" providerId="LiveId" clId="{A9A96EB3-C1F3-4FD2-AE50-52357A7C4C20}" dt="2023-01-17T11:09:22.189" v="10807" actId="478"/>
+          <ac:picMkLst>
+            <pc:docMk/>
+            <pc:sldMk cId="3160557577" sldId="286"/>
+            <ac:picMk id="3" creationId="{0550244F-A9AF-C0DA-C254-9307223EC41A}"/>
+          </ac:picMkLst>
+        </pc:picChg>
+        <pc:picChg chg="add mod">
+          <ac:chgData name="Gabriel Quintella" userId="0401f16030b3bbcc" providerId="LiveId" clId="{A9A96EB3-C1F3-4FD2-AE50-52357A7C4C20}" dt="2023-01-17T11:10:59.059" v="10851" actId="1035"/>
+          <ac:picMkLst>
+            <pc:docMk/>
+            <pc:sldMk cId="3160557577" sldId="286"/>
+            <ac:picMk id="4098" creationId="{695332E2-DB2A-B48F-9FE5-BB7329272E32}"/>
+          </ac:picMkLst>
+        </pc:picChg>
+      </pc:sldChg>
+      <pc:sldChg chg="addSp delSp modSp add mod modAnim">
+        <pc:chgData name="Gabriel Quintella" userId="0401f16030b3bbcc" providerId="LiveId" clId="{A9A96EB3-C1F3-4FD2-AE50-52357A7C4C20}" dt="2023-01-17T11:48:04.770" v="11083" actId="207"/>
+        <pc:sldMkLst>
+          <pc:docMk/>
+          <pc:sldMk cId="4239031953" sldId="287"/>
+        </pc:sldMkLst>
+        <pc:spChg chg="mod">
+          <ac:chgData name="Gabriel Quintella" userId="0401f16030b3bbcc" providerId="LiveId" clId="{A9A96EB3-C1F3-4FD2-AE50-52357A7C4C20}" dt="2023-01-17T11:11:34.344" v="10868" actId="20577"/>
+          <ac:spMkLst>
+            <pc:docMk/>
+            <pc:sldMk cId="4239031953" sldId="287"/>
+            <ac:spMk id="2" creationId="{F0692AFF-3E64-0586-A52C-8FA02076D16D}"/>
+          </ac:spMkLst>
+        </pc:spChg>
+        <pc:spChg chg="add mod">
+          <ac:chgData name="Gabriel Quintella" userId="0401f16030b3bbcc" providerId="LiveId" clId="{A9A96EB3-C1F3-4FD2-AE50-52357A7C4C20}" dt="2023-01-17T11:48:04.770" v="11083" actId="207"/>
+          <ac:spMkLst>
+            <pc:docMk/>
+            <pc:sldMk cId="4239031953" sldId="287"/>
+            <ac:spMk id="6" creationId="{31BB5548-802F-D3A5-17F3-2CA72EB0001D}"/>
+          </ac:spMkLst>
+        </pc:spChg>
+        <pc:spChg chg="add mod">
+          <ac:chgData name="Gabriel Quintella" userId="0401f16030b3bbcc" providerId="LiveId" clId="{A9A96EB3-C1F3-4FD2-AE50-52357A7C4C20}" dt="2023-01-17T11:46:19.898" v="11082" actId="20577"/>
+          <ac:spMkLst>
+            <pc:docMk/>
+            <pc:sldMk cId="4239031953" sldId="287"/>
+            <ac:spMk id="8" creationId="{9754BC41-BBC1-E80D-2698-4C8216419A0D}"/>
+          </ac:spMkLst>
+        </pc:spChg>
+        <pc:spChg chg="add mod">
+          <ac:chgData name="Gabriel Quintella" userId="0401f16030b3bbcc" providerId="LiveId" clId="{A9A96EB3-C1F3-4FD2-AE50-52357A7C4C20}" dt="2023-01-17T11:45:58.380" v="11081" actId="20577"/>
+          <ac:spMkLst>
+            <pc:docMk/>
+            <pc:sldMk cId="4239031953" sldId="287"/>
+            <ac:spMk id="10" creationId="{64BF4363-5A12-BA09-D6C9-6E0F765E7026}"/>
+          </ac:spMkLst>
+        </pc:spChg>
+        <pc:picChg chg="add mod">
+          <ac:chgData name="Gabriel Quintella" userId="0401f16030b3bbcc" providerId="LiveId" clId="{A9A96EB3-C1F3-4FD2-AE50-52357A7C4C20}" dt="2023-01-17T11:44:01.919" v="10908" actId="1076"/>
+          <ac:picMkLst>
+            <pc:docMk/>
+            <pc:sldMk cId="4239031953" sldId="287"/>
+            <ac:picMk id="5" creationId="{A2B0D1D2-1E61-D575-211E-5F384A97476A}"/>
+          </ac:picMkLst>
+        </pc:picChg>
+        <pc:picChg chg="del">
+          <ac:chgData name="Gabriel Quintella" userId="0401f16030b3bbcc" providerId="LiveId" clId="{A9A96EB3-C1F3-4FD2-AE50-52357A7C4C20}" dt="2023-01-17T11:11:22.844" v="10853" actId="478"/>
+          <ac:picMkLst>
+            <pc:docMk/>
+            <pc:sldMk cId="4239031953" sldId="287"/>
+            <ac:picMk id="4098" creationId="{695332E2-DB2A-B48F-9FE5-BB7329272E32}"/>
+          </ac:picMkLst>
+        </pc:picChg>
+      </pc:sldChg>
+      <pc:sldChg chg="addSp delSp modSp new mod setBg modAnim">
+        <pc:chgData name="Gabriel Quintella" userId="0401f16030b3bbcc" providerId="LiveId" clId="{A9A96EB3-C1F3-4FD2-AE50-52357A7C4C20}" dt="2023-01-17T12:05:24.422" v="11325" actId="20577"/>
+        <pc:sldMkLst>
+          <pc:docMk/>
+          <pc:sldMk cId="1848891117" sldId="288"/>
+        </pc:sldMkLst>
+        <pc:spChg chg="add mod">
+          <ac:chgData name="Gabriel Quintella" userId="0401f16030b3bbcc" providerId="LiveId" clId="{A9A96EB3-C1F3-4FD2-AE50-52357A7C4C20}" dt="2023-01-17T11:59:53.711" v="11218" actId="26606"/>
+          <ac:spMkLst>
+            <pc:docMk/>
+            <pc:sldMk cId="1848891117" sldId="288"/>
+            <ac:spMk id="2" creationId="{F05367C0-26D7-23A3-A32A-5DF549F7FAAC}"/>
+          </ac:spMkLst>
+        </pc:spChg>
+        <pc:spChg chg="add del mod">
+          <ac:chgData name="Gabriel Quintella" userId="0401f16030b3bbcc" providerId="LiveId" clId="{A9A96EB3-C1F3-4FD2-AE50-52357A7C4C20}" dt="2023-01-17T11:59:53.711" v="11218" actId="26606"/>
+          <ac:spMkLst>
+            <pc:docMk/>
+            <pc:sldMk cId="1848891117" sldId="288"/>
+            <ac:spMk id="3" creationId="{D43F7A4B-35F4-AAD3-9526-D8492C3D3035}"/>
+          </ac:spMkLst>
+        </pc:spChg>
+        <pc:spChg chg="add mod ord">
+          <ac:chgData name="Gabriel Quintella" userId="0401f16030b3bbcc" providerId="LiveId" clId="{A9A96EB3-C1F3-4FD2-AE50-52357A7C4C20}" dt="2023-01-17T12:05:24.422" v="11325" actId="20577"/>
+          <ac:spMkLst>
+            <pc:docMk/>
+            <pc:sldMk cId="1848891117" sldId="288"/>
+            <ac:spMk id="5" creationId="{42962140-8D9E-DAB1-FB09-5109793C9036}"/>
+          </ac:spMkLst>
+        </pc:spChg>
+        <pc:spChg chg="add del">
+          <ac:chgData name="Gabriel Quintella" userId="0401f16030b3bbcc" providerId="LiveId" clId="{A9A96EB3-C1F3-4FD2-AE50-52357A7C4C20}" dt="2023-01-17T11:59:53.711" v="11218" actId="26606"/>
+          <ac:spMkLst>
+            <pc:docMk/>
+            <pc:sldMk cId="1848891117" sldId="288"/>
+            <ac:spMk id="5133" creationId="{2DAA6C16-BF9B-4A3E-BC70-EE6015D4F967}"/>
+          </ac:spMkLst>
+        </pc:spChg>
+        <pc:grpChg chg="add del">
+          <ac:chgData name="Gabriel Quintella" userId="0401f16030b3bbcc" providerId="LiveId" clId="{A9A96EB3-C1F3-4FD2-AE50-52357A7C4C20}" dt="2023-01-17T11:59:53.711" v="11218" actId="26606"/>
+          <ac:grpSpMkLst>
+            <pc:docMk/>
+            <pc:sldMk cId="1848891117" sldId="288"/>
+            <ac:grpSpMk id="5135" creationId="{31655B4F-4050-4B1F-82A8-180E74CF9C54}"/>
+          </ac:grpSpMkLst>
+        </pc:grpChg>
+        <pc:picChg chg="add mod ord">
+          <ac:chgData name="Gabriel Quintella" userId="0401f16030b3bbcc" providerId="LiveId" clId="{A9A96EB3-C1F3-4FD2-AE50-52357A7C4C20}" dt="2023-01-17T11:59:53.711" v="11218" actId="26606"/>
+          <ac:picMkLst>
+            <pc:docMk/>
+            <pc:sldMk cId="1848891117" sldId="288"/>
+            <ac:picMk id="4" creationId="{26568278-9CFC-CD20-98A0-77EF66133FD0}"/>
+          </ac:picMkLst>
+        </pc:picChg>
+        <pc:picChg chg="add mod ord">
+          <ac:chgData name="Gabriel Quintella" userId="0401f16030b3bbcc" providerId="LiveId" clId="{A9A96EB3-C1F3-4FD2-AE50-52357A7C4C20}" dt="2023-01-17T11:59:53.711" v="11218" actId="26606"/>
+          <ac:picMkLst>
+            <pc:docMk/>
+            <pc:sldMk cId="1848891117" sldId="288"/>
+            <ac:picMk id="5122" creationId="{DAACBA8D-9E16-4E5D-B4CF-978AA4FD0224}"/>
+          </ac:picMkLst>
+        </pc:picChg>
+        <pc:picChg chg="add mod">
+          <ac:chgData name="Gabriel Quintella" userId="0401f16030b3bbcc" providerId="LiveId" clId="{A9A96EB3-C1F3-4FD2-AE50-52357A7C4C20}" dt="2023-01-17T12:05:23.835" v="11324" actId="1036"/>
+          <ac:picMkLst>
+            <pc:docMk/>
+            <pc:sldMk cId="1848891117" sldId="288"/>
+            <ac:picMk id="5124" creationId="{B8005F42-5200-FC73-84FB-6C3FC371B7E4}"/>
+          </ac:picMkLst>
+        </pc:picChg>
+        <pc:picChg chg="add mod ord">
+          <ac:chgData name="Gabriel Quintella" userId="0401f16030b3bbcc" providerId="LiveId" clId="{A9A96EB3-C1F3-4FD2-AE50-52357A7C4C20}" dt="2023-01-17T12:05:23.835" v="11324" actId="1036"/>
+          <ac:picMkLst>
+            <pc:docMk/>
+            <pc:sldMk cId="1848891117" sldId="288"/>
+            <ac:picMk id="5126" creationId="{D23D0539-3A2D-C8CB-9DB9-56E523831D1F}"/>
+          </ac:picMkLst>
+        </pc:picChg>
+        <pc:picChg chg="add mod">
+          <ac:chgData name="Gabriel Quintella" userId="0401f16030b3bbcc" providerId="LiveId" clId="{A9A96EB3-C1F3-4FD2-AE50-52357A7C4C20}" dt="2023-01-17T12:05:23.835" v="11324" actId="1036"/>
+          <ac:picMkLst>
+            <pc:docMk/>
+            <pc:sldMk cId="1848891117" sldId="288"/>
+            <ac:picMk id="5128" creationId="{5E25FCD1-5F1A-41B2-8011-85951A7854F5}"/>
+          </ac:picMkLst>
+        </pc:picChg>
+        <pc:picChg chg="add mod">
+          <ac:chgData name="Gabriel Quintella" userId="0401f16030b3bbcc" providerId="LiveId" clId="{A9A96EB3-C1F3-4FD2-AE50-52357A7C4C20}" dt="2023-01-17T12:05:23.835" v="11324" actId="1036"/>
+          <ac:picMkLst>
+            <pc:docMk/>
+            <pc:sldMk cId="1848891117" sldId="288"/>
+            <ac:picMk id="5130" creationId="{EBF72C0F-5729-6697-61D7-2DC402B1D5A5}"/>
+          </ac:picMkLst>
+        </pc:picChg>
+      </pc:sldChg>
+      <pc:sldChg chg="addSp delSp modSp new del mod">
+        <pc:chgData name="Gabriel Quintella" userId="0401f16030b3bbcc" providerId="LiveId" clId="{A9A96EB3-C1F3-4FD2-AE50-52357A7C4C20}" dt="2023-01-17T12:37:41.584" v="11636" actId="47"/>
+        <pc:sldMkLst>
+          <pc:docMk/>
+          <pc:sldMk cId="3979980636" sldId="289"/>
+        </pc:sldMkLst>
+        <pc:spChg chg="add del mod">
+          <ac:chgData name="Gabriel Quintella" userId="0401f16030b3bbcc" providerId="LiveId" clId="{A9A96EB3-C1F3-4FD2-AE50-52357A7C4C20}" dt="2023-01-17T12:11:39.485" v="11457" actId="478"/>
+          <ac:spMkLst>
+            <pc:docMk/>
+            <pc:sldMk cId="3979980636" sldId="289"/>
+            <ac:spMk id="4" creationId="{40F6EC6D-EE82-DAD7-7867-68F4A7BBD660}"/>
+          </ac:spMkLst>
+        </pc:spChg>
+        <pc:picChg chg="add del mod">
+          <ac:chgData name="Gabriel Quintella" userId="0401f16030b3bbcc" providerId="LiveId" clId="{A9A96EB3-C1F3-4FD2-AE50-52357A7C4C20}" dt="2023-01-17T12:25:50.377" v="11573" actId="14100"/>
+          <ac:picMkLst>
+            <pc:docMk/>
+            <pc:sldMk cId="3979980636" sldId="289"/>
+            <ac:picMk id="3" creationId="{5D66DA58-96DB-459E-CC01-6AFC2DA1DF31}"/>
+          </ac:picMkLst>
+        </pc:picChg>
       </pc:sldChg>
     </pc:docChg>
   </pc:docChgLst>
@@ -4922,7 +5297,7 @@
   <dgm:whole/>
   <dgm:extLst>
     <a:ext uri="http://schemas.microsoft.com/office/drawing/2008/diagram">
-      <dsp:dataModelExt xmlns:dsp="http://schemas.microsoft.com/office/drawing/2008/diagram" relId="rId6" minVer="http://schemas.openxmlformats.org/drawingml/2006/diagram"/>
+      <dsp:dataModelExt xmlns:dsp="http://schemas.microsoft.com/office/drawing/2008/diagram" relId="rId7" minVer="http://schemas.openxmlformats.org/drawingml/2006/diagram"/>
     </a:ext>
   </dgm:extLst>
 </dgm:dataModel>
@@ -7222,7 +7597,7 @@
           <a:p>
             <a:fld id="{2605782E-E8F4-4279-A84C-D555C4DEFA16}" type="datetimeFigureOut">
               <a:rPr lang="pt-BR" smtClean="0"/>
-              <a:t>15/01/2023</a:t>
+              <a:t>16/01/2023</a:t>
             </a:fld>
             <a:endParaRPr lang="pt-BR"/>
           </a:p>
@@ -7790,6 +8165,93 @@
           <a:lstStyle/>
           <a:p>
             <a:r>
+              <a:rPr lang="pt-BR"/>
+              <a:t>a</a:t>
+            </a:r>
+          </a:p>
+        </p:txBody>
+      </p:sp>
+      <p:sp>
+        <p:nvSpPr>
+          <p:cNvPr id="4" name="Espaço Reservado para Número de Slide 3"/>
+          <p:cNvSpPr>
+            <a:spLocks noGrp="1"/>
+          </p:cNvSpPr>
+          <p:nvPr>
+            <p:ph type="sldNum" sz="quarter" idx="5"/>
+          </p:nvPr>
+        </p:nvSpPr>
+        <p:spPr/>
+        <p:txBody>
+          <a:bodyPr/>
+          <a:lstStyle/>
+          <a:p>
+            <a:fld id="{E2ABC601-93F5-4363-93A2-8C1C9B976BB1}" type="slidenum">
+              <a:rPr lang="pt-BR" smtClean="0"/>
+              <a:t>7</a:t>
+            </a:fld>
+            <a:endParaRPr lang="pt-BR"/>
+          </a:p>
+        </p:txBody>
+      </p:sp>
+    </p:spTree>
+    <p:extLst>
+      <p:ext uri="{BB962C8B-B14F-4D97-AF65-F5344CB8AC3E}">
+        <p14:creationId xmlns:p14="http://schemas.microsoft.com/office/powerpoint/2010/main" val="125083504"/>
+      </p:ext>
+    </p:extLst>
+  </p:cSld>
+  <p:clrMapOvr>
+    <a:masterClrMapping/>
+  </p:clrMapOvr>
+</p:notes>
+</file>
+
+<file path=ppt/notesSlides/notesSlide4.xml><?xml version="1.0" encoding="utf-8"?>
+<p:notes xmlns:a="http://schemas.openxmlformats.org/drawingml/2006/main" xmlns:r="http://schemas.openxmlformats.org/officeDocument/2006/relationships" xmlns:p="http://schemas.openxmlformats.org/presentationml/2006/main">
+  <p:cSld>
+    <p:spTree>
+      <p:nvGrpSpPr>
+        <p:cNvPr id="1" name=""/>
+        <p:cNvGrpSpPr/>
+        <p:nvPr/>
+      </p:nvGrpSpPr>
+      <p:grpSpPr>
+        <a:xfrm>
+          <a:off x="0" y="0"/>
+          <a:ext cx="0" cy="0"/>
+          <a:chOff x="0" y="0"/>
+          <a:chExt cx="0" cy="0"/>
+        </a:xfrm>
+      </p:grpSpPr>
+      <p:sp>
+        <p:nvSpPr>
+          <p:cNvPr id="2" name="Espaço Reservado para Imagem de Slide 1"/>
+          <p:cNvSpPr>
+            <a:spLocks noGrp="1" noRot="1" noChangeAspect="1"/>
+          </p:cNvSpPr>
+          <p:nvPr>
+            <p:ph type="sldImg"/>
+          </p:nvPr>
+        </p:nvSpPr>
+        <p:spPr/>
+      </p:sp>
+      <p:sp>
+        <p:nvSpPr>
+          <p:cNvPr id="3" name="Espaço Reservado para Anotações 2"/>
+          <p:cNvSpPr>
+            <a:spLocks noGrp="1"/>
+          </p:cNvSpPr>
+          <p:nvPr>
+            <p:ph type="body" idx="1"/>
+          </p:nvPr>
+        </p:nvSpPr>
+        <p:spPr/>
+        <p:txBody>
+          <a:bodyPr/>
+          <a:lstStyle/>
+          <a:p>
+            <a:r>
               <a:rPr lang="pt-BR" dirty="0"/>
               <a:t>Desenvolvendo a estrutura sob o olhar de requisitos de negócio</a:t>
             </a:r>
@@ -7841,7 +8303,7 @@
 </p:notes>
 </file>
 
-<file path=ppt/notesSlides/notesSlide4.xml><?xml version="1.0" encoding="utf-8"?>
+<file path=ppt/notesSlides/notesSlide5.xml><?xml version="1.0" encoding="utf-8"?>
 <p:notes xmlns:a="http://schemas.openxmlformats.org/drawingml/2006/main" xmlns:r="http://schemas.openxmlformats.org/officeDocument/2006/relationships" xmlns:p="http://schemas.openxmlformats.org/presentationml/2006/main">
   <p:cSld>
     <p:spTree>
@@ -8075,7 +8537,7 @@
           <a:p>
             <a:fld id="{62416C9B-4F23-4794-AABD-006B4CC300EA}" type="datetimeFigureOut">
               <a:rPr lang="pt-BR" smtClean="0"/>
-              <a:t>12/01/2023</a:t>
+              <a:t>16/01/2023</a:t>
             </a:fld>
             <a:endParaRPr lang="pt-BR"/>
           </a:p>
@@ -8273,7 +8735,7 @@
           <a:p>
             <a:fld id="{62416C9B-4F23-4794-AABD-006B4CC300EA}" type="datetimeFigureOut">
               <a:rPr lang="pt-BR" smtClean="0"/>
-              <a:t>12/01/2023</a:t>
+              <a:t>16/01/2023</a:t>
             </a:fld>
             <a:endParaRPr lang="pt-BR"/>
           </a:p>
@@ -8481,7 +8943,7 @@
           <a:p>
             <a:fld id="{62416C9B-4F23-4794-AABD-006B4CC300EA}" type="datetimeFigureOut">
               <a:rPr lang="pt-BR" smtClean="0"/>
-              <a:t>12/01/2023</a:t>
+              <a:t>16/01/2023</a:t>
             </a:fld>
             <a:endParaRPr lang="pt-BR"/>
           </a:p>
@@ -8679,7 +9141,7 @@
           <a:p>
             <a:fld id="{62416C9B-4F23-4794-AABD-006B4CC300EA}" type="datetimeFigureOut">
               <a:rPr lang="pt-BR" smtClean="0"/>
-              <a:t>12/01/2023</a:t>
+              <a:t>16/01/2023</a:t>
             </a:fld>
             <a:endParaRPr lang="pt-BR"/>
           </a:p>
@@ -8954,7 +9416,7 @@
           <a:p>
             <a:fld id="{62416C9B-4F23-4794-AABD-006B4CC300EA}" type="datetimeFigureOut">
               <a:rPr lang="pt-BR" smtClean="0"/>
-              <a:t>12/01/2023</a:t>
+              <a:t>16/01/2023</a:t>
             </a:fld>
             <a:endParaRPr lang="pt-BR"/>
           </a:p>
@@ -9219,7 +9681,7 @@
           <a:p>
             <a:fld id="{62416C9B-4F23-4794-AABD-006B4CC300EA}" type="datetimeFigureOut">
               <a:rPr lang="pt-BR" smtClean="0"/>
-              <a:t>12/01/2023</a:t>
+              <a:t>16/01/2023</a:t>
             </a:fld>
             <a:endParaRPr lang="pt-BR"/>
           </a:p>
@@ -9631,7 +10093,7 @@
           <a:p>
             <a:fld id="{62416C9B-4F23-4794-AABD-006B4CC300EA}" type="datetimeFigureOut">
               <a:rPr lang="pt-BR" smtClean="0"/>
-              <a:t>12/01/2023</a:t>
+              <a:t>16/01/2023</a:t>
             </a:fld>
             <a:endParaRPr lang="pt-BR"/>
           </a:p>
@@ -9772,7 +10234,7 @@
           <a:p>
             <a:fld id="{62416C9B-4F23-4794-AABD-006B4CC300EA}" type="datetimeFigureOut">
               <a:rPr lang="pt-BR" smtClean="0"/>
-              <a:t>12/01/2023</a:t>
+              <a:t>16/01/2023</a:t>
             </a:fld>
             <a:endParaRPr lang="pt-BR"/>
           </a:p>
@@ -9885,7 +10347,7 @@
           <a:p>
             <a:fld id="{62416C9B-4F23-4794-AABD-006B4CC300EA}" type="datetimeFigureOut">
               <a:rPr lang="pt-BR" smtClean="0"/>
-              <a:t>12/01/2023</a:t>
+              <a:t>16/01/2023</a:t>
             </a:fld>
             <a:endParaRPr lang="pt-BR"/>
           </a:p>
@@ -10196,7 +10658,7 @@
           <a:p>
             <a:fld id="{62416C9B-4F23-4794-AABD-006B4CC300EA}" type="datetimeFigureOut">
               <a:rPr lang="pt-BR" smtClean="0"/>
-              <a:t>12/01/2023</a:t>
+              <a:t>16/01/2023</a:t>
             </a:fld>
             <a:endParaRPr lang="pt-BR"/>
           </a:p>
@@ -10484,7 +10946,7 @@
           <a:p>
             <a:fld id="{62416C9B-4F23-4794-AABD-006B4CC300EA}" type="datetimeFigureOut">
               <a:rPr lang="pt-BR" smtClean="0"/>
-              <a:t>12/01/2023</a:t>
+              <a:t>16/01/2023</a:t>
             </a:fld>
             <a:endParaRPr lang="pt-BR"/>
           </a:p>
@@ -10725,7 +11187,7 @@
           <a:p>
             <a:fld id="{62416C9B-4F23-4794-AABD-006B4CC300EA}" type="datetimeFigureOut">
               <a:rPr lang="pt-BR" smtClean="0"/>
-              <a:t>12/01/2023</a:t>
+              <a:t>16/01/2023</a:t>
             </a:fld>
             <a:endParaRPr lang="pt-BR"/>
           </a:p>
@@ -28247,7 +28709,7 @@
         </p:nvSpPr>
         <p:spPr>
           <a:xfrm>
-            <a:off x="393291" y="557981"/>
+            <a:off x="4862043" y="557981"/>
             <a:ext cx="6992317" cy="3531403"/>
           </a:xfrm>
           <a:prstGeom prst="rect">
@@ -28260,9 +28722,9 @@
           </a:bodyPr>
           <a:lstStyle/>
           <a:p>
-            <a:pPr algn="l" fontAlgn="base"/>
+            <a:pPr algn="r" fontAlgn="base"/>
             <a:r>
-              <a:rPr lang="pt-BR" sz="6600">
+              <a:rPr lang="pt-BR" sz="6600" dirty="0">
                 <a:solidFill>
                   <a:schemeClr val="accent1"/>
                 </a:solidFill>
@@ -28271,13 +28733,6 @@
               </a:rPr>
               <a:t>Quem Sou Eu?</a:t>
             </a:r>
-            <a:endParaRPr lang="pt-BR" sz="6600" dirty="0">
-              <a:solidFill>
-                <a:schemeClr val="accent1"/>
-              </a:solidFill>
-              <a:effectLst/>
-              <a:latin typeface="impact" panose="020B0806030902050204" pitchFamily="34" charset="0"/>
-            </a:endParaRPr>
           </a:p>
         </p:txBody>
       </p:sp>
@@ -28304,7 +28759,7 @@
         </p:nvSpPr>
         <p:spPr>
           <a:xfrm>
-            <a:off x="501446" y="1725484"/>
+            <a:off x="6896970" y="1725484"/>
             <a:ext cx="4857135" cy="122982"/>
           </a:xfrm>
           <a:custGeom>
@@ -28617,7 +29072,7 @@
           <a:bodyPr rtlCol="0" anchor="ctr"/>
           <a:lstStyle/>
           <a:p>
-            <a:pPr algn="ctr"/>
+            <a:pPr algn="r"/>
             <a:endParaRPr lang="en-US">
               <a:solidFill>
                 <a:schemeClr val="accent1"/>
@@ -28662,49 +29117,6 @@
           </a:prstGeom>
         </p:spPr>
       </p:pic>
-      <p:pic>
-        <p:nvPicPr>
-          <p:cNvPr id="6" name="Imagem 5" descr="Homem com fone de ouvido&#10;&#10;Descrição gerada automaticamente">
-            <a:extLst>
-              <a:ext uri="{FF2B5EF4-FFF2-40B4-BE49-F238E27FC236}">
-                <a16:creationId xmlns:a16="http://schemas.microsoft.com/office/drawing/2014/main" id="{31A21E7A-F316-321D-1283-9964D799F775}"/>
-              </a:ext>
-            </a:extLst>
-          </p:cNvPr>
-          <p:cNvPicPr>
-            <a:picLocks noChangeAspect="1"/>
-          </p:cNvPicPr>
-          <p:nvPr/>
-        </p:nvPicPr>
-        <p:blipFill rotWithShape="1">
-          <a:blip r:embed="rId3">
-            <a:extLst>
-              <a:ext uri="{28A0092B-C50C-407E-A947-70E740481C1C}">
-                <a14:useLocalDpi xmlns:a14="http://schemas.microsoft.com/office/drawing/2010/main" val="0"/>
-              </a:ext>
-            </a:extLst>
-          </a:blip>
-          <a:srcRect t="12500" b="12500"/>
-          <a:stretch/>
-        </p:blipFill>
-        <p:spPr>
-          <a:xfrm>
-            <a:off x="4964682" y="3045727"/>
-            <a:ext cx="2262636" cy="2262636"/>
-          </a:xfrm>
-          <a:prstGeom prst="flowChartConnector">
-            <a:avLst/>
-          </a:prstGeom>
-          <a:solidFill>
-            <a:schemeClr val="accent1"/>
-          </a:solidFill>
-          <a:ln w="76200">
-            <a:solidFill>
-              <a:schemeClr val="accent5"/>
-            </a:solidFill>
-          </a:ln>
-        </p:spPr>
-      </p:pic>
       <p:sp>
         <p:nvSpPr>
           <p:cNvPr id="8" name="CaixaDeTexto 7">
@@ -28719,8 +29131,8 @@
         </p:nvSpPr>
         <p:spPr>
           <a:xfrm>
-            <a:off x="4787585" y="5582294"/>
-            <a:ext cx="2439733" cy="923330"/>
+            <a:off x="705673" y="2884632"/>
+            <a:ext cx="4156370" cy="769441"/>
           </a:xfrm>
           <a:prstGeom prst="rect">
             <a:avLst/>
@@ -28733,22 +29145,15 @@
           </a:bodyPr>
           <a:lstStyle/>
           <a:p>
-            <a:pPr algn="ctr"/>
             <a:r>
-              <a:rPr lang="pt-BR" sz="1800" dirty="0">
+              <a:rPr lang="pt-BR" sz="4400" dirty="0">
                 <a:solidFill>
                   <a:schemeClr val="accent1"/>
                 </a:solidFill>
                 <a:latin typeface="Impact" panose="020B0806030902050204" pitchFamily="34" charset="0"/>
               </a:rPr>
-              <a:t>Gabriel Quintella, 41 anos e morador de Niterói-RJ </a:t>
+              <a:t>Gabriel Quintella</a:t>
             </a:r>
-            <a:endParaRPr lang="pt-BR" dirty="0">
-              <a:solidFill>
-                <a:schemeClr val="accent1"/>
-              </a:solidFill>
-              <a:latin typeface="Impact" panose="020B0806030902050204" pitchFamily="34" charset="0"/>
-            </a:endParaRPr>
           </a:p>
         </p:txBody>
       </p:sp>
@@ -28766,8 +29171,8 @@
         </p:nvSpPr>
         <p:spPr>
           <a:xfrm>
-            <a:off x="149067" y="3212221"/>
-            <a:ext cx="6105832" cy="1754326"/>
+            <a:off x="6023808" y="2245730"/>
+            <a:ext cx="5821850" cy="3416320"/>
           </a:xfrm>
           <a:prstGeom prst="rect">
             <a:avLst/>
@@ -28780,6 +29185,7 @@
           </a:bodyPr>
           <a:lstStyle/>
           <a:p>
+            <a:pPr algn="r"/>
             <a:r>
               <a:rPr lang="pt-BR" sz="1800" dirty="0">
                 <a:solidFill>
@@ -28797,6 +29203,7 @@
             </a:endParaRPr>
           </a:p>
           <a:p>
+            <a:pPr algn="r"/>
             <a:r>
               <a:rPr lang="pt-BR" sz="1800" dirty="0">
                 <a:solidFill>
@@ -28804,10 +29211,17 @@
                 </a:solidFill>
                 <a:latin typeface="Impact" panose="020B0806030902050204" pitchFamily="34" charset="0"/>
               </a:rPr>
-              <a:t>Pós Graduado em: </a:t>
+              <a:t>Pós Graduado em</a:t>
             </a:r>
-          </a:p>
-          <a:p>
+            <a:r>
+              <a:rPr lang="pt-BR" dirty="0">
+                <a:solidFill>
+                  <a:schemeClr val="accent1"/>
+                </a:solidFill>
+                <a:latin typeface="Impact" panose="020B0806030902050204" pitchFamily="34" charset="0"/>
+              </a:rPr>
+              <a:t> </a:t>
+            </a:r>
             <a:r>
               <a:rPr lang="pt-BR" sz="1800" dirty="0">
                 <a:solidFill>
@@ -28815,10 +29229,11 @@
                 </a:solidFill>
                 <a:latin typeface="Impact" panose="020B0806030902050204" pitchFamily="34" charset="0"/>
               </a:rPr>
-              <a:t>Análise e Desenvolvimento de Sistemas</a:t>
+              <a:t>Desenvolvimento de Sistemas e </a:t>
             </a:r>
           </a:p>
           <a:p>
+            <a:pPr algn="r"/>
             <a:r>
               <a:rPr lang="pt-BR" sz="1800" dirty="0">
                 <a:solidFill>
@@ -28826,10 +29241,8 @@
                 </a:solidFill>
                 <a:latin typeface="Impact" panose="020B0806030902050204" pitchFamily="34" charset="0"/>
               </a:rPr>
-              <a:t>Administração de Banco de Dados</a:t>
+              <a:t>Administração de Banco de Dados, </a:t>
             </a:r>
-          </a:p>
-          <a:p>
             <a:r>
               <a:rPr lang="pt-BR" b="0" i="0" dirty="0">
                 <a:solidFill>
@@ -28862,6 +29275,7 @@
             </a:r>
           </a:p>
           <a:p>
+            <a:pPr algn="r"/>
             <a:endParaRPr lang="pt-BR" dirty="0">
               <a:solidFill>
                 <a:schemeClr val="accent1"/>
@@ -28869,14 +29283,74 @@
               <a:latin typeface="Impact" panose="020B0806030902050204" pitchFamily="34" charset="0"/>
             </a:endParaRPr>
           </a:p>
+          <a:p>
+            <a:pPr algn="r"/>
+            <a:r>
+              <a:rPr lang="pt-BR" dirty="0">
+                <a:solidFill>
+                  <a:schemeClr val="accent1"/>
+                </a:solidFill>
+                <a:latin typeface="Impact" panose="020B0806030902050204" pitchFamily="34" charset="0"/>
+              </a:rPr>
+              <a:t>Carreira iniciada em 2005</a:t>
+            </a:r>
+          </a:p>
+          <a:p>
+            <a:pPr algn="r"/>
+            <a:r>
+              <a:rPr lang="pt-BR" dirty="0">
+                <a:solidFill>
+                  <a:schemeClr val="accent1"/>
+                </a:solidFill>
+                <a:latin typeface="Impact" panose="020B0806030902050204" pitchFamily="34" charset="0"/>
+              </a:rPr>
+              <a:t>Durante 7 anos, atuei como Administrador de Bancos de Dados</a:t>
+            </a:r>
+          </a:p>
+          <a:p>
+            <a:pPr algn="r"/>
+            <a:r>
+              <a:rPr lang="pt-BR" dirty="0">
+                <a:solidFill>
+                  <a:schemeClr val="accent1"/>
+                </a:solidFill>
+                <a:latin typeface="Impact" panose="020B0806030902050204" pitchFamily="34" charset="0"/>
+              </a:rPr>
+              <a:t>Migrei naturalmente para área de BI</a:t>
+            </a:r>
+          </a:p>
+          <a:p>
+            <a:pPr algn="r"/>
+            <a:r>
+              <a:rPr lang="pt-BR" dirty="0">
+                <a:solidFill>
+                  <a:schemeClr val="accent1"/>
+                </a:solidFill>
+                <a:latin typeface="Impact" panose="020B0806030902050204" pitchFamily="34" charset="0"/>
+              </a:rPr>
+              <a:t>Atualmente trabalho com Big Data usando a plataforma cloud da Azure</a:t>
+            </a:r>
+          </a:p>
+          <a:p>
+            <a:pPr algn="r"/>
+            <a:r>
+              <a:rPr lang="pt-BR" dirty="0">
+                <a:solidFill>
+                  <a:schemeClr val="accent1"/>
+                </a:solidFill>
+                <a:latin typeface="Impact" panose="020B0806030902050204" pitchFamily="34" charset="0"/>
+              </a:rPr>
+              <a:t>Acumulando quase 18 anos na carreira de dados</a:t>
+            </a:r>
+          </a:p>
         </p:txBody>
       </p:sp>
       <p:sp>
         <p:nvSpPr>
-          <p:cNvPr id="18" name="CaixaDeTexto 17">
+          <p:cNvPr id="7" name="CaixaDeTexto 6">
             <a:extLst>
               <a:ext uri="{FF2B5EF4-FFF2-40B4-BE49-F238E27FC236}">
-                <a16:creationId xmlns:a16="http://schemas.microsoft.com/office/drawing/2014/main" id="{29109CEB-008F-8B5F-FC0D-1FD41930513D}"/>
+                <a16:creationId xmlns:a16="http://schemas.microsoft.com/office/drawing/2014/main" id="{F179E118-4C10-B512-7C8C-D22EF3EC7C25}"/>
               </a:ext>
             </a:extLst>
           </p:cNvPr>
@@ -28885,13 +29359,16 @@
         </p:nvSpPr>
         <p:spPr>
           <a:xfrm>
-            <a:off x="7629832" y="3212221"/>
-            <a:ext cx="4267201" cy="2585323"/>
+            <a:off x="55413" y="4792050"/>
+            <a:ext cx="7444844" cy="1806648"/>
           </a:xfrm>
           <a:prstGeom prst="rect">
             <a:avLst/>
           </a:prstGeom>
           <a:noFill/>
+          <a:ln>
+            <a:noFill/>
+          </a:ln>
         </p:spPr>
         <p:txBody>
           <a:bodyPr wrap="square">
@@ -28899,25 +29376,100 @@
           </a:bodyPr>
           <a:lstStyle/>
           <a:p>
+            <a:pPr marL="285750">
+              <a:lnSpc>
+                <a:spcPct val="90000"/>
+              </a:lnSpc>
+              <a:spcAft>
+                <a:spcPts val="600"/>
+              </a:spcAft>
+            </a:pPr>
             <a:r>
-              <a:rPr lang="pt-BR" sz="1800" dirty="0">
+              <a:rPr lang="en-US" sz="1600" dirty="0" err="1">
                 <a:solidFill>
                   <a:schemeClr val="accent1"/>
                 </a:solidFill>
                 <a:latin typeface="Impact" panose="020B0806030902050204" pitchFamily="34" charset="0"/>
               </a:rPr>
-              <a:t>Iniciei minha carrei</a:t>
+              <a:t>Contatos</a:t>
             </a:r>
             <a:r>
-              <a:rPr lang="pt-BR" dirty="0">
+              <a:rPr lang="en-US" sz="1600" dirty="0">
                 <a:solidFill>
                   <a:schemeClr val="accent1"/>
                 </a:solidFill>
                 <a:latin typeface="Impact" panose="020B0806030902050204" pitchFamily="34" charset="0"/>
               </a:rPr>
-              <a:t>ra trabalhando com dados em 2005</a:t>
+              <a:t>:</a:t>
             </a:r>
-            <a:endParaRPr lang="pt-BR" sz="1800" dirty="0">
+          </a:p>
+          <a:p>
+            <a:pPr marL="285750">
+              <a:lnSpc>
+                <a:spcPct val="90000"/>
+              </a:lnSpc>
+              <a:spcAft>
+                <a:spcPts val="600"/>
+              </a:spcAft>
+            </a:pPr>
+            <a:r>
+              <a:rPr lang="en-US" sz="1600" dirty="0">
+                <a:solidFill>
+                  <a:schemeClr val="accent1"/>
+                </a:solidFill>
+                <a:latin typeface="Impact" panose="020B0806030902050204" pitchFamily="34" charset="0"/>
+              </a:rPr>
+              <a:t>           </a:t>
+            </a:r>
+            <a:r>
+              <a:rPr lang="en-US" sz="1600" dirty="0">
+                <a:solidFill>
+                  <a:schemeClr val="accent1"/>
+                </a:solidFill>
+                <a:latin typeface="Impact" panose="020B0806030902050204" pitchFamily="34" charset="0"/>
+                <a:hlinkClick r:id="rId3"/>
+              </a:rPr>
+              <a:t>dbaassists@gmail.com</a:t>
+            </a:r>
+            <a:r>
+              <a:rPr lang="en-US" sz="1600" dirty="0">
+                <a:solidFill>
+                  <a:schemeClr val="accent1"/>
+                </a:solidFill>
+                <a:latin typeface="Impact" panose="020B0806030902050204" pitchFamily="34" charset="0"/>
+              </a:rPr>
+              <a:t> </a:t>
+            </a:r>
+          </a:p>
+          <a:p>
+            <a:pPr marL="285750">
+              <a:lnSpc>
+                <a:spcPct val="90000"/>
+              </a:lnSpc>
+              <a:spcAft>
+                <a:spcPts val="600"/>
+              </a:spcAft>
+            </a:pPr>
+            <a:r>
+              <a:rPr lang="en-US" sz="1600" dirty="0">
+                <a:solidFill>
+                  <a:schemeClr val="accent1"/>
+                </a:solidFill>
+                <a:latin typeface="Impact" panose="020B0806030902050204" pitchFamily="34" charset="0"/>
+              </a:rPr>
+              <a:t>           </a:t>
+            </a:r>
+            <a:r>
+              <a:rPr lang="en-US" sz="1600" dirty="0">
+                <a:solidFill>
+                  <a:schemeClr val="accent1"/>
+                </a:solidFill>
+                <a:latin typeface="Impact" panose="020B0806030902050204" pitchFamily="34" charset="0"/>
+                <a:hlinkClick r:id="rId4"/>
+              </a:rPr>
+              <a:t>https://www.instagram.com/dbaassists/</a:t>
+            </a:r>
+            <a:endParaRPr lang="en-US" sz="1600" dirty="0">
               <a:solidFill>
                 <a:schemeClr val="accent1"/>
               </a:solidFill>
@@ -28925,40 +29477,529 @@
             </a:endParaRPr>
           </a:p>
           <a:p>
+            <a:pPr marL="285750">
+              <a:lnSpc>
+                <a:spcPct val="90000"/>
+              </a:lnSpc>
+              <a:spcAft>
+                <a:spcPts val="600"/>
+              </a:spcAft>
+            </a:pPr>
             <a:r>
-              <a:rPr lang="pt-BR" sz="1800" dirty="0">
+              <a:rPr lang="en-US" sz="1600" dirty="0">
                 <a:solidFill>
                   <a:schemeClr val="accent1"/>
                 </a:solidFill>
                 <a:latin typeface="Impact" panose="020B0806030902050204" pitchFamily="34" charset="0"/>
               </a:rPr>
-              <a:t>Como Administrador de Bancos de Dados trabalhei por 7 Anos</a:t>
+              <a:t>           </a:t>
             </a:r>
-          </a:p>
-          <a:p>
             <a:r>
-              <a:rPr lang="pt-BR" sz="1800" dirty="0">
+              <a:rPr lang="en-US" sz="1600" dirty="0">
+                <a:solidFill>
+                  <a:schemeClr val="accent1"/>
+                </a:solidFill>
+                <a:latin typeface="Impact" panose="020B0806030902050204" pitchFamily="34" charset="0"/>
+                <a:hlinkClick r:id="rId5"/>
+              </a:rPr>
+              <a:t>https://twitter.com/dbaassists</a:t>
+            </a:r>
+            <a:r>
+              <a:rPr lang="en-US" sz="1600" dirty="0">
                 <a:solidFill>
                   <a:schemeClr val="accent1"/>
                 </a:solidFill>
                 <a:latin typeface="Impact" panose="020B0806030902050204" pitchFamily="34" charset="0"/>
               </a:rPr>
-              <a:t>Migrei naturalmente para área de BI Atualmente trabalho com Big Data usando a plataforma cloud da Azure </a:t>
+              <a:t> </a:t>
             </a:r>
           </a:p>
           <a:p>
+            <a:pPr marL="285750">
+              <a:lnSpc>
+                <a:spcPct val="90000"/>
+              </a:lnSpc>
+              <a:spcAft>
+                <a:spcPts val="600"/>
+              </a:spcAft>
+            </a:pPr>
             <a:r>
-              <a:rPr lang="pt-BR" sz="1800" dirty="0">
+              <a:rPr lang="en-US" sz="1600" dirty="0">
                 <a:solidFill>
                   <a:schemeClr val="accent1"/>
                 </a:solidFill>
                 <a:latin typeface="Impact" panose="020B0806030902050204" pitchFamily="34" charset="0"/>
               </a:rPr>
-              <a:t>Acumulando quase 18 anos na carreira de dados.</a:t>
+              <a:t>           </a:t>
+            </a:r>
+            <a:r>
+              <a:rPr lang="en-US" sz="1600" dirty="0">
+                <a:solidFill>
+                  <a:schemeClr val="accent1"/>
+                </a:solidFill>
+                <a:latin typeface="Impact" panose="020B0806030902050204" pitchFamily="34" charset="0"/>
+                <a:hlinkClick r:id="rId6"/>
+              </a:rPr>
+              <a:t>https://www.linkedin.com/in/gabriel-frederico-lacerda-quintella-12148923/</a:t>
+            </a:r>
+            <a:endParaRPr lang="en-US" sz="1600" dirty="0">
+              <a:solidFill>
+                <a:schemeClr val="accent1"/>
+              </a:solidFill>
+              <a:latin typeface="Impact" panose="020B0806030902050204" pitchFamily="34" charset="0"/>
+            </a:endParaRPr>
+          </a:p>
+          <a:p>
+            <a:pPr marL="285750">
+              <a:lnSpc>
+                <a:spcPct val="90000"/>
+              </a:lnSpc>
+              <a:spcAft>
+                <a:spcPts val="600"/>
+              </a:spcAft>
+            </a:pPr>
+            <a:r>
+              <a:rPr lang="en-US" sz="1600" dirty="0">
+                <a:solidFill>
+                  <a:schemeClr val="accent1"/>
+                </a:solidFill>
+                <a:latin typeface="Impact" panose="020B0806030902050204" pitchFamily="34" charset="0"/>
+              </a:rPr>
+              <a:t>           www.dbaassists.com.br</a:t>
             </a:r>
           </a:p>
         </p:txBody>
       </p:sp>
+      <p:pic>
+        <p:nvPicPr>
+          <p:cNvPr id="9" name="Picture 4" descr="ícone Gmail, novo, logo em Google new logos">
+            <a:extLst>
+              <a:ext uri="{FF2B5EF4-FFF2-40B4-BE49-F238E27FC236}">
+                <a16:creationId xmlns:a16="http://schemas.microsoft.com/office/drawing/2014/main" id="{F3ABF543-73D6-2EE1-09E4-70459BFA228D}"/>
+              </a:ext>
+            </a:extLst>
+          </p:cNvPr>
+          <p:cNvPicPr>
+            <a:picLocks noChangeAspect="1" noChangeArrowheads="1"/>
+          </p:cNvPicPr>
+          <p:nvPr/>
+        </p:nvPicPr>
+        <p:blipFill>
+          <a:blip r:embed="rId7">
+            <a:extLst>
+              <a:ext uri="{28A0092B-C50C-407E-A947-70E740481C1C}">
+                <a14:useLocalDpi xmlns:a14="http://schemas.microsoft.com/office/drawing/2010/main" val="0"/>
+              </a:ext>
+            </a:extLst>
+          </a:blip>
+          <a:srcRect/>
+          <a:stretch>
+            <a:fillRect/>
+          </a:stretch>
+        </p:blipFill>
+        <p:spPr bwMode="auto">
+          <a:xfrm>
+            <a:off x="415324" y="5062596"/>
+            <a:ext cx="290217" cy="290217"/>
+          </a:xfrm>
+          <a:prstGeom prst="rect">
+            <a:avLst/>
+          </a:prstGeom>
+          <a:noFill/>
+          <a:extLst>
+            <a:ext uri="{909E8E84-426E-40DD-AFC4-6F175D3DCCD1}">
+              <a14:hiddenFill xmlns:a14="http://schemas.microsoft.com/office/drawing/2010/main">
+                <a:solidFill>
+                  <a:srgbClr val="FFFFFF"/>
+                </a:solidFill>
+              </a14:hiddenFill>
+            </a:ext>
+          </a:extLst>
+        </p:spPr>
+      </p:pic>
+      <p:pic>
+        <p:nvPicPr>
+          <p:cNvPr id="10" name="Picture 6" descr="Instagram - ícones de social grátis">
+            <a:extLst>
+              <a:ext uri="{FF2B5EF4-FFF2-40B4-BE49-F238E27FC236}">
+                <a16:creationId xmlns:a16="http://schemas.microsoft.com/office/drawing/2014/main" id="{0D252174-D1A2-B138-4446-6D658311C8CE}"/>
+              </a:ext>
+            </a:extLst>
+          </p:cNvPr>
+          <p:cNvPicPr>
+            <a:picLocks noChangeAspect="1" noChangeArrowheads="1"/>
+          </p:cNvPicPr>
+          <p:nvPr/>
+        </p:nvPicPr>
+        <p:blipFill>
+          <a:blip r:embed="rId8">
+            <a:extLst>
+              <a:ext uri="{28A0092B-C50C-407E-A947-70E740481C1C}">
+                <a14:useLocalDpi xmlns:a14="http://schemas.microsoft.com/office/drawing/2010/main" val="0"/>
+              </a:ext>
+            </a:extLst>
+          </a:blip>
+          <a:srcRect/>
+          <a:stretch>
+            <a:fillRect/>
+          </a:stretch>
+        </p:blipFill>
+        <p:spPr bwMode="auto">
+          <a:xfrm>
+            <a:off x="443163" y="5381081"/>
+            <a:ext cx="245789" cy="245789"/>
+          </a:xfrm>
+          <a:prstGeom prst="rect">
+            <a:avLst/>
+          </a:prstGeom>
+          <a:noFill/>
+          <a:extLst>
+            <a:ext uri="{909E8E84-426E-40DD-AFC4-6F175D3DCCD1}">
+              <a14:hiddenFill xmlns:a14="http://schemas.microsoft.com/office/drawing/2010/main">
+                <a:solidFill>
+                  <a:srgbClr val="FFFFFF"/>
+                </a:solidFill>
+              </a14:hiddenFill>
+            </a:ext>
+          </a:extLst>
+        </p:spPr>
+      </p:pic>
+      <p:pic>
+        <p:nvPicPr>
+          <p:cNvPr id="11" name="Picture 8" descr="Twitter - ícones de mídia social grátis">
+            <a:extLst>
+              <a:ext uri="{FF2B5EF4-FFF2-40B4-BE49-F238E27FC236}">
+                <a16:creationId xmlns:a16="http://schemas.microsoft.com/office/drawing/2014/main" id="{AE27C193-50D2-BF76-CA69-48B2D41C3A59}"/>
+              </a:ext>
+            </a:extLst>
+          </p:cNvPr>
+          <p:cNvPicPr>
+            <a:picLocks noChangeAspect="1" noChangeArrowheads="1"/>
+          </p:cNvPicPr>
+          <p:nvPr/>
+        </p:nvPicPr>
+        <p:blipFill>
+          <a:blip r:embed="rId9">
+            <a:extLst>
+              <a:ext uri="{28A0092B-C50C-407E-A947-70E740481C1C}">
+                <a14:useLocalDpi xmlns:a14="http://schemas.microsoft.com/office/drawing/2010/main" val="0"/>
+              </a:ext>
+            </a:extLst>
+          </a:blip>
+          <a:srcRect/>
+          <a:stretch>
+            <a:fillRect/>
+          </a:stretch>
+        </p:blipFill>
+        <p:spPr bwMode="auto">
+          <a:xfrm>
+            <a:off x="454512" y="5668991"/>
+            <a:ext cx="239643" cy="239643"/>
+          </a:xfrm>
+          <a:prstGeom prst="rect">
+            <a:avLst/>
+          </a:prstGeom>
+          <a:noFill/>
+          <a:extLst>
+            <a:ext uri="{909E8E84-426E-40DD-AFC4-6F175D3DCCD1}">
+              <a14:hiddenFill xmlns:a14="http://schemas.microsoft.com/office/drawing/2010/main">
+                <a:solidFill>
+                  <a:srgbClr val="FFFFFF"/>
+                </a:solidFill>
+              </a14:hiddenFill>
+            </a:ext>
+          </a:extLst>
+        </p:spPr>
+      </p:pic>
+      <p:pic>
+        <p:nvPicPr>
+          <p:cNvPr id="13" name="Picture 10" descr="Linkedin - ícones de mídia social grátis">
+            <a:extLst>
+              <a:ext uri="{FF2B5EF4-FFF2-40B4-BE49-F238E27FC236}">
+                <a16:creationId xmlns:a16="http://schemas.microsoft.com/office/drawing/2014/main" id="{0AB08E32-FC8F-A37D-C8FA-5F4CEFF27761}"/>
+              </a:ext>
+            </a:extLst>
+          </p:cNvPr>
+          <p:cNvPicPr>
+            <a:picLocks noChangeAspect="1" noChangeArrowheads="1"/>
+          </p:cNvPicPr>
+          <p:nvPr/>
+        </p:nvPicPr>
+        <p:blipFill>
+          <a:blip r:embed="rId10">
+            <a:extLst>
+              <a:ext uri="{28A0092B-C50C-407E-A947-70E740481C1C}">
+                <a14:useLocalDpi xmlns:a14="http://schemas.microsoft.com/office/drawing/2010/main" val="0"/>
+              </a:ext>
+            </a:extLst>
+          </a:blip>
+          <a:srcRect/>
+          <a:stretch>
+            <a:fillRect/>
+          </a:stretch>
+        </p:blipFill>
+        <p:spPr bwMode="auto">
+          <a:xfrm>
+            <a:off x="461386" y="6000526"/>
+            <a:ext cx="233498" cy="233498"/>
+          </a:xfrm>
+          <a:prstGeom prst="rect">
+            <a:avLst/>
+          </a:prstGeom>
+          <a:noFill/>
+          <a:extLst>
+            <a:ext uri="{909E8E84-426E-40DD-AFC4-6F175D3DCCD1}">
+              <a14:hiddenFill xmlns:a14="http://schemas.microsoft.com/office/drawing/2010/main">
+                <a:solidFill>
+                  <a:srgbClr val="FFFFFF"/>
+                </a:solidFill>
+              </a14:hiddenFill>
+            </a:ext>
+          </a:extLst>
+        </p:spPr>
+      </p:pic>
+      <p:pic>
+        <p:nvPicPr>
+          <p:cNvPr id="14" name="Imagem 13" descr="Homem de barba e óculos escuros&#10;&#10;Descrição gerada automaticamente">
+            <a:extLst>
+              <a:ext uri="{FF2B5EF4-FFF2-40B4-BE49-F238E27FC236}">
+                <a16:creationId xmlns:a16="http://schemas.microsoft.com/office/drawing/2014/main" id="{B6F09F29-0D66-8F3C-01E4-85A0F582CC54}"/>
+              </a:ext>
+            </a:extLst>
+          </p:cNvPr>
+          <p:cNvPicPr>
+            <a:picLocks noChangeAspect="1"/>
+          </p:cNvPicPr>
+          <p:nvPr/>
+        </p:nvPicPr>
+        <p:blipFill>
+          <a:blip r:embed="rId11">
+            <a:extLst>
+              <a:ext uri="{28A0092B-C50C-407E-A947-70E740481C1C}">
+                <a14:useLocalDpi xmlns:a14="http://schemas.microsoft.com/office/drawing/2010/main" val="0"/>
+              </a:ext>
+            </a:extLst>
+          </a:blip>
+          <a:stretch>
+            <a:fillRect/>
+          </a:stretch>
+        </p:blipFill>
+        <p:spPr>
+          <a:xfrm>
+            <a:off x="1593307" y="301216"/>
+            <a:ext cx="2090569" cy="2484051"/>
+          </a:xfrm>
+          <a:prstGeom prst="ellipse">
+            <a:avLst/>
+          </a:prstGeom>
+          <a:ln w="76200">
+            <a:solidFill>
+              <a:schemeClr val="accent1"/>
+            </a:solidFill>
+          </a:ln>
+        </p:spPr>
+      </p:pic>
+      <p:pic>
+        <p:nvPicPr>
+          <p:cNvPr id="15" name="Imagem 14">
+            <a:extLst>
+              <a:ext uri="{FF2B5EF4-FFF2-40B4-BE49-F238E27FC236}">
+                <a16:creationId xmlns:a16="http://schemas.microsoft.com/office/drawing/2014/main" id="{F3061846-0577-DBA0-3498-E78A47D8B81C}"/>
+              </a:ext>
+            </a:extLst>
+          </p:cNvPr>
+          <p:cNvPicPr>
+            <a:picLocks noChangeAspect="1"/>
+          </p:cNvPicPr>
+          <p:nvPr/>
+        </p:nvPicPr>
+        <p:blipFill>
+          <a:blip r:embed="rId12"/>
+          <a:stretch>
+            <a:fillRect/>
+          </a:stretch>
+        </p:blipFill>
+        <p:spPr>
+          <a:xfrm>
+            <a:off x="415324" y="3518287"/>
+            <a:ext cx="1131493" cy="1131493"/>
+          </a:xfrm>
+          <a:prstGeom prst="rect">
+            <a:avLst/>
+          </a:prstGeom>
+        </p:spPr>
+      </p:pic>
+      <p:pic>
+        <p:nvPicPr>
+          <p:cNvPr id="16" name="Imagem 15">
+            <a:extLst>
+              <a:ext uri="{FF2B5EF4-FFF2-40B4-BE49-F238E27FC236}">
+                <a16:creationId xmlns:a16="http://schemas.microsoft.com/office/drawing/2014/main" id="{228F71BD-CFEF-5792-AB3E-5CB5B6BD7877}"/>
+              </a:ext>
+            </a:extLst>
+          </p:cNvPr>
+          <p:cNvPicPr>
+            <a:picLocks noChangeAspect="1"/>
+          </p:cNvPicPr>
+          <p:nvPr/>
+        </p:nvPicPr>
+        <p:blipFill>
+          <a:blip r:embed="rId13"/>
+          <a:stretch>
+            <a:fillRect/>
+          </a:stretch>
+        </p:blipFill>
+        <p:spPr>
+          <a:xfrm>
+            <a:off x="1608695" y="3571659"/>
+            <a:ext cx="1099887" cy="1106208"/>
+          </a:xfrm>
+          <a:prstGeom prst="rect">
+            <a:avLst/>
+          </a:prstGeom>
+        </p:spPr>
+      </p:pic>
+      <p:pic>
+        <p:nvPicPr>
+          <p:cNvPr id="17" name="Picture 2">
+            <a:extLst>
+              <a:ext uri="{FF2B5EF4-FFF2-40B4-BE49-F238E27FC236}">
+                <a16:creationId xmlns:a16="http://schemas.microsoft.com/office/drawing/2014/main" id="{9B1952D0-A172-5019-FD3B-852B9C3D099E}"/>
+              </a:ext>
+            </a:extLst>
+          </p:cNvPr>
+          <p:cNvPicPr>
+            <a:picLocks noChangeAspect="1" noChangeArrowheads="1"/>
+          </p:cNvPicPr>
+          <p:nvPr/>
+        </p:nvPicPr>
+        <p:blipFill>
+          <a:blip r:embed="rId14">
+            <a:extLst>
+              <a:ext uri="{28A0092B-C50C-407E-A947-70E740481C1C}">
+                <a14:useLocalDpi xmlns:a14="http://schemas.microsoft.com/office/drawing/2010/main" val="0"/>
+              </a:ext>
+            </a:extLst>
+          </a:blip>
+          <a:srcRect/>
+          <a:stretch>
+            <a:fillRect/>
+          </a:stretch>
+        </p:blipFill>
+        <p:spPr bwMode="auto">
+          <a:xfrm>
+            <a:off x="2833869" y="3657667"/>
+            <a:ext cx="998860" cy="998860"/>
+          </a:xfrm>
+          <a:prstGeom prst="rect">
+            <a:avLst/>
+          </a:prstGeom>
+          <a:noFill/>
+          <a:extLst>
+            <a:ext uri="{909E8E84-426E-40DD-AFC4-6F175D3DCCD1}">
+              <a14:hiddenFill xmlns:a14="http://schemas.microsoft.com/office/drawing/2010/main">
+                <a:solidFill>
+                  <a:srgbClr val="FFFFFF"/>
+                </a:solidFill>
+              </a14:hiddenFill>
+            </a:ext>
+          </a:extLst>
+        </p:spPr>
+      </p:pic>
+      <p:pic>
+        <p:nvPicPr>
+          <p:cNvPr id="19" name="Picture 4">
+            <a:extLst>
+              <a:ext uri="{FF2B5EF4-FFF2-40B4-BE49-F238E27FC236}">
+                <a16:creationId xmlns:a16="http://schemas.microsoft.com/office/drawing/2014/main" id="{60DC5E04-B837-505C-3D9E-906AB9CF7179}"/>
+              </a:ext>
+            </a:extLst>
+          </p:cNvPr>
+          <p:cNvPicPr>
+            <a:picLocks noChangeAspect="1" noChangeArrowheads="1"/>
+          </p:cNvPicPr>
+          <p:nvPr/>
+        </p:nvPicPr>
+        <p:blipFill>
+          <a:blip r:embed="rId15">
+            <a:extLst>
+              <a:ext uri="{28A0092B-C50C-407E-A947-70E740481C1C}">
+                <a14:useLocalDpi xmlns:a14="http://schemas.microsoft.com/office/drawing/2010/main" val="0"/>
+              </a:ext>
+            </a:extLst>
+          </a:blip>
+          <a:srcRect/>
+          <a:stretch>
+            <a:fillRect/>
+          </a:stretch>
+        </p:blipFill>
+        <p:spPr bwMode="auto">
+          <a:xfrm>
+            <a:off x="3988236" y="3649514"/>
+            <a:ext cx="998104" cy="998104"/>
+          </a:xfrm>
+          <a:prstGeom prst="rect">
+            <a:avLst/>
+          </a:prstGeom>
+          <a:noFill/>
+          <a:extLst>
+            <a:ext uri="{909E8E84-426E-40DD-AFC4-6F175D3DCCD1}">
+              <a14:hiddenFill xmlns:a14="http://schemas.microsoft.com/office/drawing/2010/main">
+                <a:solidFill>
+                  <a:srgbClr val="FFFFFF"/>
+                </a:solidFill>
+              </a14:hiddenFill>
+            </a:ext>
+          </a:extLst>
+        </p:spPr>
+      </p:pic>
+      <p:pic>
+        <p:nvPicPr>
+          <p:cNvPr id="6146" name="Picture 2" descr="Blog - ícones de rede grátis">
+            <a:extLst>
+              <a:ext uri="{FF2B5EF4-FFF2-40B4-BE49-F238E27FC236}">
+                <a16:creationId xmlns:a16="http://schemas.microsoft.com/office/drawing/2014/main" id="{7DE3A453-1EEB-AE14-3607-9381ECCAB1E4}"/>
+              </a:ext>
+            </a:extLst>
+          </p:cNvPr>
+          <p:cNvPicPr>
+            <a:picLocks noChangeAspect="1" noChangeArrowheads="1"/>
+          </p:cNvPicPr>
+          <p:nvPr/>
+        </p:nvPicPr>
+        <p:blipFill>
+          <a:blip r:embed="rId16">
+            <a:extLst>
+              <a:ext uri="{28A0092B-C50C-407E-A947-70E740481C1C}">
+                <a14:useLocalDpi xmlns:a14="http://schemas.microsoft.com/office/drawing/2010/main" val="0"/>
+              </a:ext>
+            </a:extLst>
+          </a:blip>
+          <a:srcRect/>
+          <a:stretch>
+            <a:fillRect/>
+          </a:stretch>
+        </p:blipFill>
+        <p:spPr bwMode="auto">
+          <a:xfrm>
+            <a:off x="462348" y="6293632"/>
+            <a:ext cx="249558" cy="249558"/>
+          </a:xfrm>
+          <a:prstGeom prst="rect">
+            <a:avLst/>
+          </a:prstGeom>
+          <a:noFill/>
+          <a:extLst>
+            <a:ext uri="{909E8E84-426E-40DD-AFC4-6F175D3DCCD1}">
+              <a14:hiddenFill xmlns:a14="http://schemas.microsoft.com/office/drawing/2010/main">
+                <a:solidFill>
+                  <a:srgbClr val="FFFFFF"/>
+                </a:solidFill>
+              </a14:hiddenFill>
+            </a:ext>
+          </a:extLst>
+        </p:spPr>
+      </p:pic>
     </p:spTree>
     <p:extLst>
       <p:ext uri="{BB962C8B-B14F-4D97-AF65-F5344CB8AC3E}">
@@ -28969,221 +30010,6 @@
   <p:clrMapOvr>
     <a:masterClrMapping/>
   </p:clrMapOvr>
-  <p:timing>
-    <p:tnLst>
-      <p:par>
-        <p:cTn id="1" dur="indefinite" restart="never" nodeType="tmRoot">
-          <p:childTnLst>
-            <p:seq concurrent="1" nextAc="seek">
-              <p:cTn id="2" dur="indefinite" nodeType="mainSeq">
-                <p:childTnLst>
-                  <p:par>
-                    <p:cTn id="3" fill="hold">
-                      <p:stCondLst>
-                        <p:cond delay="indefinite"/>
-                      </p:stCondLst>
-                      <p:childTnLst>
-                        <p:par>
-                          <p:cTn id="4" fill="hold">
-                            <p:stCondLst>
-                              <p:cond delay="0"/>
-                            </p:stCondLst>
-                            <p:childTnLst>
-                              <p:par>
-                                <p:cTn id="5" presetID="1" presetClass="entr" presetSubtype="0" fill="hold" nodeType="clickEffect">
-                                  <p:stCondLst>
-                                    <p:cond delay="0"/>
-                                  </p:stCondLst>
-                                  <p:childTnLst>
-                                    <p:set>
-                                      <p:cBhvr>
-                                        <p:cTn id="6" dur="1" fill="hold">
-                                          <p:stCondLst>
-                                            <p:cond delay="0"/>
-                                          </p:stCondLst>
-                                        </p:cTn>
-                                        <p:tgtEl>
-                                          <p:spTgt spid="6"/>
-                                        </p:tgtEl>
-                                        <p:attrNameLst>
-                                          <p:attrName>style.visibility</p:attrName>
-                                        </p:attrNameLst>
-                                      </p:cBhvr>
-                                      <p:to>
-                                        <p:strVal val="visible"/>
-                                      </p:to>
-                                    </p:set>
-                                  </p:childTnLst>
-                                </p:cTn>
-                              </p:par>
-                            </p:childTnLst>
-                          </p:cTn>
-                        </p:par>
-                      </p:childTnLst>
-                    </p:cTn>
-                  </p:par>
-                  <p:par>
-                    <p:cTn id="7" fill="hold">
-                      <p:stCondLst>
-                        <p:cond delay="indefinite"/>
-                      </p:stCondLst>
-                      <p:childTnLst>
-                        <p:par>
-                          <p:cTn id="8" fill="hold">
-                            <p:stCondLst>
-                              <p:cond delay="0"/>
-                            </p:stCondLst>
-                            <p:childTnLst>
-                              <p:par>
-                                <p:cTn id="9" presetID="1" presetClass="entr" presetSubtype="0" fill="hold" grpId="0" nodeType="clickEffect">
-                                  <p:stCondLst>
-                                    <p:cond delay="0"/>
-                                  </p:stCondLst>
-                                  <p:childTnLst>
-                                    <p:set>
-                                      <p:cBhvr>
-                                        <p:cTn id="10" dur="1" fill="hold">
-                                          <p:stCondLst>
-                                            <p:cond delay="0"/>
-                                          </p:stCondLst>
-                                        </p:cTn>
-                                        <p:tgtEl>
-                                          <p:spTgt spid="8"/>
-                                        </p:tgtEl>
-                                        <p:attrNameLst>
-                                          <p:attrName>style.visibility</p:attrName>
-                                        </p:attrNameLst>
-                                      </p:cBhvr>
-                                      <p:to>
-                                        <p:strVal val="visible"/>
-                                      </p:to>
-                                    </p:set>
-                                  </p:childTnLst>
-                                </p:cTn>
-                              </p:par>
-                            </p:childTnLst>
-                          </p:cTn>
-                        </p:par>
-                      </p:childTnLst>
-                    </p:cTn>
-                  </p:par>
-                  <p:par>
-                    <p:cTn id="11" fill="hold">
-                      <p:stCondLst>
-                        <p:cond delay="indefinite"/>
-                      </p:stCondLst>
-                      <p:childTnLst>
-                        <p:par>
-                          <p:cTn id="12" fill="hold">
-                            <p:stCondLst>
-                              <p:cond delay="0"/>
-                            </p:stCondLst>
-                            <p:childTnLst>
-                              <p:par>
-                                <p:cTn id="13" presetID="1" presetClass="entr" presetSubtype="0" fill="hold" grpId="0" nodeType="clickEffect">
-                                  <p:stCondLst>
-                                    <p:cond delay="0"/>
-                                  </p:stCondLst>
-                                  <p:childTnLst>
-                                    <p:set>
-                                      <p:cBhvr>
-                                        <p:cTn id="14" dur="1" fill="hold">
-                                          <p:stCondLst>
-                                            <p:cond delay="0"/>
-                                          </p:stCondLst>
-                                        </p:cTn>
-                                        <p:tgtEl>
-                                          <p:spTgt spid="12"/>
-                                        </p:tgtEl>
-                                        <p:attrNameLst>
-                                          <p:attrName>style.visibility</p:attrName>
-                                        </p:attrNameLst>
-                                      </p:cBhvr>
-                                      <p:to>
-                                        <p:strVal val="visible"/>
-                                      </p:to>
-                                    </p:set>
-                                  </p:childTnLst>
-                                </p:cTn>
-                              </p:par>
-                            </p:childTnLst>
-                          </p:cTn>
-                        </p:par>
-                      </p:childTnLst>
-                    </p:cTn>
-                  </p:par>
-                  <p:par>
-                    <p:cTn id="15" fill="hold">
-                      <p:stCondLst>
-                        <p:cond delay="indefinite"/>
-                      </p:stCondLst>
-                      <p:childTnLst>
-                        <p:par>
-                          <p:cTn id="16" fill="hold">
-                            <p:stCondLst>
-                              <p:cond delay="0"/>
-                            </p:stCondLst>
-                            <p:childTnLst>
-                              <p:par>
-                                <p:cTn id="17" presetID="1" presetClass="entr" presetSubtype="0" fill="hold" grpId="0" nodeType="clickEffect">
-                                  <p:stCondLst>
-                                    <p:cond delay="0"/>
-                                  </p:stCondLst>
-                                  <p:childTnLst>
-                                    <p:set>
-                                      <p:cBhvr>
-                                        <p:cTn id="18" dur="1" fill="hold">
-                                          <p:stCondLst>
-                                            <p:cond delay="0"/>
-                                          </p:stCondLst>
-                                        </p:cTn>
-                                        <p:tgtEl>
-                                          <p:spTgt spid="18"/>
-                                        </p:tgtEl>
-                                        <p:attrNameLst>
-                                          <p:attrName>style.visibility</p:attrName>
-                                        </p:attrNameLst>
-                                      </p:cBhvr>
-                                      <p:to>
-                                        <p:strVal val="visible"/>
-                                      </p:to>
-                                    </p:set>
-                                  </p:childTnLst>
-                                </p:cTn>
-                              </p:par>
-                            </p:childTnLst>
-                          </p:cTn>
-                        </p:par>
-                      </p:childTnLst>
-                    </p:cTn>
-                  </p:par>
-                </p:childTnLst>
-              </p:cTn>
-              <p:prevCondLst>
-                <p:cond evt="onPrev" delay="0">
-                  <p:tgtEl>
-                    <p:sldTgt/>
-                  </p:tgtEl>
-                </p:cond>
-              </p:prevCondLst>
-              <p:nextCondLst>
-                <p:cond evt="onNext" delay="0">
-                  <p:tgtEl>
-                    <p:sldTgt/>
-                  </p:tgtEl>
-                </p:cond>
-              </p:nextCondLst>
-            </p:seq>
-          </p:childTnLst>
-        </p:cTn>
-      </p:par>
-    </p:tnLst>
-    <p:bldLst>
-      <p:bldP spid="8" grpId="0"/>
-      <p:bldP spid="12" grpId="0"/>
-      <p:bldP spid="18" grpId="0"/>
-    </p:bldLst>
-  </p:timing>
 </p:sld>
 </file>
 
@@ -29204,53 +30030,6 @@
           <a:chExt cx="0" cy="0"/>
         </a:xfrm>
       </p:grpSpPr>
-      <p:pic>
-        <p:nvPicPr>
-          <p:cNvPr id="1026" name="Picture 2">
-            <a:extLst>
-              <a:ext uri="{FF2B5EF4-FFF2-40B4-BE49-F238E27FC236}">
-                <a16:creationId xmlns:a16="http://schemas.microsoft.com/office/drawing/2014/main" id="{9C94F74C-77C3-FDE0-3B4B-3E869A0082F1}"/>
-              </a:ext>
-            </a:extLst>
-          </p:cNvPr>
-          <p:cNvPicPr>
-            <a:picLocks noChangeAspect="1" noChangeArrowheads="1"/>
-          </p:cNvPicPr>
-          <p:nvPr/>
-        </p:nvPicPr>
-        <p:blipFill>
-          <a:blip r:embed="rId2">
-            <a:extLst>
-              <a:ext uri="{28A0092B-C50C-407E-A947-70E740481C1C}">
-                <a14:useLocalDpi xmlns:a14="http://schemas.microsoft.com/office/drawing/2010/main" val="0"/>
-              </a:ext>
-            </a:extLst>
-          </a:blip>
-          <a:srcRect/>
-          <a:stretch>
-            <a:fillRect/>
-          </a:stretch>
-        </p:blipFill>
-        <p:spPr bwMode="auto">
-          <a:xfrm>
-            <a:off x="3910012" y="1684389"/>
-            <a:ext cx="4371975" cy="4610100"/>
-          </a:xfrm>
-          <a:prstGeom prst="rect">
-            <a:avLst/>
-          </a:prstGeom>
-          <a:noFill/>
-          <a:extLst>
-            <a:ext uri="{909E8E84-426E-40DD-AFC4-6F175D3DCCD1}">
-              <a14:hiddenFill xmlns:a14="http://schemas.microsoft.com/office/drawing/2010/main">
-                <a:solidFill>
-                  <a:srgbClr val="FFFFFF"/>
-                </a:solidFill>
-              </a14:hiddenFill>
-            </a:ext>
-          </a:extLst>
-        </p:spPr>
-      </p:pic>
       <p:sp>
         <p:nvSpPr>
           <p:cNvPr id="2" name="CaixaDeTexto 1">
@@ -29306,7 +30085,7 @@
           <p:nvPr/>
         </p:nvPicPr>
         <p:blipFill>
-          <a:blip r:embed="rId3">
+          <a:blip r:embed="rId2">
             <a:extLst>
               <a:ext uri="{28A0092B-C50C-407E-A947-70E740481C1C}">
                 <a14:useLocalDpi xmlns:a14="http://schemas.microsoft.com/office/drawing/2010/main" val="0"/>
@@ -30017,6 +30796,53 @@
           </a:p>
         </p:txBody>
       </p:sp>
+      <p:pic>
+        <p:nvPicPr>
+          <p:cNvPr id="3" name="Picture 2">
+            <a:extLst>
+              <a:ext uri="{FF2B5EF4-FFF2-40B4-BE49-F238E27FC236}">
+                <a16:creationId xmlns:a16="http://schemas.microsoft.com/office/drawing/2014/main" id="{A055A4A5-7E1C-5111-6364-4B878215E17A}"/>
+              </a:ext>
+            </a:extLst>
+          </p:cNvPr>
+          <p:cNvPicPr>
+            <a:picLocks noChangeAspect="1" noChangeArrowheads="1"/>
+          </p:cNvPicPr>
+          <p:nvPr/>
+        </p:nvPicPr>
+        <p:blipFill>
+          <a:blip r:embed="rId3">
+            <a:extLst>
+              <a:ext uri="{28A0092B-C50C-407E-A947-70E740481C1C}">
+                <a14:useLocalDpi xmlns:a14="http://schemas.microsoft.com/office/drawing/2010/main" val="0"/>
+              </a:ext>
+            </a:extLst>
+          </a:blip>
+          <a:srcRect/>
+          <a:stretch>
+            <a:fillRect/>
+          </a:stretch>
+        </p:blipFill>
+        <p:spPr bwMode="auto">
+          <a:xfrm>
+            <a:off x="2098239" y="1360160"/>
+            <a:ext cx="7798284" cy="5166764"/>
+          </a:xfrm>
+          <a:prstGeom prst="rect">
+            <a:avLst/>
+          </a:prstGeom>
+          <a:noFill/>
+          <a:extLst>
+            <a:ext uri="{909E8E84-426E-40DD-AFC4-6F175D3DCCD1}">
+              <a14:hiddenFill xmlns:a14="http://schemas.microsoft.com/office/drawing/2010/main">
+                <a:solidFill>
+                  <a:srgbClr val="FFFFFF"/>
+                </a:solidFill>
+              </a14:hiddenFill>
+            </a:ext>
+          </a:extLst>
+        </p:spPr>
+      </p:pic>
     </p:spTree>
     <p:extLst>
       <p:ext uri="{BB962C8B-B14F-4D97-AF65-F5344CB8AC3E}">
@@ -30047,53 +30873,6 @@
           <a:chExt cx="0" cy="0"/>
         </a:xfrm>
       </p:grpSpPr>
-      <p:pic>
-        <p:nvPicPr>
-          <p:cNvPr id="2050" name="Picture 2">
-            <a:extLst>
-              <a:ext uri="{FF2B5EF4-FFF2-40B4-BE49-F238E27FC236}">
-                <a16:creationId xmlns:a16="http://schemas.microsoft.com/office/drawing/2014/main" id="{7D653677-9A17-D544-BAE3-C9141C7F1D6D}"/>
-              </a:ext>
-            </a:extLst>
-          </p:cNvPr>
-          <p:cNvPicPr>
-            <a:picLocks noChangeAspect="1" noChangeArrowheads="1"/>
-          </p:cNvPicPr>
-          <p:nvPr/>
-        </p:nvPicPr>
-        <p:blipFill>
-          <a:blip r:embed="rId2">
-            <a:extLst>
-              <a:ext uri="{28A0092B-C50C-407E-A947-70E740481C1C}">
-                <a14:useLocalDpi xmlns:a14="http://schemas.microsoft.com/office/drawing/2010/main" val="0"/>
-              </a:ext>
-            </a:extLst>
-          </a:blip>
-          <a:srcRect/>
-          <a:stretch>
-            <a:fillRect/>
-          </a:stretch>
-        </p:blipFill>
-        <p:spPr bwMode="auto">
-          <a:xfrm>
-            <a:off x="3600450" y="1402310"/>
-            <a:ext cx="4991100" cy="5267325"/>
-          </a:xfrm>
-          <a:prstGeom prst="rect">
-            <a:avLst/>
-          </a:prstGeom>
-          <a:noFill/>
-          <a:extLst>
-            <a:ext uri="{909E8E84-426E-40DD-AFC4-6F175D3DCCD1}">
-              <a14:hiddenFill xmlns:a14="http://schemas.microsoft.com/office/drawing/2010/main">
-                <a:solidFill>
-                  <a:srgbClr val="FFFFFF"/>
-                </a:solidFill>
-              </a14:hiddenFill>
-            </a:ext>
-          </a:extLst>
-        </p:spPr>
-      </p:pic>
       <p:sp>
         <p:nvSpPr>
           <p:cNvPr id="2" name="CaixaDeTexto 1">
@@ -30149,7 +30928,7 @@
           <p:nvPr/>
         </p:nvPicPr>
         <p:blipFill>
-          <a:blip r:embed="rId3">
+          <a:blip r:embed="rId2">
             <a:extLst>
               <a:ext uri="{28A0092B-C50C-407E-A947-70E740481C1C}">
                 <a14:useLocalDpi xmlns:a14="http://schemas.microsoft.com/office/drawing/2010/main" val="0"/>
@@ -30860,6 +31639,53 @@
           </a:p>
         </p:txBody>
       </p:sp>
+      <p:pic>
+        <p:nvPicPr>
+          <p:cNvPr id="3" name="Picture 2">
+            <a:extLst>
+              <a:ext uri="{FF2B5EF4-FFF2-40B4-BE49-F238E27FC236}">
+                <a16:creationId xmlns:a16="http://schemas.microsoft.com/office/drawing/2014/main" id="{4539B5A9-AF35-9AC4-E4ED-74D69B0892D8}"/>
+              </a:ext>
+            </a:extLst>
+          </p:cNvPr>
+          <p:cNvPicPr>
+            <a:picLocks noChangeAspect="1" noChangeArrowheads="1"/>
+          </p:cNvPicPr>
+          <p:nvPr/>
+        </p:nvPicPr>
+        <p:blipFill>
+          <a:blip r:embed="rId3">
+            <a:extLst>
+              <a:ext uri="{28A0092B-C50C-407E-A947-70E740481C1C}">
+                <a14:useLocalDpi xmlns:a14="http://schemas.microsoft.com/office/drawing/2010/main" val="0"/>
+              </a:ext>
+            </a:extLst>
+          </a:blip>
+          <a:srcRect/>
+          <a:stretch>
+            <a:fillRect/>
+          </a:stretch>
+        </p:blipFill>
+        <p:spPr bwMode="auto">
+          <a:xfrm>
+            <a:off x="2145755" y="1404937"/>
+            <a:ext cx="7753350" cy="5267325"/>
+          </a:xfrm>
+          <a:prstGeom prst="rect">
+            <a:avLst/>
+          </a:prstGeom>
+          <a:noFill/>
+          <a:extLst>
+            <a:ext uri="{909E8E84-426E-40DD-AFC4-6F175D3DCCD1}">
+              <a14:hiddenFill xmlns:a14="http://schemas.microsoft.com/office/drawing/2010/main">
+                <a:solidFill>
+                  <a:srgbClr val="FFFFFF"/>
+                </a:solidFill>
+              </a14:hiddenFill>
+            </a:ext>
+          </a:extLst>
+        </p:spPr>
+      </p:pic>
     </p:spTree>
     <p:extLst>
       <p:ext uri="{BB962C8B-B14F-4D97-AF65-F5344CB8AC3E}">
@@ -30890,53 +31716,6 @@
           <a:chExt cx="0" cy="0"/>
         </a:xfrm>
       </p:grpSpPr>
-      <p:pic>
-        <p:nvPicPr>
-          <p:cNvPr id="3074" name="Picture 2">
-            <a:extLst>
-              <a:ext uri="{FF2B5EF4-FFF2-40B4-BE49-F238E27FC236}">
-                <a16:creationId xmlns:a16="http://schemas.microsoft.com/office/drawing/2014/main" id="{C72D4BED-5764-6AAB-0680-E6D46E2BD2EE}"/>
-              </a:ext>
-            </a:extLst>
-          </p:cNvPr>
-          <p:cNvPicPr>
-            <a:picLocks noChangeAspect="1" noChangeArrowheads="1"/>
-          </p:cNvPicPr>
-          <p:nvPr/>
-        </p:nvPicPr>
-        <p:blipFill>
-          <a:blip r:embed="rId2">
-            <a:extLst>
-              <a:ext uri="{28A0092B-C50C-407E-A947-70E740481C1C}">
-                <a14:useLocalDpi xmlns:a14="http://schemas.microsoft.com/office/drawing/2010/main" val="0"/>
-              </a:ext>
-            </a:extLst>
-          </a:blip>
-          <a:srcRect/>
-          <a:stretch>
-            <a:fillRect/>
-          </a:stretch>
-        </p:blipFill>
-        <p:spPr bwMode="auto">
-          <a:xfrm>
-            <a:off x="3671887" y="1419784"/>
-            <a:ext cx="4848225" cy="5124450"/>
-          </a:xfrm>
-          <a:prstGeom prst="rect">
-            <a:avLst/>
-          </a:prstGeom>
-          <a:noFill/>
-          <a:extLst>
-            <a:ext uri="{909E8E84-426E-40DD-AFC4-6F175D3DCCD1}">
-              <a14:hiddenFill xmlns:a14="http://schemas.microsoft.com/office/drawing/2010/main">
-                <a:solidFill>
-                  <a:srgbClr val="FFFFFF"/>
-                </a:solidFill>
-              </a14:hiddenFill>
-            </a:ext>
-          </a:extLst>
-        </p:spPr>
-      </p:pic>
       <p:sp>
         <p:nvSpPr>
           <p:cNvPr id="2" name="CaixaDeTexto 1">
@@ -30992,7 +31771,7 @@
           <p:nvPr/>
         </p:nvPicPr>
         <p:blipFill>
-          <a:blip r:embed="rId3">
+          <a:blip r:embed="rId2">
             <a:extLst>
               <a:ext uri="{28A0092B-C50C-407E-A947-70E740481C1C}">
                 <a14:useLocalDpi xmlns:a14="http://schemas.microsoft.com/office/drawing/2010/main" val="0"/>
@@ -31703,6 +32482,53 @@
           </a:p>
         </p:txBody>
       </p:sp>
+      <p:pic>
+        <p:nvPicPr>
+          <p:cNvPr id="3" name="Picture 2">
+            <a:extLst>
+              <a:ext uri="{FF2B5EF4-FFF2-40B4-BE49-F238E27FC236}">
+                <a16:creationId xmlns:a16="http://schemas.microsoft.com/office/drawing/2014/main" id="{0550244F-A9AF-C0DA-C254-9307223EC41A}"/>
+              </a:ext>
+            </a:extLst>
+          </p:cNvPr>
+          <p:cNvPicPr>
+            <a:picLocks noChangeAspect="1" noChangeArrowheads="1"/>
+          </p:cNvPicPr>
+          <p:nvPr/>
+        </p:nvPicPr>
+        <p:blipFill>
+          <a:blip r:embed="rId3">
+            <a:extLst>
+              <a:ext uri="{28A0092B-C50C-407E-A947-70E740481C1C}">
+                <a14:useLocalDpi xmlns:a14="http://schemas.microsoft.com/office/drawing/2010/main" val="0"/>
+              </a:ext>
+            </a:extLst>
+          </a:blip>
+          <a:srcRect/>
+          <a:stretch>
+            <a:fillRect/>
+          </a:stretch>
+        </p:blipFill>
+        <p:spPr bwMode="auto">
+          <a:xfrm>
+            <a:off x="2433638" y="1476374"/>
+            <a:ext cx="7324725" cy="5124450"/>
+          </a:xfrm>
+          <a:prstGeom prst="rect">
+            <a:avLst/>
+          </a:prstGeom>
+          <a:noFill/>
+          <a:extLst>
+            <a:ext uri="{909E8E84-426E-40DD-AFC4-6F175D3DCCD1}">
+              <a14:hiddenFill xmlns:a14="http://schemas.microsoft.com/office/drawing/2010/main">
+                <a:solidFill>
+                  <a:srgbClr val="FFFFFF"/>
+                </a:solidFill>
+              </a14:hiddenFill>
+            </a:ext>
+          </a:extLst>
+        </p:spPr>
+      </p:pic>
     </p:spTree>
     <p:extLst>
       <p:ext uri="{BB962C8B-B14F-4D97-AF65-F5344CB8AC3E}">
@@ -31713,6 +32539,3129 @@
   <p:clrMapOvr>
     <a:masterClrMapping/>
   </p:clrMapOvr>
+</p:sld>
+</file>
+
+<file path=ppt/slides/slide23.xml><?xml version="1.0" encoding="utf-8"?>
+<p:sld xmlns:a="http://schemas.openxmlformats.org/drawingml/2006/main" xmlns:r="http://schemas.openxmlformats.org/officeDocument/2006/relationships" xmlns:p="http://schemas.openxmlformats.org/presentationml/2006/main">
+  <p:cSld>
+    <p:spTree>
+      <p:nvGrpSpPr>
+        <p:cNvPr id="1" name=""/>
+        <p:cNvGrpSpPr/>
+        <p:nvPr/>
+      </p:nvGrpSpPr>
+      <p:grpSpPr>
+        <a:xfrm>
+          <a:off x="0" y="0"/>
+          <a:ext cx="0" cy="0"/>
+          <a:chOff x="0" y="0"/>
+          <a:chExt cx="0" cy="0"/>
+        </a:xfrm>
+      </p:grpSpPr>
+      <p:sp>
+        <p:nvSpPr>
+          <p:cNvPr id="2" name="CaixaDeTexto 1">
+            <a:extLst>
+              <a:ext uri="{FF2B5EF4-FFF2-40B4-BE49-F238E27FC236}">
+                <a16:creationId xmlns:a16="http://schemas.microsoft.com/office/drawing/2014/main" id="{F0692AFF-3E64-0586-A52C-8FA02076D16D}"/>
+              </a:ext>
+            </a:extLst>
+          </p:cNvPr>
+          <p:cNvSpPr txBox="1"/>
+          <p:nvPr/>
+        </p:nvSpPr>
+        <p:spPr>
+          <a:xfrm>
+            <a:off x="146151" y="252163"/>
+            <a:ext cx="10487075" cy="1107996"/>
+          </a:xfrm>
+          <a:prstGeom prst="rect">
+            <a:avLst/>
+          </a:prstGeom>
+          <a:noFill/>
+        </p:spPr>
+        <p:txBody>
+          <a:bodyPr wrap="square" rtlCol="0">
+            <a:spAutoFit/>
+          </a:bodyPr>
+          <a:lstStyle/>
+          <a:p>
+            <a:r>
+              <a:rPr lang="pt-BR" sz="6600" dirty="0">
+                <a:solidFill>
+                  <a:schemeClr val="accent1"/>
+                </a:solidFill>
+                <a:latin typeface="Impact" panose="020B0806030902050204" pitchFamily="34" charset="0"/>
+              </a:rPr>
+              <a:t>Cenário 04</a:t>
+            </a:r>
+          </a:p>
+        </p:txBody>
+      </p:sp>
+      <p:pic>
+        <p:nvPicPr>
+          <p:cNvPr id="4" name="Imagem 3" descr="Placa azul com letras brancas em fundo preto&#10;&#10;Descrição gerada automaticamente com confiança média">
+            <a:extLst>
+              <a:ext uri="{FF2B5EF4-FFF2-40B4-BE49-F238E27FC236}">
+                <a16:creationId xmlns:a16="http://schemas.microsoft.com/office/drawing/2014/main" id="{0E5E5865-72E0-A5BA-F89B-D0D32A8C1ED8}"/>
+              </a:ext>
+            </a:extLst>
+          </p:cNvPr>
+          <p:cNvPicPr>
+            <a:picLocks noChangeAspect="1"/>
+          </p:cNvPicPr>
+          <p:nvPr/>
+        </p:nvPicPr>
+        <p:blipFill>
+          <a:blip r:embed="rId2">
+            <a:extLst>
+              <a:ext uri="{28A0092B-C50C-407E-A947-70E740481C1C}">
+                <a14:useLocalDpi xmlns:a14="http://schemas.microsoft.com/office/drawing/2010/main" val="0"/>
+              </a:ext>
+            </a:extLst>
+          </a:blip>
+          <a:stretch>
+            <a:fillRect/>
+          </a:stretch>
+        </p:blipFill>
+        <p:spPr>
+          <a:xfrm>
+            <a:off x="9942787" y="6355555"/>
+            <a:ext cx="2128484" cy="440961"/>
+          </a:xfrm>
+          <a:prstGeom prst="rect">
+            <a:avLst/>
+          </a:prstGeom>
+        </p:spPr>
+      </p:pic>
+      <p:sp>
+        <p:nvSpPr>
+          <p:cNvPr id="7" name="sketchy line">
+            <a:extLst>
+              <a:ext uri="{FF2B5EF4-FFF2-40B4-BE49-F238E27FC236}">
+                <a16:creationId xmlns:a16="http://schemas.microsoft.com/office/drawing/2014/main" id="{78937F6D-56BD-2A6E-41E9-3900165C87A3}"/>
+              </a:ext>
+              <a:ext uri="{C183D7F6-B498-43B3-948B-1728B52AA6E4}">
+                <adec:decorative xmlns:adec="http://schemas.microsoft.com/office/drawing/2017/decorative" val="1"/>
+              </a:ext>
+            </a:extLst>
+          </p:cNvPr>
+          <p:cNvSpPr/>
+          <p:nvPr>
+            <p:extLst>
+              <p:ext uri="{386F3935-93C4-4BCD-93E2-E3B085C9AB24}">
+                <p16:designElem xmlns:p16="http://schemas.microsoft.com/office/powerpoint/2015/main" val="1"/>
+              </p:ext>
+            </p:extLst>
+          </p:nvPr>
+        </p:nvSpPr>
+        <p:spPr>
+          <a:xfrm>
+            <a:off x="268062" y="1184695"/>
+            <a:ext cx="11727443" cy="100858"/>
+          </a:xfrm>
+          <a:custGeom>
+            <a:avLst/>
+            <a:gdLst>
+              <a:gd name="connsiteX0" fmla="*/ 0 w 11727443"/>
+              <a:gd name="connsiteY0" fmla="*/ 0 h 100858"/>
+              <a:gd name="connsiteX1" fmla="*/ 455301 w 11727443"/>
+              <a:gd name="connsiteY1" fmla="*/ 0 h 100858"/>
+              <a:gd name="connsiteX2" fmla="*/ 1379699 w 11727443"/>
+              <a:gd name="connsiteY2" fmla="*/ 0 h 100858"/>
+              <a:gd name="connsiteX3" fmla="*/ 2069549 w 11727443"/>
+              <a:gd name="connsiteY3" fmla="*/ 0 h 100858"/>
+              <a:gd name="connsiteX4" fmla="*/ 2524849 w 11727443"/>
+              <a:gd name="connsiteY4" fmla="*/ 0 h 100858"/>
+              <a:gd name="connsiteX5" fmla="*/ 2862876 w 11727443"/>
+              <a:gd name="connsiteY5" fmla="*/ 0 h 100858"/>
+              <a:gd name="connsiteX6" fmla="*/ 3787274 w 11727443"/>
+              <a:gd name="connsiteY6" fmla="*/ 0 h 100858"/>
+              <a:gd name="connsiteX7" fmla="*/ 4359849 w 11727443"/>
+              <a:gd name="connsiteY7" fmla="*/ 0 h 100858"/>
+              <a:gd name="connsiteX8" fmla="*/ 5284248 w 11727443"/>
+              <a:gd name="connsiteY8" fmla="*/ 0 h 100858"/>
+              <a:gd name="connsiteX9" fmla="*/ 5622274 w 11727443"/>
+              <a:gd name="connsiteY9" fmla="*/ 0 h 100858"/>
+              <a:gd name="connsiteX10" fmla="*/ 6077575 w 11727443"/>
+              <a:gd name="connsiteY10" fmla="*/ 0 h 100858"/>
+              <a:gd name="connsiteX11" fmla="*/ 7001973 w 11727443"/>
+              <a:gd name="connsiteY11" fmla="*/ 0 h 100858"/>
+              <a:gd name="connsiteX12" fmla="*/ 7926372 w 11727443"/>
+              <a:gd name="connsiteY12" fmla="*/ 0 h 100858"/>
+              <a:gd name="connsiteX13" fmla="*/ 8498947 w 11727443"/>
+              <a:gd name="connsiteY13" fmla="*/ 0 h 100858"/>
+              <a:gd name="connsiteX14" fmla="*/ 8836973 w 11727443"/>
+              <a:gd name="connsiteY14" fmla="*/ 0 h 100858"/>
+              <a:gd name="connsiteX15" fmla="*/ 9644097 w 11727443"/>
+              <a:gd name="connsiteY15" fmla="*/ 0 h 100858"/>
+              <a:gd name="connsiteX16" fmla="*/ 10333947 w 11727443"/>
+              <a:gd name="connsiteY16" fmla="*/ 0 h 100858"/>
+              <a:gd name="connsiteX17" fmla="*/ 10906522 w 11727443"/>
+              <a:gd name="connsiteY17" fmla="*/ 0 h 100858"/>
+              <a:gd name="connsiteX18" fmla="*/ 11727443 w 11727443"/>
+              <a:gd name="connsiteY18" fmla="*/ 0 h 100858"/>
+              <a:gd name="connsiteX19" fmla="*/ 11727443 w 11727443"/>
+              <a:gd name="connsiteY19" fmla="*/ 100858 h 100858"/>
+              <a:gd name="connsiteX20" fmla="*/ 10920319 w 11727443"/>
+              <a:gd name="connsiteY20" fmla="*/ 100858 h 100858"/>
+              <a:gd name="connsiteX21" fmla="*/ 10465018 w 11727443"/>
+              <a:gd name="connsiteY21" fmla="*/ 100858 h 100858"/>
+              <a:gd name="connsiteX22" fmla="*/ 9892443 w 11727443"/>
+              <a:gd name="connsiteY22" fmla="*/ 100858 h 100858"/>
+              <a:gd name="connsiteX23" fmla="*/ 8968045 w 11727443"/>
+              <a:gd name="connsiteY23" fmla="*/ 100858 h 100858"/>
+              <a:gd name="connsiteX24" fmla="*/ 8630018 w 11727443"/>
+              <a:gd name="connsiteY24" fmla="*/ 100858 h 100858"/>
+              <a:gd name="connsiteX25" fmla="*/ 8291992 w 11727443"/>
+              <a:gd name="connsiteY25" fmla="*/ 100858 h 100858"/>
+              <a:gd name="connsiteX26" fmla="*/ 7953966 w 11727443"/>
+              <a:gd name="connsiteY26" fmla="*/ 100858 h 100858"/>
+              <a:gd name="connsiteX27" fmla="*/ 7146842 w 11727443"/>
+              <a:gd name="connsiteY27" fmla="*/ 100858 h 100858"/>
+              <a:gd name="connsiteX28" fmla="*/ 6691541 w 11727443"/>
+              <a:gd name="connsiteY28" fmla="*/ 100858 h 100858"/>
+              <a:gd name="connsiteX29" fmla="*/ 5884417 w 11727443"/>
+              <a:gd name="connsiteY29" fmla="*/ 100858 h 100858"/>
+              <a:gd name="connsiteX30" fmla="*/ 5077293 w 11727443"/>
+              <a:gd name="connsiteY30" fmla="*/ 100858 h 100858"/>
+              <a:gd name="connsiteX31" fmla="*/ 4621992 w 11727443"/>
+              <a:gd name="connsiteY31" fmla="*/ 100858 h 100858"/>
+              <a:gd name="connsiteX32" fmla="*/ 3932143 w 11727443"/>
+              <a:gd name="connsiteY32" fmla="*/ 100858 h 100858"/>
+              <a:gd name="connsiteX33" fmla="*/ 3359567 w 11727443"/>
+              <a:gd name="connsiteY33" fmla="*/ 100858 h 100858"/>
+              <a:gd name="connsiteX34" fmla="*/ 2435169 w 11727443"/>
+              <a:gd name="connsiteY34" fmla="*/ 100858 h 100858"/>
+              <a:gd name="connsiteX35" fmla="*/ 1745319 w 11727443"/>
+              <a:gd name="connsiteY35" fmla="*/ 100858 h 100858"/>
+              <a:gd name="connsiteX36" fmla="*/ 938195 w 11727443"/>
+              <a:gd name="connsiteY36" fmla="*/ 100858 h 100858"/>
+              <a:gd name="connsiteX37" fmla="*/ 600169 w 11727443"/>
+              <a:gd name="connsiteY37" fmla="*/ 100858 h 100858"/>
+              <a:gd name="connsiteX38" fmla="*/ 0 w 11727443"/>
+              <a:gd name="connsiteY38" fmla="*/ 100858 h 100858"/>
+              <a:gd name="connsiteX39" fmla="*/ 0 w 11727443"/>
+              <a:gd name="connsiteY39" fmla="*/ 0 h 100858"/>
+            </a:gdLst>
+            <a:ahLst/>
+            <a:cxnLst>
+              <a:cxn ang="0">
+                <a:pos x="connsiteX0" y="connsiteY0"/>
+              </a:cxn>
+              <a:cxn ang="0">
+                <a:pos x="connsiteX1" y="connsiteY1"/>
+              </a:cxn>
+              <a:cxn ang="0">
+                <a:pos x="connsiteX2" y="connsiteY2"/>
+              </a:cxn>
+              <a:cxn ang="0">
+                <a:pos x="connsiteX3" y="connsiteY3"/>
+              </a:cxn>
+              <a:cxn ang="0">
+                <a:pos x="connsiteX4" y="connsiteY4"/>
+              </a:cxn>
+              <a:cxn ang="0">
+                <a:pos x="connsiteX5" y="connsiteY5"/>
+              </a:cxn>
+              <a:cxn ang="0">
+                <a:pos x="connsiteX6" y="connsiteY6"/>
+              </a:cxn>
+              <a:cxn ang="0">
+                <a:pos x="connsiteX7" y="connsiteY7"/>
+              </a:cxn>
+              <a:cxn ang="0">
+                <a:pos x="connsiteX8" y="connsiteY8"/>
+              </a:cxn>
+              <a:cxn ang="0">
+                <a:pos x="connsiteX9" y="connsiteY9"/>
+              </a:cxn>
+              <a:cxn ang="0">
+                <a:pos x="connsiteX10" y="connsiteY10"/>
+              </a:cxn>
+              <a:cxn ang="0">
+                <a:pos x="connsiteX11" y="connsiteY11"/>
+              </a:cxn>
+              <a:cxn ang="0">
+                <a:pos x="connsiteX12" y="connsiteY12"/>
+              </a:cxn>
+              <a:cxn ang="0">
+                <a:pos x="connsiteX13" y="connsiteY13"/>
+              </a:cxn>
+              <a:cxn ang="0">
+                <a:pos x="connsiteX14" y="connsiteY14"/>
+              </a:cxn>
+              <a:cxn ang="0">
+                <a:pos x="connsiteX15" y="connsiteY15"/>
+              </a:cxn>
+              <a:cxn ang="0">
+                <a:pos x="connsiteX16" y="connsiteY16"/>
+              </a:cxn>
+              <a:cxn ang="0">
+                <a:pos x="connsiteX17" y="connsiteY17"/>
+              </a:cxn>
+              <a:cxn ang="0">
+                <a:pos x="connsiteX18" y="connsiteY18"/>
+              </a:cxn>
+              <a:cxn ang="0">
+                <a:pos x="connsiteX19" y="connsiteY19"/>
+              </a:cxn>
+              <a:cxn ang="0">
+                <a:pos x="connsiteX20" y="connsiteY20"/>
+              </a:cxn>
+              <a:cxn ang="0">
+                <a:pos x="connsiteX21" y="connsiteY21"/>
+              </a:cxn>
+              <a:cxn ang="0">
+                <a:pos x="connsiteX22" y="connsiteY22"/>
+              </a:cxn>
+              <a:cxn ang="0">
+                <a:pos x="connsiteX23" y="connsiteY23"/>
+              </a:cxn>
+              <a:cxn ang="0">
+                <a:pos x="connsiteX24" y="connsiteY24"/>
+              </a:cxn>
+              <a:cxn ang="0">
+                <a:pos x="connsiteX25" y="connsiteY25"/>
+              </a:cxn>
+              <a:cxn ang="0">
+                <a:pos x="connsiteX26" y="connsiteY26"/>
+              </a:cxn>
+              <a:cxn ang="0">
+                <a:pos x="connsiteX27" y="connsiteY27"/>
+              </a:cxn>
+              <a:cxn ang="0">
+                <a:pos x="connsiteX28" y="connsiteY28"/>
+              </a:cxn>
+              <a:cxn ang="0">
+                <a:pos x="connsiteX29" y="connsiteY29"/>
+              </a:cxn>
+              <a:cxn ang="0">
+                <a:pos x="connsiteX30" y="connsiteY30"/>
+              </a:cxn>
+              <a:cxn ang="0">
+                <a:pos x="connsiteX31" y="connsiteY31"/>
+              </a:cxn>
+              <a:cxn ang="0">
+                <a:pos x="connsiteX32" y="connsiteY32"/>
+              </a:cxn>
+              <a:cxn ang="0">
+                <a:pos x="connsiteX33" y="connsiteY33"/>
+              </a:cxn>
+              <a:cxn ang="0">
+                <a:pos x="connsiteX34" y="connsiteY34"/>
+              </a:cxn>
+              <a:cxn ang="0">
+                <a:pos x="connsiteX35" y="connsiteY35"/>
+              </a:cxn>
+              <a:cxn ang="0">
+                <a:pos x="connsiteX36" y="connsiteY36"/>
+              </a:cxn>
+              <a:cxn ang="0">
+                <a:pos x="connsiteX37" y="connsiteY37"/>
+              </a:cxn>
+              <a:cxn ang="0">
+                <a:pos x="connsiteX38" y="connsiteY38"/>
+              </a:cxn>
+              <a:cxn ang="0">
+                <a:pos x="connsiteX39" y="connsiteY39"/>
+              </a:cxn>
+            </a:cxnLst>
+            <a:rect l="l" t="t" r="r" b="b"/>
+            <a:pathLst>
+              <a:path w="11727443" h="100858" fill="none" extrusionOk="0">
+                <a:moveTo>
+                  <a:pt x="0" y="0"/>
+                </a:moveTo>
+                <a:cubicBezTo>
+                  <a:pt x="177575" y="-8335"/>
+                  <a:pt x="289292" y="-22372"/>
+                  <a:pt x="455301" y="0"/>
+                </a:cubicBezTo>
+                <a:cubicBezTo>
+                  <a:pt x="621310" y="22372"/>
+                  <a:pt x="959229" y="316"/>
+                  <a:pt x="1379699" y="0"/>
+                </a:cubicBezTo>
+                <a:cubicBezTo>
+                  <a:pt x="1800169" y="-316"/>
+                  <a:pt x="1910290" y="-19988"/>
+                  <a:pt x="2069549" y="0"/>
+                </a:cubicBezTo>
+                <a:cubicBezTo>
+                  <a:pt x="2228808" y="19988"/>
+                  <a:pt x="2328018" y="-6436"/>
+                  <a:pt x="2524849" y="0"/>
+                </a:cubicBezTo>
+                <a:cubicBezTo>
+                  <a:pt x="2721680" y="6436"/>
+                  <a:pt x="2744923" y="692"/>
+                  <a:pt x="2862876" y="0"/>
+                </a:cubicBezTo>
+                <a:cubicBezTo>
+                  <a:pt x="2980829" y="-692"/>
+                  <a:pt x="3455105" y="28803"/>
+                  <a:pt x="3787274" y="0"/>
+                </a:cubicBezTo>
+                <a:cubicBezTo>
+                  <a:pt x="4119443" y="-28803"/>
+                  <a:pt x="4093258" y="3515"/>
+                  <a:pt x="4359849" y="0"/>
+                </a:cubicBezTo>
+                <a:cubicBezTo>
+                  <a:pt x="4626441" y="-3515"/>
+                  <a:pt x="4994558" y="-15931"/>
+                  <a:pt x="5284248" y="0"/>
+                </a:cubicBezTo>
+                <a:cubicBezTo>
+                  <a:pt x="5573938" y="15931"/>
+                  <a:pt x="5518095" y="-13412"/>
+                  <a:pt x="5622274" y="0"/>
+                </a:cubicBezTo>
+                <a:cubicBezTo>
+                  <a:pt x="5726453" y="13412"/>
+                  <a:pt x="5919345" y="19043"/>
+                  <a:pt x="6077575" y="0"/>
+                </a:cubicBezTo>
+                <a:cubicBezTo>
+                  <a:pt x="6235805" y="-19043"/>
+                  <a:pt x="6637812" y="29609"/>
+                  <a:pt x="7001973" y="0"/>
+                </a:cubicBezTo>
+                <a:cubicBezTo>
+                  <a:pt x="7366134" y="-29609"/>
+                  <a:pt x="7716303" y="17424"/>
+                  <a:pt x="7926372" y="0"/>
+                </a:cubicBezTo>
+                <a:cubicBezTo>
+                  <a:pt x="8136441" y="-17424"/>
+                  <a:pt x="8378864" y="-19420"/>
+                  <a:pt x="8498947" y="0"/>
+                </a:cubicBezTo>
+                <a:cubicBezTo>
+                  <a:pt x="8619031" y="19420"/>
+                  <a:pt x="8765062" y="-15679"/>
+                  <a:pt x="8836973" y="0"/>
+                </a:cubicBezTo>
+                <a:cubicBezTo>
+                  <a:pt x="8908884" y="15679"/>
+                  <a:pt x="9288035" y="12756"/>
+                  <a:pt x="9644097" y="0"/>
+                </a:cubicBezTo>
+                <a:cubicBezTo>
+                  <a:pt x="10000159" y="-12756"/>
+                  <a:pt x="10089663" y="-5649"/>
+                  <a:pt x="10333947" y="0"/>
+                </a:cubicBezTo>
+                <a:cubicBezTo>
+                  <a:pt x="10578231" y="5649"/>
+                  <a:pt x="10785095" y="27917"/>
+                  <a:pt x="10906522" y="0"/>
+                </a:cubicBezTo>
+                <a:cubicBezTo>
+                  <a:pt x="11027949" y="-27917"/>
+                  <a:pt x="11562609" y="31188"/>
+                  <a:pt x="11727443" y="0"/>
+                </a:cubicBezTo>
+                <a:cubicBezTo>
+                  <a:pt x="11723584" y="38217"/>
+                  <a:pt x="11731691" y="73296"/>
+                  <a:pt x="11727443" y="100858"/>
+                </a:cubicBezTo>
+                <a:cubicBezTo>
+                  <a:pt x="11381154" y="139297"/>
+                  <a:pt x="11163895" y="69647"/>
+                  <a:pt x="10920319" y="100858"/>
+                </a:cubicBezTo>
+                <a:cubicBezTo>
+                  <a:pt x="10676743" y="132069"/>
+                  <a:pt x="10625983" y="117071"/>
+                  <a:pt x="10465018" y="100858"/>
+                </a:cubicBezTo>
+                <a:cubicBezTo>
+                  <a:pt x="10304053" y="84645"/>
+                  <a:pt x="10063410" y="105790"/>
+                  <a:pt x="9892443" y="100858"/>
+                </a:cubicBezTo>
+                <a:cubicBezTo>
+                  <a:pt x="9721477" y="95926"/>
+                  <a:pt x="9298902" y="55708"/>
+                  <a:pt x="8968045" y="100858"/>
+                </a:cubicBezTo>
+                <a:cubicBezTo>
+                  <a:pt x="8637188" y="146008"/>
+                  <a:pt x="8753098" y="98295"/>
+                  <a:pt x="8630018" y="100858"/>
+                </a:cubicBezTo>
+                <a:cubicBezTo>
+                  <a:pt x="8506938" y="103421"/>
+                  <a:pt x="8382809" y="104606"/>
+                  <a:pt x="8291992" y="100858"/>
+                </a:cubicBezTo>
+                <a:cubicBezTo>
+                  <a:pt x="8201175" y="97110"/>
+                  <a:pt x="8042573" y="88227"/>
+                  <a:pt x="7953966" y="100858"/>
+                </a:cubicBezTo>
+                <a:cubicBezTo>
+                  <a:pt x="7865359" y="113489"/>
+                  <a:pt x="7327260" y="71433"/>
+                  <a:pt x="7146842" y="100858"/>
+                </a:cubicBezTo>
+                <a:cubicBezTo>
+                  <a:pt x="6966424" y="130283"/>
+                  <a:pt x="6836691" y="78893"/>
+                  <a:pt x="6691541" y="100858"/>
+                </a:cubicBezTo>
+                <a:cubicBezTo>
+                  <a:pt x="6546391" y="122823"/>
+                  <a:pt x="6161732" y="96929"/>
+                  <a:pt x="5884417" y="100858"/>
+                </a:cubicBezTo>
+                <a:cubicBezTo>
+                  <a:pt x="5607102" y="104787"/>
+                  <a:pt x="5399769" y="71203"/>
+                  <a:pt x="5077293" y="100858"/>
+                </a:cubicBezTo>
+                <a:cubicBezTo>
+                  <a:pt x="4754817" y="130513"/>
+                  <a:pt x="4780101" y="110562"/>
+                  <a:pt x="4621992" y="100858"/>
+                </a:cubicBezTo>
+                <a:cubicBezTo>
+                  <a:pt x="4463883" y="91154"/>
+                  <a:pt x="4080268" y="82653"/>
+                  <a:pt x="3932143" y="100858"/>
+                </a:cubicBezTo>
+                <a:cubicBezTo>
+                  <a:pt x="3784018" y="119063"/>
+                  <a:pt x="3606068" y="107585"/>
+                  <a:pt x="3359567" y="100858"/>
+                </a:cubicBezTo>
+                <a:cubicBezTo>
+                  <a:pt x="3113066" y="94131"/>
+                  <a:pt x="2833730" y="108463"/>
+                  <a:pt x="2435169" y="100858"/>
+                </a:cubicBezTo>
+                <a:cubicBezTo>
+                  <a:pt x="2036608" y="93253"/>
+                  <a:pt x="1979570" y="109496"/>
+                  <a:pt x="1745319" y="100858"/>
+                </a:cubicBezTo>
+                <a:cubicBezTo>
+                  <a:pt x="1511068" y="92221"/>
+                  <a:pt x="1304277" y="99602"/>
+                  <a:pt x="938195" y="100858"/>
+                </a:cubicBezTo>
+                <a:cubicBezTo>
+                  <a:pt x="572113" y="102114"/>
+                  <a:pt x="673750" y="115329"/>
+                  <a:pt x="600169" y="100858"/>
+                </a:cubicBezTo>
+                <a:cubicBezTo>
+                  <a:pt x="526588" y="86387"/>
+                  <a:pt x="223952" y="122492"/>
+                  <a:pt x="0" y="100858"/>
+                </a:cubicBezTo>
+                <a:cubicBezTo>
+                  <a:pt x="-124" y="56937"/>
+                  <a:pt x="-3196" y="35397"/>
+                  <a:pt x="0" y="0"/>
+                </a:cubicBezTo>
+                <a:close/>
+              </a:path>
+              <a:path w="11727443" h="100858" stroke="0" extrusionOk="0">
+                <a:moveTo>
+                  <a:pt x="0" y="0"/>
+                </a:moveTo>
+                <a:cubicBezTo>
+                  <a:pt x="226598" y="-20463"/>
+                  <a:pt x="284703" y="21278"/>
+                  <a:pt x="455301" y="0"/>
+                </a:cubicBezTo>
+                <a:cubicBezTo>
+                  <a:pt x="625899" y="-21278"/>
+                  <a:pt x="975360" y="-38169"/>
+                  <a:pt x="1379699" y="0"/>
+                </a:cubicBezTo>
+                <a:cubicBezTo>
+                  <a:pt x="1784038" y="38169"/>
+                  <a:pt x="1553897" y="10715"/>
+                  <a:pt x="1717725" y="0"/>
+                </a:cubicBezTo>
+                <a:cubicBezTo>
+                  <a:pt x="1881553" y="-10715"/>
+                  <a:pt x="1957404" y="7512"/>
+                  <a:pt x="2055752" y="0"/>
+                </a:cubicBezTo>
+                <a:cubicBezTo>
+                  <a:pt x="2154100" y="-7512"/>
+                  <a:pt x="2455093" y="6931"/>
+                  <a:pt x="2745601" y="0"/>
+                </a:cubicBezTo>
+                <a:cubicBezTo>
+                  <a:pt x="3036109" y="-6931"/>
+                  <a:pt x="3200578" y="-6899"/>
+                  <a:pt x="3318177" y="0"/>
+                </a:cubicBezTo>
+                <a:cubicBezTo>
+                  <a:pt x="3435776" y="6899"/>
+                  <a:pt x="3830972" y="-29023"/>
+                  <a:pt x="4125301" y="0"/>
+                </a:cubicBezTo>
+                <a:cubicBezTo>
+                  <a:pt x="4419630" y="29023"/>
+                  <a:pt x="4438628" y="-3380"/>
+                  <a:pt x="4580601" y="0"/>
+                </a:cubicBezTo>
+                <a:cubicBezTo>
+                  <a:pt x="4722574" y="3380"/>
+                  <a:pt x="5287872" y="-26084"/>
+                  <a:pt x="5505000" y="0"/>
+                </a:cubicBezTo>
+                <a:cubicBezTo>
+                  <a:pt x="5722128" y="26084"/>
+                  <a:pt x="5845495" y="-3138"/>
+                  <a:pt x="6077575" y="0"/>
+                </a:cubicBezTo>
+                <a:cubicBezTo>
+                  <a:pt x="6309655" y="3138"/>
+                  <a:pt x="6416497" y="-9038"/>
+                  <a:pt x="6532876" y="0"/>
+                </a:cubicBezTo>
+                <a:cubicBezTo>
+                  <a:pt x="6649255" y="9038"/>
+                  <a:pt x="6798774" y="17432"/>
+                  <a:pt x="6988176" y="0"/>
+                </a:cubicBezTo>
+                <a:cubicBezTo>
+                  <a:pt x="7177578" y="-17432"/>
+                  <a:pt x="7432115" y="-1508"/>
+                  <a:pt x="7560751" y="0"/>
+                </a:cubicBezTo>
+                <a:cubicBezTo>
+                  <a:pt x="7689387" y="1508"/>
+                  <a:pt x="7817048" y="19459"/>
+                  <a:pt x="8016052" y="0"/>
+                </a:cubicBezTo>
+                <a:cubicBezTo>
+                  <a:pt x="8215056" y="-19459"/>
+                  <a:pt x="8384141" y="13593"/>
+                  <a:pt x="8705902" y="0"/>
+                </a:cubicBezTo>
+                <a:cubicBezTo>
+                  <a:pt x="9027663" y="-13593"/>
+                  <a:pt x="8932873" y="-16432"/>
+                  <a:pt x="9043928" y="0"/>
+                </a:cubicBezTo>
+                <a:cubicBezTo>
+                  <a:pt x="9154983" y="16432"/>
+                  <a:pt x="9568699" y="-30219"/>
+                  <a:pt x="9733778" y="0"/>
+                </a:cubicBezTo>
+                <a:cubicBezTo>
+                  <a:pt x="9898857" y="30219"/>
+                  <a:pt x="9973728" y="-1849"/>
+                  <a:pt x="10071804" y="0"/>
+                </a:cubicBezTo>
+                <a:cubicBezTo>
+                  <a:pt x="10169880" y="1849"/>
+                  <a:pt x="10558830" y="-12560"/>
+                  <a:pt x="10996202" y="0"/>
+                </a:cubicBezTo>
+                <a:cubicBezTo>
+                  <a:pt x="11433574" y="12560"/>
+                  <a:pt x="11579031" y="-6546"/>
+                  <a:pt x="11727443" y="0"/>
+                </a:cubicBezTo>
+                <a:cubicBezTo>
+                  <a:pt x="11729168" y="25018"/>
+                  <a:pt x="11723362" y="74256"/>
+                  <a:pt x="11727443" y="100858"/>
+                </a:cubicBezTo>
+                <a:cubicBezTo>
+                  <a:pt x="11466834" y="85519"/>
+                  <a:pt x="11273864" y="83363"/>
+                  <a:pt x="11154868" y="100858"/>
+                </a:cubicBezTo>
+                <a:cubicBezTo>
+                  <a:pt x="11035872" y="118353"/>
+                  <a:pt x="10917509" y="98250"/>
+                  <a:pt x="10816842" y="100858"/>
+                </a:cubicBezTo>
+                <a:cubicBezTo>
+                  <a:pt x="10716175" y="103466"/>
+                  <a:pt x="10190281" y="93289"/>
+                  <a:pt x="9892443" y="100858"/>
+                </a:cubicBezTo>
+                <a:cubicBezTo>
+                  <a:pt x="9594605" y="108427"/>
+                  <a:pt x="9385168" y="118111"/>
+                  <a:pt x="9202594" y="100858"/>
+                </a:cubicBezTo>
+                <a:cubicBezTo>
+                  <a:pt x="9020020" y="83605"/>
+                  <a:pt x="8470284" y="126256"/>
+                  <a:pt x="8278195" y="100858"/>
+                </a:cubicBezTo>
+                <a:cubicBezTo>
+                  <a:pt x="8086106" y="75460"/>
+                  <a:pt x="7779236" y="101234"/>
+                  <a:pt x="7588345" y="100858"/>
+                </a:cubicBezTo>
+                <a:cubicBezTo>
+                  <a:pt x="7397454" y="100483"/>
+                  <a:pt x="7324210" y="98320"/>
+                  <a:pt x="7250319" y="100858"/>
+                </a:cubicBezTo>
+                <a:cubicBezTo>
+                  <a:pt x="7176428" y="103396"/>
+                  <a:pt x="6743284" y="112839"/>
+                  <a:pt x="6325921" y="100858"/>
+                </a:cubicBezTo>
+                <a:cubicBezTo>
+                  <a:pt x="5908558" y="88877"/>
+                  <a:pt x="6095670" y="116342"/>
+                  <a:pt x="5870620" y="100858"/>
+                </a:cubicBezTo>
+                <a:cubicBezTo>
+                  <a:pt x="5645570" y="85374"/>
+                  <a:pt x="5700885" y="115088"/>
+                  <a:pt x="5532594" y="100858"/>
+                </a:cubicBezTo>
+                <a:cubicBezTo>
+                  <a:pt x="5364303" y="86628"/>
+                  <a:pt x="5212740" y="105293"/>
+                  <a:pt x="4960019" y="100858"/>
+                </a:cubicBezTo>
+                <a:cubicBezTo>
+                  <a:pt x="4707298" y="96423"/>
+                  <a:pt x="4491720" y="108840"/>
+                  <a:pt x="4035620" y="100858"/>
+                </a:cubicBezTo>
+                <a:cubicBezTo>
+                  <a:pt x="3579520" y="92876"/>
+                  <a:pt x="3768890" y="79226"/>
+                  <a:pt x="3580319" y="100858"/>
+                </a:cubicBezTo>
+                <a:cubicBezTo>
+                  <a:pt x="3391748" y="122490"/>
+                  <a:pt x="3059393" y="71723"/>
+                  <a:pt x="2655921" y="100858"/>
+                </a:cubicBezTo>
+                <a:cubicBezTo>
+                  <a:pt x="2252449" y="129993"/>
+                  <a:pt x="2021995" y="121740"/>
+                  <a:pt x="1848797" y="100858"/>
+                </a:cubicBezTo>
+                <a:cubicBezTo>
+                  <a:pt x="1675599" y="79976"/>
+                  <a:pt x="1263502" y="106737"/>
+                  <a:pt x="924398" y="100858"/>
+                </a:cubicBezTo>
+                <a:cubicBezTo>
+                  <a:pt x="585294" y="94979"/>
+                  <a:pt x="216313" y="56521"/>
+                  <a:pt x="0" y="100858"/>
+                </a:cubicBezTo>
+                <a:cubicBezTo>
+                  <a:pt x="-4094" y="59488"/>
+                  <a:pt x="2375" y="29231"/>
+                  <a:pt x="0" y="0"/>
+                </a:cubicBezTo>
+                <a:close/>
+              </a:path>
+            </a:pathLst>
+          </a:custGeom>
+          <a:solidFill>
+            <a:schemeClr val="accent1"/>
+          </a:solidFill>
+          <a:ln w="44450" cap="rnd">
+            <a:solidFill>
+              <a:schemeClr val="accent1"/>
+            </a:solidFill>
+            <a:round/>
+            <a:extLst>
+              <a:ext uri="{C807C97D-BFC1-408E-A445-0C87EB9F89A2}">
+                <ask:lineSketchStyleProps xmlns:ask="http://schemas.microsoft.com/office/drawing/2018/sketchyshapes" sd="2863741219">
+                  <a:prstGeom prst="rect">
+                    <a:avLst/>
+                  </a:prstGeom>
+                  <ask:type>
+                    <ask:lineSketchFreehand/>
+                  </ask:type>
+                </ask:lineSketchStyleProps>
+              </a:ext>
+            </a:extLst>
+          </a:ln>
+        </p:spPr>
+        <p:style>
+          <a:lnRef idx="2">
+            <a:schemeClr val="accent1">
+              <a:shade val="50000"/>
+            </a:schemeClr>
+          </a:lnRef>
+          <a:fillRef idx="1">
+            <a:schemeClr val="accent1"/>
+          </a:fillRef>
+          <a:effectRef idx="0">
+            <a:schemeClr val="accent1"/>
+          </a:effectRef>
+          <a:fontRef idx="minor">
+            <a:schemeClr val="lt1"/>
+          </a:fontRef>
+        </p:style>
+        <p:txBody>
+          <a:bodyPr rtlCol="0" anchor="ctr"/>
+          <a:lstStyle/>
+          <a:p>
+            <a:pPr algn="ctr"/>
+            <a:endParaRPr lang="en-US">
+              <a:solidFill>
+                <a:schemeClr val="accent1"/>
+              </a:solidFill>
+            </a:endParaRPr>
+          </a:p>
+        </p:txBody>
+      </p:sp>
+      <p:pic>
+        <p:nvPicPr>
+          <p:cNvPr id="4098" name="Picture 2">
+            <a:extLst>
+              <a:ext uri="{FF2B5EF4-FFF2-40B4-BE49-F238E27FC236}">
+                <a16:creationId xmlns:a16="http://schemas.microsoft.com/office/drawing/2014/main" id="{695332E2-DB2A-B48F-9FE5-BB7329272E32}"/>
+              </a:ext>
+            </a:extLst>
+          </p:cNvPr>
+          <p:cNvPicPr>
+            <a:picLocks noChangeAspect="1" noChangeArrowheads="1"/>
+          </p:cNvPicPr>
+          <p:nvPr/>
+        </p:nvPicPr>
+        <p:blipFill>
+          <a:blip r:embed="rId3">
+            <a:extLst>
+              <a:ext uri="{28A0092B-C50C-407E-A947-70E740481C1C}">
+                <a14:useLocalDpi xmlns:a14="http://schemas.microsoft.com/office/drawing/2010/main" val="0"/>
+              </a:ext>
+            </a:extLst>
+          </a:blip>
+          <a:srcRect/>
+          <a:stretch>
+            <a:fillRect/>
+          </a:stretch>
+        </p:blipFill>
+        <p:spPr bwMode="auto">
+          <a:xfrm>
+            <a:off x="2433638" y="1476378"/>
+            <a:ext cx="7324725" cy="5124450"/>
+          </a:xfrm>
+          <a:prstGeom prst="rect">
+            <a:avLst/>
+          </a:prstGeom>
+          <a:noFill/>
+          <a:extLst>
+            <a:ext uri="{909E8E84-426E-40DD-AFC4-6F175D3DCCD1}">
+              <a14:hiddenFill xmlns:a14="http://schemas.microsoft.com/office/drawing/2010/main">
+                <a:solidFill>
+                  <a:srgbClr val="FFFFFF"/>
+                </a:solidFill>
+              </a14:hiddenFill>
+            </a:ext>
+          </a:extLst>
+        </p:spPr>
+      </p:pic>
+    </p:spTree>
+    <p:extLst>
+      <p:ext uri="{BB962C8B-B14F-4D97-AF65-F5344CB8AC3E}">
+        <p14:creationId xmlns:p14="http://schemas.microsoft.com/office/powerpoint/2010/main" val="3160557577"/>
+      </p:ext>
+    </p:extLst>
+  </p:cSld>
+  <p:clrMapOvr>
+    <a:masterClrMapping/>
+  </p:clrMapOvr>
+</p:sld>
+</file>
+
+<file path=ppt/slides/slide24.xml><?xml version="1.0" encoding="utf-8"?>
+<p:sld xmlns:a="http://schemas.openxmlformats.org/drawingml/2006/main" xmlns:r="http://schemas.openxmlformats.org/officeDocument/2006/relationships" xmlns:p="http://schemas.openxmlformats.org/presentationml/2006/main">
+  <p:cSld>
+    <p:spTree>
+      <p:nvGrpSpPr>
+        <p:cNvPr id="1" name=""/>
+        <p:cNvGrpSpPr/>
+        <p:nvPr/>
+      </p:nvGrpSpPr>
+      <p:grpSpPr>
+        <a:xfrm>
+          <a:off x="0" y="0"/>
+          <a:ext cx="0" cy="0"/>
+          <a:chOff x="0" y="0"/>
+          <a:chExt cx="0" cy="0"/>
+        </a:xfrm>
+      </p:grpSpPr>
+      <p:sp>
+        <p:nvSpPr>
+          <p:cNvPr id="2" name="CaixaDeTexto 1">
+            <a:extLst>
+              <a:ext uri="{FF2B5EF4-FFF2-40B4-BE49-F238E27FC236}">
+                <a16:creationId xmlns:a16="http://schemas.microsoft.com/office/drawing/2014/main" id="{F0692AFF-3E64-0586-A52C-8FA02076D16D}"/>
+              </a:ext>
+            </a:extLst>
+          </p:cNvPr>
+          <p:cNvSpPr txBox="1"/>
+          <p:nvPr/>
+        </p:nvSpPr>
+        <p:spPr>
+          <a:xfrm>
+            <a:off x="146151" y="252163"/>
+            <a:ext cx="10487075" cy="1107996"/>
+          </a:xfrm>
+          <a:prstGeom prst="rect">
+            <a:avLst/>
+          </a:prstGeom>
+          <a:noFill/>
+        </p:spPr>
+        <p:txBody>
+          <a:bodyPr wrap="square" rtlCol="0">
+            <a:spAutoFit/>
+          </a:bodyPr>
+          <a:lstStyle/>
+          <a:p>
+            <a:r>
+              <a:rPr lang="pt-BR" sz="6600" dirty="0">
+                <a:solidFill>
+                  <a:schemeClr val="accent1"/>
+                </a:solidFill>
+                <a:latin typeface="Impact" panose="020B0806030902050204" pitchFamily="34" charset="0"/>
+              </a:rPr>
+              <a:t>Dicas de SSIS</a:t>
+            </a:r>
+          </a:p>
+        </p:txBody>
+      </p:sp>
+      <p:pic>
+        <p:nvPicPr>
+          <p:cNvPr id="4" name="Imagem 3" descr="Placa azul com letras brancas em fundo preto&#10;&#10;Descrição gerada automaticamente com confiança média">
+            <a:extLst>
+              <a:ext uri="{FF2B5EF4-FFF2-40B4-BE49-F238E27FC236}">
+                <a16:creationId xmlns:a16="http://schemas.microsoft.com/office/drawing/2014/main" id="{0E5E5865-72E0-A5BA-F89B-D0D32A8C1ED8}"/>
+              </a:ext>
+            </a:extLst>
+          </p:cNvPr>
+          <p:cNvPicPr>
+            <a:picLocks noChangeAspect="1"/>
+          </p:cNvPicPr>
+          <p:nvPr/>
+        </p:nvPicPr>
+        <p:blipFill>
+          <a:blip r:embed="rId2">
+            <a:extLst>
+              <a:ext uri="{28A0092B-C50C-407E-A947-70E740481C1C}">
+                <a14:useLocalDpi xmlns:a14="http://schemas.microsoft.com/office/drawing/2010/main" val="0"/>
+              </a:ext>
+            </a:extLst>
+          </a:blip>
+          <a:stretch>
+            <a:fillRect/>
+          </a:stretch>
+        </p:blipFill>
+        <p:spPr>
+          <a:xfrm>
+            <a:off x="9942787" y="6355555"/>
+            <a:ext cx="2128484" cy="440961"/>
+          </a:xfrm>
+          <a:prstGeom prst="rect">
+            <a:avLst/>
+          </a:prstGeom>
+        </p:spPr>
+      </p:pic>
+      <p:sp>
+        <p:nvSpPr>
+          <p:cNvPr id="7" name="sketchy line">
+            <a:extLst>
+              <a:ext uri="{FF2B5EF4-FFF2-40B4-BE49-F238E27FC236}">
+                <a16:creationId xmlns:a16="http://schemas.microsoft.com/office/drawing/2014/main" id="{78937F6D-56BD-2A6E-41E9-3900165C87A3}"/>
+              </a:ext>
+              <a:ext uri="{C183D7F6-B498-43B3-948B-1728B52AA6E4}">
+                <adec:decorative xmlns:adec="http://schemas.microsoft.com/office/drawing/2017/decorative" val="1"/>
+              </a:ext>
+            </a:extLst>
+          </p:cNvPr>
+          <p:cNvSpPr/>
+          <p:nvPr>
+            <p:extLst>
+              <p:ext uri="{386F3935-93C4-4BCD-93E2-E3B085C9AB24}">
+                <p16:designElem xmlns:p16="http://schemas.microsoft.com/office/powerpoint/2015/main" val="1"/>
+              </p:ext>
+            </p:extLst>
+          </p:nvPr>
+        </p:nvSpPr>
+        <p:spPr>
+          <a:xfrm>
+            <a:off x="268062" y="1184695"/>
+            <a:ext cx="11727443" cy="100858"/>
+          </a:xfrm>
+          <a:custGeom>
+            <a:avLst/>
+            <a:gdLst>
+              <a:gd name="connsiteX0" fmla="*/ 0 w 11727443"/>
+              <a:gd name="connsiteY0" fmla="*/ 0 h 100858"/>
+              <a:gd name="connsiteX1" fmla="*/ 455301 w 11727443"/>
+              <a:gd name="connsiteY1" fmla="*/ 0 h 100858"/>
+              <a:gd name="connsiteX2" fmla="*/ 1379699 w 11727443"/>
+              <a:gd name="connsiteY2" fmla="*/ 0 h 100858"/>
+              <a:gd name="connsiteX3" fmla="*/ 2069549 w 11727443"/>
+              <a:gd name="connsiteY3" fmla="*/ 0 h 100858"/>
+              <a:gd name="connsiteX4" fmla="*/ 2524849 w 11727443"/>
+              <a:gd name="connsiteY4" fmla="*/ 0 h 100858"/>
+              <a:gd name="connsiteX5" fmla="*/ 2862876 w 11727443"/>
+              <a:gd name="connsiteY5" fmla="*/ 0 h 100858"/>
+              <a:gd name="connsiteX6" fmla="*/ 3787274 w 11727443"/>
+              <a:gd name="connsiteY6" fmla="*/ 0 h 100858"/>
+              <a:gd name="connsiteX7" fmla="*/ 4359849 w 11727443"/>
+              <a:gd name="connsiteY7" fmla="*/ 0 h 100858"/>
+              <a:gd name="connsiteX8" fmla="*/ 5284248 w 11727443"/>
+              <a:gd name="connsiteY8" fmla="*/ 0 h 100858"/>
+              <a:gd name="connsiteX9" fmla="*/ 5622274 w 11727443"/>
+              <a:gd name="connsiteY9" fmla="*/ 0 h 100858"/>
+              <a:gd name="connsiteX10" fmla="*/ 6077575 w 11727443"/>
+              <a:gd name="connsiteY10" fmla="*/ 0 h 100858"/>
+              <a:gd name="connsiteX11" fmla="*/ 7001973 w 11727443"/>
+              <a:gd name="connsiteY11" fmla="*/ 0 h 100858"/>
+              <a:gd name="connsiteX12" fmla="*/ 7926372 w 11727443"/>
+              <a:gd name="connsiteY12" fmla="*/ 0 h 100858"/>
+              <a:gd name="connsiteX13" fmla="*/ 8498947 w 11727443"/>
+              <a:gd name="connsiteY13" fmla="*/ 0 h 100858"/>
+              <a:gd name="connsiteX14" fmla="*/ 8836973 w 11727443"/>
+              <a:gd name="connsiteY14" fmla="*/ 0 h 100858"/>
+              <a:gd name="connsiteX15" fmla="*/ 9644097 w 11727443"/>
+              <a:gd name="connsiteY15" fmla="*/ 0 h 100858"/>
+              <a:gd name="connsiteX16" fmla="*/ 10333947 w 11727443"/>
+              <a:gd name="connsiteY16" fmla="*/ 0 h 100858"/>
+              <a:gd name="connsiteX17" fmla="*/ 10906522 w 11727443"/>
+              <a:gd name="connsiteY17" fmla="*/ 0 h 100858"/>
+              <a:gd name="connsiteX18" fmla="*/ 11727443 w 11727443"/>
+              <a:gd name="connsiteY18" fmla="*/ 0 h 100858"/>
+              <a:gd name="connsiteX19" fmla="*/ 11727443 w 11727443"/>
+              <a:gd name="connsiteY19" fmla="*/ 100858 h 100858"/>
+              <a:gd name="connsiteX20" fmla="*/ 10920319 w 11727443"/>
+              <a:gd name="connsiteY20" fmla="*/ 100858 h 100858"/>
+              <a:gd name="connsiteX21" fmla="*/ 10465018 w 11727443"/>
+              <a:gd name="connsiteY21" fmla="*/ 100858 h 100858"/>
+              <a:gd name="connsiteX22" fmla="*/ 9892443 w 11727443"/>
+              <a:gd name="connsiteY22" fmla="*/ 100858 h 100858"/>
+              <a:gd name="connsiteX23" fmla="*/ 8968045 w 11727443"/>
+              <a:gd name="connsiteY23" fmla="*/ 100858 h 100858"/>
+              <a:gd name="connsiteX24" fmla="*/ 8630018 w 11727443"/>
+              <a:gd name="connsiteY24" fmla="*/ 100858 h 100858"/>
+              <a:gd name="connsiteX25" fmla="*/ 8291992 w 11727443"/>
+              <a:gd name="connsiteY25" fmla="*/ 100858 h 100858"/>
+              <a:gd name="connsiteX26" fmla="*/ 7953966 w 11727443"/>
+              <a:gd name="connsiteY26" fmla="*/ 100858 h 100858"/>
+              <a:gd name="connsiteX27" fmla="*/ 7146842 w 11727443"/>
+              <a:gd name="connsiteY27" fmla="*/ 100858 h 100858"/>
+              <a:gd name="connsiteX28" fmla="*/ 6691541 w 11727443"/>
+              <a:gd name="connsiteY28" fmla="*/ 100858 h 100858"/>
+              <a:gd name="connsiteX29" fmla="*/ 5884417 w 11727443"/>
+              <a:gd name="connsiteY29" fmla="*/ 100858 h 100858"/>
+              <a:gd name="connsiteX30" fmla="*/ 5077293 w 11727443"/>
+              <a:gd name="connsiteY30" fmla="*/ 100858 h 100858"/>
+              <a:gd name="connsiteX31" fmla="*/ 4621992 w 11727443"/>
+              <a:gd name="connsiteY31" fmla="*/ 100858 h 100858"/>
+              <a:gd name="connsiteX32" fmla="*/ 3932143 w 11727443"/>
+              <a:gd name="connsiteY32" fmla="*/ 100858 h 100858"/>
+              <a:gd name="connsiteX33" fmla="*/ 3359567 w 11727443"/>
+              <a:gd name="connsiteY33" fmla="*/ 100858 h 100858"/>
+              <a:gd name="connsiteX34" fmla="*/ 2435169 w 11727443"/>
+              <a:gd name="connsiteY34" fmla="*/ 100858 h 100858"/>
+              <a:gd name="connsiteX35" fmla="*/ 1745319 w 11727443"/>
+              <a:gd name="connsiteY35" fmla="*/ 100858 h 100858"/>
+              <a:gd name="connsiteX36" fmla="*/ 938195 w 11727443"/>
+              <a:gd name="connsiteY36" fmla="*/ 100858 h 100858"/>
+              <a:gd name="connsiteX37" fmla="*/ 600169 w 11727443"/>
+              <a:gd name="connsiteY37" fmla="*/ 100858 h 100858"/>
+              <a:gd name="connsiteX38" fmla="*/ 0 w 11727443"/>
+              <a:gd name="connsiteY38" fmla="*/ 100858 h 100858"/>
+              <a:gd name="connsiteX39" fmla="*/ 0 w 11727443"/>
+              <a:gd name="connsiteY39" fmla="*/ 0 h 100858"/>
+            </a:gdLst>
+            <a:ahLst/>
+            <a:cxnLst>
+              <a:cxn ang="0">
+                <a:pos x="connsiteX0" y="connsiteY0"/>
+              </a:cxn>
+              <a:cxn ang="0">
+                <a:pos x="connsiteX1" y="connsiteY1"/>
+              </a:cxn>
+              <a:cxn ang="0">
+                <a:pos x="connsiteX2" y="connsiteY2"/>
+              </a:cxn>
+              <a:cxn ang="0">
+                <a:pos x="connsiteX3" y="connsiteY3"/>
+              </a:cxn>
+              <a:cxn ang="0">
+                <a:pos x="connsiteX4" y="connsiteY4"/>
+              </a:cxn>
+              <a:cxn ang="0">
+                <a:pos x="connsiteX5" y="connsiteY5"/>
+              </a:cxn>
+              <a:cxn ang="0">
+                <a:pos x="connsiteX6" y="connsiteY6"/>
+              </a:cxn>
+              <a:cxn ang="0">
+                <a:pos x="connsiteX7" y="connsiteY7"/>
+              </a:cxn>
+              <a:cxn ang="0">
+                <a:pos x="connsiteX8" y="connsiteY8"/>
+              </a:cxn>
+              <a:cxn ang="0">
+                <a:pos x="connsiteX9" y="connsiteY9"/>
+              </a:cxn>
+              <a:cxn ang="0">
+                <a:pos x="connsiteX10" y="connsiteY10"/>
+              </a:cxn>
+              <a:cxn ang="0">
+                <a:pos x="connsiteX11" y="connsiteY11"/>
+              </a:cxn>
+              <a:cxn ang="0">
+                <a:pos x="connsiteX12" y="connsiteY12"/>
+              </a:cxn>
+              <a:cxn ang="0">
+                <a:pos x="connsiteX13" y="connsiteY13"/>
+              </a:cxn>
+              <a:cxn ang="0">
+                <a:pos x="connsiteX14" y="connsiteY14"/>
+              </a:cxn>
+              <a:cxn ang="0">
+                <a:pos x="connsiteX15" y="connsiteY15"/>
+              </a:cxn>
+              <a:cxn ang="0">
+                <a:pos x="connsiteX16" y="connsiteY16"/>
+              </a:cxn>
+              <a:cxn ang="0">
+                <a:pos x="connsiteX17" y="connsiteY17"/>
+              </a:cxn>
+              <a:cxn ang="0">
+                <a:pos x="connsiteX18" y="connsiteY18"/>
+              </a:cxn>
+              <a:cxn ang="0">
+                <a:pos x="connsiteX19" y="connsiteY19"/>
+              </a:cxn>
+              <a:cxn ang="0">
+                <a:pos x="connsiteX20" y="connsiteY20"/>
+              </a:cxn>
+              <a:cxn ang="0">
+                <a:pos x="connsiteX21" y="connsiteY21"/>
+              </a:cxn>
+              <a:cxn ang="0">
+                <a:pos x="connsiteX22" y="connsiteY22"/>
+              </a:cxn>
+              <a:cxn ang="0">
+                <a:pos x="connsiteX23" y="connsiteY23"/>
+              </a:cxn>
+              <a:cxn ang="0">
+                <a:pos x="connsiteX24" y="connsiteY24"/>
+              </a:cxn>
+              <a:cxn ang="0">
+                <a:pos x="connsiteX25" y="connsiteY25"/>
+              </a:cxn>
+              <a:cxn ang="0">
+                <a:pos x="connsiteX26" y="connsiteY26"/>
+              </a:cxn>
+              <a:cxn ang="0">
+                <a:pos x="connsiteX27" y="connsiteY27"/>
+              </a:cxn>
+              <a:cxn ang="0">
+                <a:pos x="connsiteX28" y="connsiteY28"/>
+              </a:cxn>
+              <a:cxn ang="0">
+                <a:pos x="connsiteX29" y="connsiteY29"/>
+              </a:cxn>
+              <a:cxn ang="0">
+                <a:pos x="connsiteX30" y="connsiteY30"/>
+              </a:cxn>
+              <a:cxn ang="0">
+                <a:pos x="connsiteX31" y="connsiteY31"/>
+              </a:cxn>
+              <a:cxn ang="0">
+                <a:pos x="connsiteX32" y="connsiteY32"/>
+              </a:cxn>
+              <a:cxn ang="0">
+                <a:pos x="connsiteX33" y="connsiteY33"/>
+              </a:cxn>
+              <a:cxn ang="0">
+                <a:pos x="connsiteX34" y="connsiteY34"/>
+              </a:cxn>
+              <a:cxn ang="0">
+                <a:pos x="connsiteX35" y="connsiteY35"/>
+              </a:cxn>
+              <a:cxn ang="0">
+                <a:pos x="connsiteX36" y="connsiteY36"/>
+              </a:cxn>
+              <a:cxn ang="0">
+                <a:pos x="connsiteX37" y="connsiteY37"/>
+              </a:cxn>
+              <a:cxn ang="0">
+                <a:pos x="connsiteX38" y="connsiteY38"/>
+              </a:cxn>
+              <a:cxn ang="0">
+                <a:pos x="connsiteX39" y="connsiteY39"/>
+              </a:cxn>
+            </a:cxnLst>
+            <a:rect l="l" t="t" r="r" b="b"/>
+            <a:pathLst>
+              <a:path w="11727443" h="100858" fill="none" extrusionOk="0">
+                <a:moveTo>
+                  <a:pt x="0" y="0"/>
+                </a:moveTo>
+                <a:cubicBezTo>
+                  <a:pt x="177575" y="-8335"/>
+                  <a:pt x="289292" y="-22372"/>
+                  <a:pt x="455301" y="0"/>
+                </a:cubicBezTo>
+                <a:cubicBezTo>
+                  <a:pt x="621310" y="22372"/>
+                  <a:pt x="959229" y="316"/>
+                  <a:pt x="1379699" y="0"/>
+                </a:cubicBezTo>
+                <a:cubicBezTo>
+                  <a:pt x="1800169" y="-316"/>
+                  <a:pt x="1910290" y="-19988"/>
+                  <a:pt x="2069549" y="0"/>
+                </a:cubicBezTo>
+                <a:cubicBezTo>
+                  <a:pt x="2228808" y="19988"/>
+                  <a:pt x="2328018" y="-6436"/>
+                  <a:pt x="2524849" y="0"/>
+                </a:cubicBezTo>
+                <a:cubicBezTo>
+                  <a:pt x="2721680" y="6436"/>
+                  <a:pt x="2744923" y="692"/>
+                  <a:pt x="2862876" y="0"/>
+                </a:cubicBezTo>
+                <a:cubicBezTo>
+                  <a:pt x="2980829" y="-692"/>
+                  <a:pt x="3455105" y="28803"/>
+                  <a:pt x="3787274" y="0"/>
+                </a:cubicBezTo>
+                <a:cubicBezTo>
+                  <a:pt x="4119443" y="-28803"/>
+                  <a:pt x="4093258" y="3515"/>
+                  <a:pt x="4359849" y="0"/>
+                </a:cubicBezTo>
+                <a:cubicBezTo>
+                  <a:pt x="4626441" y="-3515"/>
+                  <a:pt x="4994558" y="-15931"/>
+                  <a:pt x="5284248" y="0"/>
+                </a:cubicBezTo>
+                <a:cubicBezTo>
+                  <a:pt x="5573938" y="15931"/>
+                  <a:pt x="5518095" y="-13412"/>
+                  <a:pt x="5622274" y="0"/>
+                </a:cubicBezTo>
+                <a:cubicBezTo>
+                  <a:pt x="5726453" y="13412"/>
+                  <a:pt x="5919345" y="19043"/>
+                  <a:pt x="6077575" y="0"/>
+                </a:cubicBezTo>
+                <a:cubicBezTo>
+                  <a:pt x="6235805" y="-19043"/>
+                  <a:pt x="6637812" y="29609"/>
+                  <a:pt x="7001973" y="0"/>
+                </a:cubicBezTo>
+                <a:cubicBezTo>
+                  <a:pt x="7366134" y="-29609"/>
+                  <a:pt x="7716303" y="17424"/>
+                  <a:pt x="7926372" y="0"/>
+                </a:cubicBezTo>
+                <a:cubicBezTo>
+                  <a:pt x="8136441" y="-17424"/>
+                  <a:pt x="8378864" y="-19420"/>
+                  <a:pt x="8498947" y="0"/>
+                </a:cubicBezTo>
+                <a:cubicBezTo>
+                  <a:pt x="8619031" y="19420"/>
+                  <a:pt x="8765062" y="-15679"/>
+                  <a:pt x="8836973" y="0"/>
+                </a:cubicBezTo>
+                <a:cubicBezTo>
+                  <a:pt x="8908884" y="15679"/>
+                  <a:pt x="9288035" y="12756"/>
+                  <a:pt x="9644097" y="0"/>
+                </a:cubicBezTo>
+                <a:cubicBezTo>
+                  <a:pt x="10000159" y="-12756"/>
+                  <a:pt x="10089663" y="-5649"/>
+                  <a:pt x="10333947" y="0"/>
+                </a:cubicBezTo>
+                <a:cubicBezTo>
+                  <a:pt x="10578231" y="5649"/>
+                  <a:pt x="10785095" y="27917"/>
+                  <a:pt x="10906522" y="0"/>
+                </a:cubicBezTo>
+                <a:cubicBezTo>
+                  <a:pt x="11027949" y="-27917"/>
+                  <a:pt x="11562609" y="31188"/>
+                  <a:pt x="11727443" y="0"/>
+                </a:cubicBezTo>
+                <a:cubicBezTo>
+                  <a:pt x="11723584" y="38217"/>
+                  <a:pt x="11731691" y="73296"/>
+                  <a:pt x="11727443" y="100858"/>
+                </a:cubicBezTo>
+                <a:cubicBezTo>
+                  <a:pt x="11381154" y="139297"/>
+                  <a:pt x="11163895" y="69647"/>
+                  <a:pt x="10920319" y="100858"/>
+                </a:cubicBezTo>
+                <a:cubicBezTo>
+                  <a:pt x="10676743" y="132069"/>
+                  <a:pt x="10625983" y="117071"/>
+                  <a:pt x="10465018" y="100858"/>
+                </a:cubicBezTo>
+                <a:cubicBezTo>
+                  <a:pt x="10304053" y="84645"/>
+                  <a:pt x="10063410" y="105790"/>
+                  <a:pt x="9892443" y="100858"/>
+                </a:cubicBezTo>
+                <a:cubicBezTo>
+                  <a:pt x="9721477" y="95926"/>
+                  <a:pt x="9298902" y="55708"/>
+                  <a:pt x="8968045" y="100858"/>
+                </a:cubicBezTo>
+                <a:cubicBezTo>
+                  <a:pt x="8637188" y="146008"/>
+                  <a:pt x="8753098" y="98295"/>
+                  <a:pt x="8630018" y="100858"/>
+                </a:cubicBezTo>
+                <a:cubicBezTo>
+                  <a:pt x="8506938" y="103421"/>
+                  <a:pt x="8382809" y="104606"/>
+                  <a:pt x="8291992" y="100858"/>
+                </a:cubicBezTo>
+                <a:cubicBezTo>
+                  <a:pt x="8201175" y="97110"/>
+                  <a:pt x="8042573" y="88227"/>
+                  <a:pt x="7953966" y="100858"/>
+                </a:cubicBezTo>
+                <a:cubicBezTo>
+                  <a:pt x="7865359" y="113489"/>
+                  <a:pt x="7327260" y="71433"/>
+                  <a:pt x="7146842" y="100858"/>
+                </a:cubicBezTo>
+                <a:cubicBezTo>
+                  <a:pt x="6966424" y="130283"/>
+                  <a:pt x="6836691" y="78893"/>
+                  <a:pt x="6691541" y="100858"/>
+                </a:cubicBezTo>
+                <a:cubicBezTo>
+                  <a:pt x="6546391" y="122823"/>
+                  <a:pt x="6161732" y="96929"/>
+                  <a:pt x="5884417" y="100858"/>
+                </a:cubicBezTo>
+                <a:cubicBezTo>
+                  <a:pt x="5607102" y="104787"/>
+                  <a:pt x="5399769" y="71203"/>
+                  <a:pt x="5077293" y="100858"/>
+                </a:cubicBezTo>
+                <a:cubicBezTo>
+                  <a:pt x="4754817" y="130513"/>
+                  <a:pt x="4780101" y="110562"/>
+                  <a:pt x="4621992" y="100858"/>
+                </a:cubicBezTo>
+                <a:cubicBezTo>
+                  <a:pt x="4463883" y="91154"/>
+                  <a:pt x="4080268" y="82653"/>
+                  <a:pt x="3932143" y="100858"/>
+                </a:cubicBezTo>
+                <a:cubicBezTo>
+                  <a:pt x="3784018" y="119063"/>
+                  <a:pt x="3606068" y="107585"/>
+                  <a:pt x="3359567" y="100858"/>
+                </a:cubicBezTo>
+                <a:cubicBezTo>
+                  <a:pt x="3113066" y="94131"/>
+                  <a:pt x="2833730" y="108463"/>
+                  <a:pt x="2435169" y="100858"/>
+                </a:cubicBezTo>
+                <a:cubicBezTo>
+                  <a:pt x="2036608" y="93253"/>
+                  <a:pt x="1979570" y="109496"/>
+                  <a:pt x="1745319" y="100858"/>
+                </a:cubicBezTo>
+                <a:cubicBezTo>
+                  <a:pt x="1511068" y="92221"/>
+                  <a:pt x="1304277" y="99602"/>
+                  <a:pt x="938195" y="100858"/>
+                </a:cubicBezTo>
+                <a:cubicBezTo>
+                  <a:pt x="572113" y="102114"/>
+                  <a:pt x="673750" y="115329"/>
+                  <a:pt x="600169" y="100858"/>
+                </a:cubicBezTo>
+                <a:cubicBezTo>
+                  <a:pt x="526588" y="86387"/>
+                  <a:pt x="223952" y="122492"/>
+                  <a:pt x="0" y="100858"/>
+                </a:cubicBezTo>
+                <a:cubicBezTo>
+                  <a:pt x="-124" y="56937"/>
+                  <a:pt x="-3196" y="35397"/>
+                  <a:pt x="0" y="0"/>
+                </a:cubicBezTo>
+                <a:close/>
+              </a:path>
+              <a:path w="11727443" h="100858" stroke="0" extrusionOk="0">
+                <a:moveTo>
+                  <a:pt x="0" y="0"/>
+                </a:moveTo>
+                <a:cubicBezTo>
+                  <a:pt x="226598" y="-20463"/>
+                  <a:pt x="284703" y="21278"/>
+                  <a:pt x="455301" y="0"/>
+                </a:cubicBezTo>
+                <a:cubicBezTo>
+                  <a:pt x="625899" y="-21278"/>
+                  <a:pt x="975360" y="-38169"/>
+                  <a:pt x="1379699" y="0"/>
+                </a:cubicBezTo>
+                <a:cubicBezTo>
+                  <a:pt x="1784038" y="38169"/>
+                  <a:pt x="1553897" y="10715"/>
+                  <a:pt x="1717725" y="0"/>
+                </a:cubicBezTo>
+                <a:cubicBezTo>
+                  <a:pt x="1881553" y="-10715"/>
+                  <a:pt x="1957404" y="7512"/>
+                  <a:pt x="2055752" y="0"/>
+                </a:cubicBezTo>
+                <a:cubicBezTo>
+                  <a:pt x="2154100" y="-7512"/>
+                  <a:pt x="2455093" y="6931"/>
+                  <a:pt x="2745601" y="0"/>
+                </a:cubicBezTo>
+                <a:cubicBezTo>
+                  <a:pt x="3036109" y="-6931"/>
+                  <a:pt x="3200578" y="-6899"/>
+                  <a:pt x="3318177" y="0"/>
+                </a:cubicBezTo>
+                <a:cubicBezTo>
+                  <a:pt x="3435776" y="6899"/>
+                  <a:pt x="3830972" y="-29023"/>
+                  <a:pt x="4125301" y="0"/>
+                </a:cubicBezTo>
+                <a:cubicBezTo>
+                  <a:pt x="4419630" y="29023"/>
+                  <a:pt x="4438628" y="-3380"/>
+                  <a:pt x="4580601" y="0"/>
+                </a:cubicBezTo>
+                <a:cubicBezTo>
+                  <a:pt x="4722574" y="3380"/>
+                  <a:pt x="5287872" y="-26084"/>
+                  <a:pt x="5505000" y="0"/>
+                </a:cubicBezTo>
+                <a:cubicBezTo>
+                  <a:pt x="5722128" y="26084"/>
+                  <a:pt x="5845495" y="-3138"/>
+                  <a:pt x="6077575" y="0"/>
+                </a:cubicBezTo>
+                <a:cubicBezTo>
+                  <a:pt x="6309655" y="3138"/>
+                  <a:pt x="6416497" y="-9038"/>
+                  <a:pt x="6532876" y="0"/>
+                </a:cubicBezTo>
+                <a:cubicBezTo>
+                  <a:pt x="6649255" y="9038"/>
+                  <a:pt x="6798774" y="17432"/>
+                  <a:pt x="6988176" y="0"/>
+                </a:cubicBezTo>
+                <a:cubicBezTo>
+                  <a:pt x="7177578" y="-17432"/>
+                  <a:pt x="7432115" y="-1508"/>
+                  <a:pt x="7560751" y="0"/>
+                </a:cubicBezTo>
+                <a:cubicBezTo>
+                  <a:pt x="7689387" y="1508"/>
+                  <a:pt x="7817048" y="19459"/>
+                  <a:pt x="8016052" y="0"/>
+                </a:cubicBezTo>
+                <a:cubicBezTo>
+                  <a:pt x="8215056" y="-19459"/>
+                  <a:pt x="8384141" y="13593"/>
+                  <a:pt x="8705902" y="0"/>
+                </a:cubicBezTo>
+                <a:cubicBezTo>
+                  <a:pt x="9027663" y="-13593"/>
+                  <a:pt x="8932873" y="-16432"/>
+                  <a:pt x="9043928" y="0"/>
+                </a:cubicBezTo>
+                <a:cubicBezTo>
+                  <a:pt x="9154983" y="16432"/>
+                  <a:pt x="9568699" y="-30219"/>
+                  <a:pt x="9733778" y="0"/>
+                </a:cubicBezTo>
+                <a:cubicBezTo>
+                  <a:pt x="9898857" y="30219"/>
+                  <a:pt x="9973728" y="-1849"/>
+                  <a:pt x="10071804" y="0"/>
+                </a:cubicBezTo>
+                <a:cubicBezTo>
+                  <a:pt x="10169880" y="1849"/>
+                  <a:pt x="10558830" y="-12560"/>
+                  <a:pt x="10996202" y="0"/>
+                </a:cubicBezTo>
+                <a:cubicBezTo>
+                  <a:pt x="11433574" y="12560"/>
+                  <a:pt x="11579031" y="-6546"/>
+                  <a:pt x="11727443" y="0"/>
+                </a:cubicBezTo>
+                <a:cubicBezTo>
+                  <a:pt x="11729168" y="25018"/>
+                  <a:pt x="11723362" y="74256"/>
+                  <a:pt x="11727443" y="100858"/>
+                </a:cubicBezTo>
+                <a:cubicBezTo>
+                  <a:pt x="11466834" y="85519"/>
+                  <a:pt x="11273864" y="83363"/>
+                  <a:pt x="11154868" y="100858"/>
+                </a:cubicBezTo>
+                <a:cubicBezTo>
+                  <a:pt x="11035872" y="118353"/>
+                  <a:pt x="10917509" y="98250"/>
+                  <a:pt x="10816842" y="100858"/>
+                </a:cubicBezTo>
+                <a:cubicBezTo>
+                  <a:pt x="10716175" y="103466"/>
+                  <a:pt x="10190281" y="93289"/>
+                  <a:pt x="9892443" y="100858"/>
+                </a:cubicBezTo>
+                <a:cubicBezTo>
+                  <a:pt x="9594605" y="108427"/>
+                  <a:pt x="9385168" y="118111"/>
+                  <a:pt x="9202594" y="100858"/>
+                </a:cubicBezTo>
+                <a:cubicBezTo>
+                  <a:pt x="9020020" y="83605"/>
+                  <a:pt x="8470284" y="126256"/>
+                  <a:pt x="8278195" y="100858"/>
+                </a:cubicBezTo>
+                <a:cubicBezTo>
+                  <a:pt x="8086106" y="75460"/>
+                  <a:pt x="7779236" y="101234"/>
+                  <a:pt x="7588345" y="100858"/>
+                </a:cubicBezTo>
+                <a:cubicBezTo>
+                  <a:pt x="7397454" y="100483"/>
+                  <a:pt x="7324210" y="98320"/>
+                  <a:pt x="7250319" y="100858"/>
+                </a:cubicBezTo>
+                <a:cubicBezTo>
+                  <a:pt x="7176428" y="103396"/>
+                  <a:pt x="6743284" y="112839"/>
+                  <a:pt x="6325921" y="100858"/>
+                </a:cubicBezTo>
+                <a:cubicBezTo>
+                  <a:pt x="5908558" y="88877"/>
+                  <a:pt x="6095670" y="116342"/>
+                  <a:pt x="5870620" y="100858"/>
+                </a:cubicBezTo>
+                <a:cubicBezTo>
+                  <a:pt x="5645570" y="85374"/>
+                  <a:pt x="5700885" y="115088"/>
+                  <a:pt x="5532594" y="100858"/>
+                </a:cubicBezTo>
+                <a:cubicBezTo>
+                  <a:pt x="5364303" y="86628"/>
+                  <a:pt x="5212740" y="105293"/>
+                  <a:pt x="4960019" y="100858"/>
+                </a:cubicBezTo>
+                <a:cubicBezTo>
+                  <a:pt x="4707298" y="96423"/>
+                  <a:pt x="4491720" y="108840"/>
+                  <a:pt x="4035620" y="100858"/>
+                </a:cubicBezTo>
+                <a:cubicBezTo>
+                  <a:pt x="3579520" y="92876"/>
+                  <a:pt x="3768890" y="79226"/>
+                  <a:pt x="3580319" y="100858"/>
+                </a:cubicBezTo>
+                <a:cubicBezTo>
+                  <a:pt x="3391748" y="122490"/>
+                  <a:pt x="3059393" y="71723"/>
+                  <a:pt x="2655921" y="100858"/>
+                </a:cubicBezTo>
+                <a:cubicBezTo>
+                  <a:pt x="2252449" y="129993"/>
+                  <a:pt x="2021995" y="121740"/>
+                  <a:pt x="1848797" y="100858"/>
+                </a:cubicBezTo>
+                <a:cubicBezTo>
+                  <a:pt x="1675599" y="79976"/>
+                  <a:pt x="1263502" y="106737"/>
+                  <a:pt x="924398" y="100858"/>
+                </a:cubicBezTo>
+                <a:cubicBezTo>
+                  <a:pt x="585294" y="94979"/>
+                  <a:pt x="216313" y="56521"/>
+                  <a:pt x="0" y="100858"/>
+                </a:cubicBezTo>
+                <a:cubicBezTo>
+                  <a:pt x="-4094" y="59488"/>
+                  <a:pt x="2375" y="29231"/>
+                  <a:pt x="0" y="0"/>
+                </a:cubicBezTo>
+                <a:close/>
+              </a:path>
+            </a:pathLst>
+          </a:custGeom>
+          <a:solidFill>
+            <a:schemeClr val="accent1"/>
+          </a:solidFill>
+          <a:ln w="44450" cap="rnd">
+            <a:solidFill>
+              <a:schemeClr val="accent1"/>
+            </a:solidFill>
+            <a:round/>
+            <a:extLst>
+              <a:ext uri="{C807C97D-BFC1-408E-A445-0C87EB9F89A2}">
+                <ask:lineSketchStyleProps xmlns:ask="http://schemas.microsoft.com/office/drawing/2018/sketchyshapes" sd="2863741219">
+                  <a:prstGeom prst="rect">
+                    <a:avLst/>
+                  </a:prstGeom>
+                  <ask:type>
+                    <ask:lineSketchFreehand/>
+                  </ask:type>
+                </ask:lineSketchStyleProps>
+              </a:ext>
+            </a:extLst>
+          </a:ln>
+        </p:spPr>
+        <p:style>
+          <a:lnRef idx="2">
+            <a:schemeClr val="accent1">
+              <a:shade val="50000"/>
+            </a:schemeClr>
+          </a:lnRef>
+          <a:fillRef idx="1">
+            <a:schemeClr val="accent1"/>
+          </a:fillRef>
+          <a:effectRef idx="0">
+            <a:schemeClr val="accent1"/>
+          </a:effectRef>
+          <a:fontRef idx="minor">
+            <a:schemeClr val="lt1"/>
+          </a:fontRef>
+        </p:style>
+        <p:txBody>
+          <a:bodyPr rtlCol="0" anchor="ctr"/>
+          <a:lstStyle/>
+          <a:p>
+            <a:pPr algn="ctr"/>
+            <a:endParaRPr lang="en-US">
+              <a:solidFill>
+                <a:schemeClr val="accent1"/>
+              </a:solidFill>
+            </a:endParaRPr>
+          </a:p>
+        </p:txBody>
+      </p:sp>
+      <p:pic>
+        <p:nvPicPr>
+          <p:cNvPr id="5" name="Imagem 4">
+            <a:extLst>
+              <a:ext uri="{FF2B5EF4-FFF2-40B4-BE49-F238E27FC236}">
+                <a16:creationId xmlns:a16="http://schemas.microsoft.com/office/drawing/2014/main" id="{A2B0D1D2-1E61-D575-211E-5F384A97476A}"/>
+              </a:ext>
+            </a:extLst>
+          </p:cNvPr>
+          <p:cNvPicPr>
+            <a:picLocks noChangeAspect="1"/>
+          </p:cNvPicPr>
+          <p:nvPr/>
+        </p:nvPicPr>
+        <p:blipFill>
+          <a:blip r:embed="rId3"/>
+          <a:stretch>
+            <a:fillRect/>
+          </a:stretch>
+        </p:blipFill>
+        <p:spPr>
+          <a:xfrm>
+            <a:off x="268062" y="1578325"/>
+            <a:ext cx="6312929" cy="4943344"/>
+          </a:xfrm>
+          <a:prstGeom prst="rect">
+            <a:avLst/>
+          </a:prstGeom>
+          <a:ln>
+            <a:solidFill>
+              <a:schemeClr val="accent1"/>
+            </a:solidFill>
+          </a:ln>
+        </p:spPr>
+      </p:pic>
+      <p:sp>
+        <p:nvSpPr>
+          <p:cNvPr id="6" name="CaixaDeTexto 5">
+            <a:extLst>
+              <a:ext uri="{FF2B5EF4-FFF2-40B4-BE49-F238E27FC236}">
+                <a16:creationId xmlns:a16="http://schemas.microsoft.com/office/drawing/2014/main" id="{31BB5548-802F-D3A5-17F3-2CA72EB0001D}"/>
+              </a:ext>
+            </a:extLst>
+          </p:cNvPr>
+          <p:cNvSpPr txBox="1"/>
+          <p:nvPr/>
+        </p:nvSpPr>
+        <p:spPr>
+          <a:xfrm>
+            <a:off x="6580992" y="1969525"/>
+            <a:ext cx="5414514" cy="646331"/>
+          </a:xfrm>
+          <a:prstGeom prst="rect">
+            <a:avLst/>
+          </a:prstGeom>
+          <a:noFill/>
+          <a:ln>
+            <a:noFill/>
+          </a:ln>
+        </p:spPr>
+        <p:txBody>
+          <a:bodyPr wrap="square">
+            <a:spAutoFit/>
+          </a:bodyPr>
+          <a:lstStyle/>
+          <a:p>
+            <a:pPr marL="285750">
+              <a:lnSpc>
+                <a:spcPct val="90000"/>
+              </a:lnSpc>
+              <a:spcAft>
+                <a:spcPts val="600"/>
+              </a:spcAft>
+            </a:pPr>
+            <a:r>
+              <a:rPr lang="en-US" sz="4000" dirty="0">
+                <a:solidFill>
+                  <a:schemeClr val="accent1"/>
+                </a:solidFill>
+                <a:latin typeface="Impact" panose="020B0806030902050204" pitchFamily="34" charset="0"/>
+                <a:hlinkClick r:id="rId4">
+                  <a:extLst>
+                    <a:ext uri="{A12FA001-AC4F-418D-AE19-62706E023703}">
+                      <ahyp:hlinkClr xmlns:ahyp="http://schemas.microsoft.com/office/drawing/2018/hyperlinkcolor" val="tx"/>
+                    </a:ext>
+                  </a:extLst>
+                </a:hlinkClick>
+              </a:rPr>
+              <a:t>www.dbaassists.com.br</a:t>
+            </a:r>
+            <a:r>
+              <a:rPr lang="en-US" sz="4000" dirty="0">
+                <a:solidFill>
+                  <a:schemeClr val="accent1"/>
+                </a:solidFill>
+                <a:latin typeface="Impact" panose="020B0806030902050204" pitchFamily="34" charset="0"/>
+              </a:rPr>
+              <a:t> </a:t>
+            </a:r>
+          </a:p>
+        </p:txBody>
+      </p:sp>
+      <p:sp>
+        <p:nvSpPr>
+          <p:cNvPr id="8" name="CaixaDeTexto 7">
+            <a:extLst>
+              <a:ext uri="{FF2B5EF4-FFF2-40B4-BE49-F238E27FC236}">
+                <a16:creationId xmlns:a16="http://schemas.microsoft.com/office/drawing/2014/main" id="{9754BC41-BBC1-E80D-2698-4C8216419A0D}"/>
+              </a:ext>
+            </a:extLst>
+          </p:cNvPr>
+          <p:cNvSpPr txBox="1"/>
+          <p:nvPr/>
+        </p:nvSpPr>
+        <p:spPr>
+          <a:xfrm>
+            <a:off x="6947999" y="3497389"/>
+            <a:ext cx="3570443" cy="2139047"/>
+          </a:xfrm>
+          <a:prstGeom prst="rect">
+            <a:avLst/>
+          </a:prstGeom>
+          <a:noFill/>
+          <a:ln>
+            <a:noFill/>
+          </a:ln>
+        </p:spPr>
+        <p:txBody>
+          <a:bodyPr wrap="square">
+            <a:spAutoFit/>
+          </a:bodyPr>
+          <a:lstStyle/>
+          <a:p>
+            <a:pPr marL="285750">
+              <a:lnSpc>
+                <a:spcPct val="90000"/>
+              </a:lnSpc>
+              <a:spcAft>
+                <a:spcPts val="600"/>
+              </a:spcAft>
+            </a:pPr>
+            <a:r>
+              <a:rPr lang="en-US" sz="2000" dirty="0">
+                <a:solidFill>
+                  <a:schemeClr val="accent1"/>
+                </a:solidFill>
+                <a:latin typeface="Impact" panose="020B0806030902050204" pitchFamily="34" charset="0"/>
+              </a:rPr>
+              <a:t>Microsoft SQL Server (T-SQL)</a:t>
+            </a:r>
+          </a:p>
+          <a:p>
+            <a:pPr marL="285750">
+              <a:lnSpc>
+                <a:spcPct val="90000"/>
+              </a:lnSpc>
+              <a:spcAft>
+                <a:spcPts val="600"/>
+              </a:spcAft>
+            </a:pPr>
+            <a:r>
+              <a:rPr lang="en-US" sz="2000" dirty="0">
+                <a:solidFill>
+                  <a:schemeClr val="accent1"/>
+                </a:solidFill>
+                <a:latin typeface="Impact" panose="020B0806030902050204" pitchFamily="34" charset="0"/>
+              </a:rPr>
+              <a:t>Azure</a:t>
+            </a:r>
+          </a:p>
+          <a:p>
+            <a:pPr marL="285750">
+              <a:lnSpc>
+                <a:spcPct val="90000"/>
+              </a:lnSpc>
+              <a:spcAft>
+                <a:spcPts val="600"/>
+              </a:spcAft>
+            </a:pPr>
+            <a:r>
+              <a:rPr lang="en-US" sz="2000" dirty="0">
+                <a:solidFill>
+                  <a:schemeClr val="accent1"/>
+                </a:solidFill>
+                <a:latin typeface="Impact" panose="020B0806030902050204" pitchFamily="34" charset="0"/>
+              </a:rPr>
+              <a:t>Azure Data Factory</a:t>
+            </a:r>
+          </a:p>
+          <a:p>
+            <a:pPr marL="285750">
+              <a:lnSpc>
+                <a:spcPct val="90000"/>
+              </a:lnSpc>
+              <a:spcAft>
+                <a:spcPts val="600"/>
+              </a:spcAft>
+            </a:pPr>
+            <a:r>
+              <a:rPr lang="en-US" sz="2000" dirty="0">
+                <a:solidFill>
+                  <a:schemeClr val="accent1"/>
+                </a:solidFill>
+                <a:latin typeface="Impact" panose="020B0806030902050204" pitchFamily="34" charset="0"/>
+              </a:rPr>
+              <a:t>Python</a:t>
+            </a:r>
+          </a:p>
+          <a:p>
+            <a:pPr marL="285750">
+              <a:lnSpc>
+                <a:spcPct val="90000"/>
+              </a:lnSpc>
+              <a:spcAft>
+                <a:spcPts val="600"/>
+              </a:spcAft>
+            </a:pPr>
+            <a:r>
+              <a:rPr lang="en-US" sz="2000" dirty="0">
+                <a:solidFill>
+                  <a:schemeClr val="accent1"/>
+                </a:solidFill>
+                <a:latin typeface="Impact" panose="020B0806030902050204" pitchFamily="34" charset="0"/>
+              </a:rPr>
+              <a:t>Databricks (2023)</a:t>
+            </a:r>
+          </a:p>
+          <a:p>
+            <a:pPr marL="285750">
+              <a:lnSpc>
+                <a:spcPct val="90000"/>
+              </a:lnSpc>
+              <a:spcAft>
+                <a:spcPts val="600"/>
+              </a:spcAft>
+            </a:pPr>
+            <a:r>
+              <a:rPr lang="en-US" sz="2000" dirty="0">
+                <a:solidFill>
+                  <a:schemeClr val="accent1"/>
+                </a:solidFill>
+                <a:latin typeface="Impact" panose="020B0806030902050204" pitchFamily="34" charset="0"/>
+              </a:rPr>
+              <a:t>Spark/</a:t>
+            </a:r>
+            <a:r>
+              <a:rPr lang="en-US" sz="2000" dirty="0" err="1">
+                <a:solidFill>
+                  <a:schemeClr val="accent1"/>
+                </a:solidFill>
+                <a:latin typeface="Impact" panose="020B0806030902050204" pitchFamily="34" charset="0"/>
+              </a:rPr>
+              <a:t>PySpark</a:t>
+            </a:r>
+            <a:r>
+              <a:rPr lang="en-US" sz="2000" dirty="0">
+                <a:solidFill>
+                  <a:schemeClr val="accent1"/>
+                </a:solidFill>
+                <a:latin typeface="Impact" panose="020B0806030902050204" pitchFamily="34" charset="0"/>
+              </a:rPr>
+              <a:t> (2023)</a:t>
+            </a:r>
+          </a:p>
+        </p:txBody>
+      </p:sp>
+      <p:sp>
+        <p:nvSpPr>
+          <p:cNvPr id="10" name="CaixaDeTexto 9">
+            <a:extLst>
+              <a:ext uri="{FF2B5EF4-FFF2-40B4-BE49-F238E27FC236}">
+                <a16:creationId xmlns:a16="http://schemas.microsoft.com/office/drawing/2014/main" id="{64BF4363-5A12-BA09-D6C9-6E0F765E7026}"/>
+              </a:ext>
+            </a:extLst>
+          </p:cNvPr>
+          <p:cNvSpPr txBox="1"/>
+          <p:nvPr/>
+        </p:nvSpPr>
+        <p:spPr>
+          <a:xfrm>
+            <a:off x="6821215" y="2985615"/>
+            <a:ext cx="6243144" cy="369332"/>
+          </a:xfrm>
+          <a:prstGeom prst="rect">
+            <a:avLst/>
+          </a:prstGeom>
+          <a:noFill/>
+        </p:spPr>
+        <p:txBody>
+          <a:bodyPr wrap="square">
+            <a:spAutoFit/>
+          </a:bodyPr>
+          <a:lstStyle/>
+          <a:p>
+            <a:r>
+              <a:rPr lang="en-US" sz="1800" dirty="0">
+                <a:solidFill>
+                  <a:schemeClr val="accent1"/>
+                </a:solidFill>
+                <a:latin typeface="Impact" panose="020B0806030902050204" pitchFamily="34" charset="0"/>
+              </a:rPr>
+              <a:t>Outros </a:t>
+            </a:r>
+            <a:r>
+              <a:rPr lang="en-US" sz="1800" dirty="0" err="1">
+                <a:solidFill>
+                  <a:schemeClr val="accent1"/>
+                </a:solidFill>
+                <a:latin typeface="Impact" panose="020B0806030902050204" pitchFamily="34" charset="0"/>
+              </a:rPr>
+              <a:t>Assuntos</a:t>
+            </a:r>
+            <a:r>
+              <a:rPr lang="en-US" sz="1800" dirty="0">
+                <a:solidFill>
+                  <a:schemeClr val="accent1"/>
+                </a:solidFill>
+                <a:latin typeface="Impact" panose="020B0806030902050204" pitchFamily="34" charset="0"/>
+              </a:rPr>
+              <a:t>:</a:t>
+            </a:r>
+            <a:endParaRPr lang="pt-BR" dirty="0"/>
+          </a:p>
+        </p:txBody>
+      </p:sp>
+    </p:spTree>
+    <p:extLst>
+      <p:ext uri="{BB962C8B-B14F-4D97-AF65-F5344CB8AC3E}">
+        <p14:creationId xmlns:p14="http://schemas.microsoft.com/office/powerpoint/2010/main" val="4239031953"/>
+      </p:ext>
+    </p:extLst>
+  </p:cSld>
+  <p:clrMapOvr>
+    <a:masterClrMapping/>
+  </p:clrMapOvr>
+  <p:timing>
+    <p:tnLst>
+      <p:par>
+        <p:cTn id="1" dur="indefinite" restart="never" nodeType="tmRoot">
+          <p:childTnLst>
+            <p:seq concurrent="1" nextAc="seek">
+              <p:cTn id="2" dur="indefinite" nodeType="mainSeq">
+                <p:childTnLst>
+                  <p:par>
+                    <p:cTn id="3" fill="hold">
+                      <p:stCondLst>
+                        <p:cond delay="indefinite"/>
+                        <p:cond evt="onBegin" delay="0">
+                          <p:tn val="2"/>
+                        </p:cond>
+                      </p:stCondLst>
+                      <p:childTnLst>
+                        <p:par>
+                          <p:cTn id="4" fill="hold">
+                            <p:stCondLst>
+                              <p:cond delay="0"/>
+                            </p:stCondLst>
+                            <p:childTnLst>
+                              <p:par>
+                                <p:cTn id="5" presetID="1" presetClass="entr" presetSubtype="0" fill="hold" grpId="0" nodeType="withEffect">
+                                  <p:stCondLst>
+                                    <p:cond delay="0"/>
+                                  </p:stCondLst>
+                                  <p:childTnLst>
+                                    <p:set>
+                                      <p:cBhvr>
+                                        <p:cTn id="6" dur="1" fill="hold">
+                                          <p:stCondLst>
+                                            <p:cond delay="0"/>
+                                          </p:stCondLst>
+                                        </p:cTn>
+                                        <p:tgtEl>
+                                          <p:spTgt spid="6"/>
+                                        </p:tgtEl>
+                                        <p:attrNameLst>
+                                          <p:attrName>style.visibility</p:attrName>
+                                        </p:attrNameLst>
+                                      </p:cBhvr>
+                                      <p:to>
+                                        <p:strVal val="visible"/>
+                                      </p:to>
+                                    </p:set>
+                                  </p:childTnLst>
+                                </p:cTn>
+                              </p:par>
+                              <p:par>
+                                <p:cTn id="7" presetID="1" presetClass="entr" presetSubtype="0" fill="hold" grpId="0" nodeType="withEffect">
+                                  <p:stCondLst>
+                                    <p:cond delay="0"/>
+                                  </p:stCondLst>
+                                  <p:childTnLst>
+                                    <p:set>
+                                      <p:cBhvr>
+                                        <p:cTn id="8" dur="1" fill="hold">
+                                          <p:stCondLst>
+                                            <p:cond delay="0"/>
+                                          </p:stCondLst>
+                                        </p:cTn>
+                                        <p:tgtEl>
+                                          <p:spTgt spid="8"/>
+                                        </p:tgtEl>
+                                        <p:attrNameLst>
+                                          <p:attrName>style.visibility</p:attrName>
+                                        </p:attrNameLst>
+                                      </p:cBhvr>
+                                      <p:to>
+                                        <p:strVal val="visible"/>
+                                      </p:to>
+                                    </p:set>
+                                  </p:childTnLst>
+                                </p:cTn>
+                              </p:par>
+                            </p:childTnLst>
+                          </p:cTn>
+                        </p:par>
+                      </p:childTnLst>
+                    </p:cTn>
+                  </p:par>
+                </p:childTnLst>
+              </p:cTn>
+              <p:prevCondLst>
+                <p:cond evt="onPrev" delay="0">
+                  <p:tgtEl>
+                    <p:sldTgt/>
+                  </p:tgtEl>
+                </p:cond>
+              </p:prevCondLst>
+              <p:nextCondLst>
+                <p:cond evt="onNext" delay="0">
+                  <p:tgtEl>
+                    <p:sldTgt/>
+                  </p:tgtEl>
+                </p:cond>
+              </p:nextCondLst>
+            </p:seq>
+          </p:childTnLst>
+        </p:cTn>
+      </p:par>
+    </p:tnLst>
+    <p:bldLst>
+      <p:bldP spid="6" grpId="0"/>
+      <p:bldP spid="8" grpId="0" animBg="1"/>
+    </p:bldLst>
+  </p:timing>
+</p:sld>
+</file>
+
+<file path=ppt/slides/slide25.xml><?xml version="1.0" encoding="utf-8"?>
+<p:sld xmlns:a="http://schemas.openxmlformats.org/drawingml/2006/main" xmlns:r="http://schemas.openxmlformats.org/officeDocument/2006/relationships" xmlns:p="http://schemas.openxmlformats.org/presentationml/2006/main">
+  <p:cSld>
+    <p:spTree>
+      <p:nvGrpSpPr>
+        <p:cNvPr id="1" name=""/>
+        <p:cNvGrpSpPr/>
+        <p:nvPr/>
+      </p:nvGrpSpPr>
+      <p:grpSpPr>
+        <a:xfrm>
+          <a:off x="0" y="0"/>
+          <a:ext cx="0" cy="0"/>
+          <a:chOff x="0" y="0"/>
+          <a:chExt cx="0" cy="0"/>
+        </a:xfrm>
+      </p:grpSpPr>
+      <p:sp>
+        <p:nvSpPr>
+          <p:cNvPr id="2" name="CaixaDeTexto 1">
+            <a:extLst>
+              <a:ext uri="{FF2B5EF4-FFF2-40B4-BE49-F238E27FC236}">
+                <a16:creationId xmlns:a16="http://schemas.microsoft.com/office/drawing/2014/main" id="{F05367C0-26D7-23A3-A32A-5DF549F7FAAC}"/>
+              </a:ext>
+            </a:extLst>
+          </p:cNvPr>
+          <p:cNvSpPr txBox="1"/>
+          <p:nvPr/>
+        </p:nvSpPr>
+        <p:spPr>
+          <a:xfrm>
+            <a:off x="383458" y="1069258"/>
+            <a:ext cx="6992317" cy="3531403"/>
+          </a:xfrm>
+          <a:prstGeom prst="rect">
+            <a:avLst/>
+          </a:prstGeom>
+        </p:spPr>
+        <p:txBody>
+          <a:bodyPr vert="horz" lIns="91440" tIns="45720" rIns="91440" bIns="45720" rtlCol="0" anchor="t">
+            <a:normAutofit lnSpcReduction="10000"/>
+          </a:bodyPr>
+          <a:lstStyle/>
+          <a:p>
+            <a:pPr algn="l" fontAlgn="base"/>
+            <a:r>
+              <a:rPr lang="pt-BR" sz="11500">
+                <a:solidFill>
+                  <a:schemeClr val="accent1"/>
+                </a:solidFill>
+                <a:effectLst/>
+                <a:latin typeface="impact" panose="020B0806030902050204" pitchFamily="34" charset="0"/>
+              </a:rPr>
+              <a:t>Muito Obrigado!</a:t>
+            </a:r>
+            <a:endParaRPr lang="pt-BR" sz="11500" dirty="0">
+              <a:solidFill>
+                <a:schemeClr val="accent1"/>
+              </a:solidFill>
+              <a:effectLst/>
+              <a:latin typeface="impact" panose="020B0806030902050204" pitchFamily="34" charset="0"/>
+            </a:endParaRPr>
+          </a:p>
+        </p:txBody>
+      </p:sp>
+      <p:sp>
+        <p:nvSpPr>
+          <p:cNvPr id="3" name="sketchy line">
+            <a:extLst>
+              <a:ext uri="{FF2B5EF4-FFF2-40B4-BE49-F238E27FC236}">
+                <a16:creationId xmlns:a16="http://schemas.microsoft.com/office/drawing/2014/main" id="{D43F7A4B-35F4-AAD3-9526-D8492C3D3035}"/>
+              </a:ext>
+              <a:ext uri="{C183D7F6-B498-43B3-948B-1728B52AA6E4}">
+                <adec:decorative xmlns:adec="http://schemas.microsoft.com/office/drawing/2017/decorative" val="1"/>
+              </a:ext>
+            </a:extLst>
+          </p:cNvPr>
+          <p:cNvSpPr/>
+          <p:nvPr>
+            <p:extLst>
+              <p:ext uri="{386F3935-93C4-4BCD-93E2-E3B085C9AB24}">
+                <p16:designElem xmlns:p16="http://schemas.microsoft.com/office/powerpoint/2015/main" val="1"/>
+              </p:ext>
+            </p:extLst>
+          </p:nvPr>
+        </p:nvSpPr>
+        <p:spPr>
+          <a:xfrm>
+            <a:off x="383458" y="4222877"/>
+            <a:ext cx="6619836" cy="100858"/>
+          </a:xfrm>
+          <a:custGeom>
+            <a:avLst/>
+            <a:gdLst>
+              <a:gd name="connsiteX0" fmla="*/ 0 w 6619836"/>
+              <a:gd name="connsiteY0" fmla="*/ 0 h 100858"/>
+              <a:gd name="connsiteX1" fmla="*/ 595785 w 6619836"/>
+              <a:gd name="connsiteY1" fmla="*/ 0 h 100858"/>
+              <a:gd name="connsiteX2" fmla="*/ 1125372 w 6619836"/>
+              <a:gd name="connsiteY2" fmla="*/ 0 h 100858"/>
+              <a:gd name="connsiteX3" fmla="*/ 1853554 w 6619836"/>
+              <a:gd name="connsiteY3" fmla="*/ 0 h 100858"/>
+              <a:gd name="connsiteX4" fmla="*/ 2581736 w 6619836"/>
+              <a:gd name="connsiteY4" fmla="*/ 0 h 100858"/>
+              <a:gd name="connsiteX5" fmla="*/ 3243720 w 6619836"/>
+              <a:gd name="connsiteY5" fmla="*/ 0 h 100858"/>
+              <a:gd name="connsiteX6" fmla="*/ 3707108 w 6619836"/>
+              <a:gd name="connsiteY6" fmla="*/ 0 h 100858"/>
+              <a:gd name="connsiteX7" fmla="*/ 4435290 w 6619836"/>
+              <a:gd name="connsiteY7" fmla="*/ 0 h 100858"/>
+              <a:gd name="connsiteX8" fmla="*/ 4898679 w 6619836"/>
+              <a:gd name="connsiteY8" fmla="*/ 0 h 100858"/>
+              <a:gd name="connsiteX9" fmla="*/ 5362067 w 6619836"/>
+              <a:gd name="connsiteY9" fmla="*/ 0 h 100858"/>
+              <a:gd name="connsiteX10" fmla="*/ 6619836 w 6619836"/>
+              <a:gd name="connsiteY10" fmla="*/ 0 h 100858"/>
+              <a:gd name="connsiteX11" fmla="*/ 6619836 w 6619836"/>
+              <a:gd name="connsiteY11" fmla="*/ 100858 h 100858"/>
+              <a:gd name="connsiteX12" fmla="*/ 5825456 w 6619836"/>
+              <a:gd name="connsiteY12" fmla="*/ 100858 h 100858"/>
+              <a:gd name="connsiteX13" fmla="*/ 5163472 w 6619836"/>
+              <a:gd name="connsiteY13" fmla="*/ 100858 h 100858"/>
+              <a:gd name="connsiteX14" fmla="*/ 4369092 w 6619836"/>
+              <a:gd name="connsiteY14" fmla="*/ 100858 h 100858"/>
+              <a:gd name="connsiteX15" fmla="*/ 3839505 w 6619836"/>
+              <a:gd name="connsiteY15" fmla="*/ 100858 h 100858"/>
+              <a:gd name="connsiteX16" fmla="*/ 3177521 w 6619836"/>
+              <a:gd name="connsiteY16" fmla="*/ 100858 h 100858"/>
+              <a:gd name="connsiteX17" fmla="*/ 2383141 w 6619836"/>
+              <a:gd name="connsiteY17" fmla="*/ 100858 h 100858"/>
+              <a:gd name="connsiteX18" fmla="*/ 1787356 w 6619836"/>
+              <a:gd name="connsiteY18" fmla="*/ 100858 h 100858"/>
+              <a:gd name="connsiteX19" fmla="*/ 992975 w 6619836"/>
+              <a:gd name="connsiteY19" fmla="*/ 100858 h 100858"/>
+              <a:gd name="connsiteX20" fmla="*/ 0 w 6619836"/>
+              <a:gd name="connsiteY20" fmla="*/ 100858 h 100858"/>
+              <a:gd name="connsiteX21" fmla="*/ 0 w 6619836"/>
+              <a:gd name="connsiteY21" fmla="*/ 0 h 100858"/>
+            </a:gdLst>
+            <a:ahLst/>
+            <a:cxnLst>
+              <a:cxn ang="0">
+                <a:pos x="connsiteX0" y="connsiteY0"/>
+              </a:cxn>
+              <a:cxn ang="0">
+                <a:pos x="connsiteX1" y="connsiteY1"/>
+              </a:cxn>
+              <a:cxn ang="0">
+                <a:pos x="connsiteX2" y="connsiteY2"/>
+              </a:cxn>
+              <a:cxn ang="0">
+                <a:pos x="connsiteX3" y="connsiteY3"/>
+              </a:cxn>
+              <a:cxn ang="0">
+                <a:pos x="connsiteX4" y="connsiteY4"/>
+              </a:cxn>
+              <a:cxn ang="0">
+                <a:pos x="connsiteX5" y="connsiteY5"/>
+              </a:cxn>
+              <a:cxn ang="0">
+                <a:pos x="connsiteX6" y="connsiteY6"/>
+              </a:cxn>
+              <a:cxn ang="0">
+                <a:pos x="connsiteX7" y="connsiteY7"/>
+              </a:cxn>
+              <a:cxn ang="0">
+                <a:pos x="connsiteX8" y="connsiteY8"/>
+              </a:cxn>
+              <a:cxn ang="0">
+                <a:pos x="connsiteX9" y="connsiteY9"/>
+              </a:cxn>
+              <a:cxn ang="0">
+                <a:pos x="connsiteX10" y="connsiteY10"/>
+              </a:cxn>
+              <a:cxn ang="0">
+                <a:pos x="connsiteX11" y="connsiteY11"/>
+              </a:cxn>
+              <a:cxn ang="0">
+                <a:pos x="connsiteX12" y="connsiteY12"/>
+              </a:cxn>
+              <a:cxn ang="0">
+                <a:pos x="connsiteX13" y="connsiteY13"/>
+              </a:cxn>
+              <a:cxn ang="0">
+                <a:pos x="connsiteX14" y="connsiteY14"/>
+              </a:cxn>
+              <a:cxn ang="0">
+                <a:pos x="connsiteX15" y="connsiteY15"/>
+              </a:cxn>
+              <a:cxn ang="0">
+                <a:pos x="connsiteX16" y="connsiteY16"/>
+              </a:cxn>
+              <a:cxn ang="0">
+                <a:pos x="connsiteX17" y="connsiteY17"/>
+              </a:cxn>
+              <a:cxn ang="0">
+                <a:pos x="connsiteX18" y="connsiteY18"/>
+              </a:cxn>
+              <a:cxn ang="0">
+                <a:pos x="connsiteX19" y="connsiteY19"/>
+              </a:cxn>
+              <a:cxn ang="0">
+                <a:pos x="connsiteX20" y="connsiteY20"/>
+              </a:cxn>
+              <a:cxn ang="0">
+                <a:pos x="connsiteX21" y="connsiteY21"/>
+              </a:cxn>
+            </a:cxnLst>
+            <a:rect l="l" t="t" r="r" b="b"/>
+            <a:pathLst>
+              <a:path w="6619836" h="100858" fill="none" extrusionOk="0">
+                <a:moveTo>
+                  <a:pt x="0" y="0"/>
+                </a:moveTo>
+                <a:cubicBezTo>
+                  <a:pt x="244503" y="18833"/>
+                  <a:pt x="324751" y="25408"/>
+                  <a:pt x="595785" y="0"/>
+                </a:cubicBezTo>
+                <a:cubicBezTo>
+                  <a:pt x="866820" y="-25408"/>
+                  <a:pt x="1002885" y="9652"/>
+                  <a:pt x="1125372" y="0"/>
+                </a:cubicBezTo>
+                <a:cubicBezTo>
+                  <a:pt x="1247859" y="-9652"/>
+                  <a:pt x="1620910" y="-13811"/>
+                  <a:pt x="1853554" y="0"/>
+                </a:cubicBezTo>
+                <a:cubicBezTo>
+                  <a:pt x="2086198" y="13811"/>
+                  <a:pt x="2346640" y="-32107"/>
+                  <a:pt x="2581736" y="0"/>
+                </a:cubicBezTo>
+                <a:cubicBezTo>
+                  <a:pt x="2816832" y="32107"/>
+                  <a:pt x="2928269" y="4222"/>
+                  <a:pt x="3243720" y="0"/>
+                </a:cubicBezTo>
+                <a:cubicBezTo>
+                  <a:pt x="3559171" y="-4222"/>
+                  <a:pt x="3534425" y="1789"/>
+                  <a:pt x="3707108" y="0"/>
+                </a:cubicBezTo>
+                <a:cubicBezTo>
+                  <a:pt x="3879791" y="-1789"/>
+                  <a:pt x="4262223" y="1262"/>
+                  <a:pt x="4435290" y="0"/>
+                </a:cubicBezTo>
+                <a:cubicBezTo>
+                  <a:pt x="4608357" y="-1262"/>
+                  <a:pt x="4795989" y="-3566"/>
+                  <a:pt x="4898679" y="0"/>
+                </a:cubicBezTo>
+                <a:cubicBezTo>
+                  <a:pt x="5001369" y="3566"/>
+                  <a:pt x="5209430" y="19374"/>
+                  <a:pt x="5362067" y="0"/>
+                </a:cubicBezTo>
+                <a:cubicBezTo>
+                  <a:pt x="5514704" y="-19374"/>
+                  <a:pt x="6225741" y="-62067"/>
+                  <a:pt x="6619836" y="0"/>
+                </a:cubicBezTo>
+                <a:cubicBezTo>
+                  <a:pt x="6619436" y="43044"/>
+                  <a:pt x="6618914" y="74410"/>
+                  <a:pt x="6619836" y="100858"/>
+                </a:cubicBezTo>
+                <a:cubicBezTo>
+                  <a:pt x="6301967" y="63672"/>
+                  <a:pt x="6076034" y="68189"/>
+                  <a:pt x="5825456" y="100858"/>
+                </a:cubicBezTo>
+                <a:cubicBezTo>
+                  <a:pt x="5574878" y="133527"/>
+                  <a:pt x="5341316" y="105586"/>
+                  <a:pt x="5163472" y="100858"/>
+                </a:cubicBezTo>
+                <a:cubicBezTo>
+                  <a:pt x="4985628" y="96130"/>
+                  <a:pt x="4650210" y="94055"/>
+                  <a:pt x="4369092" y="100858"/>
+                </a:cubicBezTo>
+                <a:cubicBezTo>
+                  <a:pt x="4087974" y="107661"/>
+                  <a:pt x="4087923" y="119726"/>
+                  <a:pt x="3839505" y="100858"/>
+                </a:cubicBezTo>
+                <a:cubicBezTo>
+                  <a:pt x="3591087" y="81990"/>
+                  <a:pt x="3414665" y="109596"/>
+                  <a:pt x="3177521" y="100858"/>
+                </a:cubicBezTo>
+                <a:cubicBezTo>
+                  <a:pt x="2940377" y="92120"/>
+                  <a:pt x="2768720" y="63782"/>
+                  <a:pt x="2383141" y="100858"/>
+                </a:cubicBezTo>
+                <a:cubicBezTo>
+                  <a:pt x="1997562" y="137934"/>
+                  <a:pt x="1977958" y="82043"/>
+                  <a:pt x="1787356" y="100858"/>
+                </a:cubicBezTo>
+                <a:cubicBezTo>
+                  <a:pt x="1596755" y="119673"/>
+                  <a:pt x="1308683" y="82227"/>
+                  <a:pt x="992975" y="100858"/>
+                </a:cubicBezTo>
+                <a:cubicBezTo>
+                  <a:pt x="677267" y="119489"/>
+                  <a:pt x="477019" y="136459"/>
+                  <a:pt x="0" y="100858"/>
+                </a:cubicBezTo>
+                <a:cubicBezTo>
+                  <a:pt x="1690" y="59826"/>
+                  <a:pt x="-1725" y="26094"/>
+                  <a:pt x="0" y="0"/>
+                </a:cubicBezTo>
+                <a:close/>
+              </a:path>
+              <a:path w="6619836" h="100858" stroke="0" extrusionOk="0">
+                <a:moveTo>
+                  <a:pt x="0" y="0"/>
+                </a:moveTo>
+                <a:cubicBezTo>
+                  <a:pt x="163960" y="7549"/>
+                  <a:pt x="380244" y="20596"/>
+                  <a:pt x="529587" y="0"/>
+                </a:cubicBezTo>
+                <a:cubicBezTo>
+                  <a:pt x="678930" y="-20596"/>
+                  <a:pt x="1064335" y="18675"/>
+                  <a:pt x="1323967" y="0"/>
+                </a:cubicBezTo>
+                <a:cubicBezTo>
+                  <a:pt x="1583599" y="-18675"/>
+                  <a:pt x="1652039" y="6257"/>
+                  <a:pt x="1787356" y="0"/>
+                </a:cubicBezTo>
+                <a:cubicBezTo>
+                  <a:pt x="1922673" y="-6257"/>
+                  <a:pt x="2027600" y="16923"/>
+                  <a:pt x="2250744" y="0"/>
+                </a:cubicBezTo>
+                <a:cubicBezTo>
+                  <a:pt x="2473888" y="-16923"/>
+                  <a:pt x="2619316" y="-27203"/>
+                  <a:pt x="2912728" y="0"/>
+                </a:cubicBezTo>
+                <a:cubicBezTo>
+                  <a:pt x="3206140" y="27203"/>
+                  <a:pt x="3339747" y="19161"/>
+                  <a:pt x="3508513" y="0"/>
+                </a:cubicBezTo>
+                <a:cubicBezTo>
+                  <a:pt x="3677280" y="-19161"/>
+                  <a:pt x="4074555" y="25767"/>
+                  <a:pt x="4236695" y="0"/>
+                </a:cubicBezTo>
+                <a:cubicBezTo>
+                  <a:pt x="4398835" y="-25767"/>
+                  <a:pt x="4555964" y="17191"/>
+                  <a:pt x="4766282" y="0"/>
+                </a:cubicBezTo>
+                <a:cubicBezTo>
+                  <a:pt x="4976600" y="-17191"/>
+                  <a:pt x="5347264" y="26410"/>
+                  <a:pt x="5560662" y="0"/>
+                </a:cubicBezTo>
+                <a:cubicBezTo>
+                  <a:pt x="5774060" y="-26410"/>
+                  <a:pt x="6097830" y="31052"/>
+                  <a:pt x="6619836" y="0"/>
+                </a:cubicBezTo>
+                <a:cubicBezTo>
+                  <a:pt x="6620995" y="39049"/>
+                  <a:pt x="6616004" y="72410"/>
+                  <a:pt x="6619836" y="100858"/>
+                </a:cubicBezTo>
+                <a:cubicBezTo>
+                  <a:pt x="6444938" y="122050"/>
+                  <a:pt x="6297478" y="88767"/>
+                  <a:pt x="6090249" y="100858"/>
+                </a:cubicBezTo>
+                <a:cubicBezTo>
+                  <a:pt x="5883020" y="112949"/>
+                  <a:pt x="5763916" y="91993"/>
+                  <a:pt x="5560662" y="100858"/>
+                </a:cubicBezTo>
+                <a:cubicBezTo>
+                  <a:pt x="5357408" y="109723"/>
+                  <a:pt x="5094309" y="98138"/>
+                  <a:pt x="4964877" y="100858"/>
+                </a:cubicBezTo>
+                <a:cubicBezTo>
+                  <a:pt x="4835446" y="103578"/>
+                  <a:pt x="4607320" y="93486"/>
+                  <a:pt x="4501488" y="100858"/>
+                </a:cubicBezTo>
+                <a:cubicBezTo>
+                  <a:pt x="4395656" y="108230"/>
+                  <a:pt x="4100222" y="90858"/>
+                  <a:pt x="3905703" y="100858"/>
+                </a:cubicBezTo>
+                <a:cubicBezTo>
+                  <a:pt x="3711184" y="110858"/>
+                  <a:pt x="3523989" y="104154"/>
+                  <a:pt x="3376116" y="100858"/>
+                </a:cubicBezTo>
+                <a:cubicBezTo>
+                  <a:pt x="3228243" y="97562"/>
+                  <a:pt x="2748164" y="88033"/>
+                  <a:pt x="2581736" y="100858"/>
+                </a:cubicBezTo>
+                <a:cubicBezTo>
+                  <a:pt x="2415308" y="113683"/>
+                  <a:pt x="2067154" y="111007"/>
+                  <a:pt x="1853554" y="100858"/>
+                </a:cubicBezTo>
+                <a:cubicBezTo>
+                  <a:pt x="1639954" y="90709"/>
+                  <a:pt x="1592019" y="93050"/>
+                  <a:pt x="1390166" y="100858"/>
+                </a:cubicBezTo>
+                <a:cubicBezTo>
+                  <a:pt x="1188313" y="108666"/>
+                  <a:pt x="924636" y="112239"/>
+                  <a:pt x="728182" y="100858"/>
+                </a:cubicBezTo>
+                <a:cubicBezTo>
+                  <a:pt x="531728" y="89477"/>
+                  <a:pt x="199847" y="66155"/>
+                  <a:pt x="0" y="100858"/>
+                </a:cubicBezTo>
+                <a:cubicBezTo>
+                  <a:pt x="-4285" y="56089"/>
+                  <a:pt x="-4231" y="40604"/>
+                  <a:pt x="0" y="0"/>
+                </a:cubicBezTo>
+                <a:close/>
+              </a:path>
+            </a:pathLst>
+          </a:custGeom>
+          <a:solidFill>
+            <a:schemeClr val="accent1"/>
+          </a:solidFill>
+          <a:ln w="44450" cap="rnd">
+            <a:solidFill>
+              <a:schemeClr val="accent1"/>
+            </a:solidFill>
+            <a:round/>
+            <a:extLst>
+              <a:ext uri="{C807C97D-BFC1-408E-A445-0C87EB9F89A2}">
+                <ask:lineSketchStyleProps xmlns:ask="http://schemas.microsoft.com/office/drawing/2018/sketchyshapes" sd="2863741219">
+                  <a:prstGeom prst="rect">
+                    <a:avLst/>
+                  </a:prstGeom>
+                  <ask:type>
+                    <ask:lineSketchFreehand/>
+                  </ask:type>
+                </ask:lineSketchStyleProps>
+              </a:ext>
+            </a:extLst>
+          </a:ln>
+        </p:spPr>
+        <p:style>
+          <a:lnRef idx="2">
+            <a:schemeClr val="accent1">
+              <a:shade val="50000"/>
+            </a:schemeClr>
+          </a:lnRef>
+          <a:fillRef idx="1">
+            <a:schemeClr val="accent1"/>
+          </a:fillRef>
+          <a:effectRef idx="0">
+            <a:schemeClr val="accent1"/>
+          </a:effectRef>
+          <a:fontRef idx="minor">
+            <a:schemeClr val="lt1"/>
+          </a:fontRef>
+        </p:style>
+        <p:txBody>
+          <a:bodyPr rtlCol="0" anchor="ctr"/>
+          <a:lstStyle/>
+          <a:p>
+            <a:pPr algn="ctr"/>
+            <a:endParaRPr lang="en-US">
+              <a:solidFill>
+                <a:schemeClr val="accent1"/>
+              </a:solidFill>
+            </a:endParaRPr>
+          </a:p>
+        </p:txBody>
+      </p:sp>
+      <p:pic>
+        <p:nvPicPr>
+          <p:cNvPr id="5122" name="Picture 2" descr="Valeu a Dica - YouTube">
+            <a:extLst>
+              <a:ext uri="{FF2B5EF4-FFF2-40B4-BE49-F238E27FC236}">
+                <a16:creationId xmlns:a16="http://schemas.microsoft.com/office/drawing/2014/main" id="{DAACBA8D-9E16-4E5D-B4CF-978AA4FD0224}"/>
+              </a:ext>
+            </a:extLst>
+          </p:cNvPr>
+          <p:cNvPicPr>
+            <a:picLocks noChangeAspect="1" noChangeArrowheads="1"/>
+          </p:cNvPicPr>
+          <p:nvPr/>
+        </p:nvPicPr>
+        <p:blipFill>
+          <a:blip r:embed="rId2">
+            <a:extLst>
+              <a:ext uri="{28A0092B-C50C-407E-A947-70E740481C1C}">
+                <a14:useLocalDpi xmlns:a14="http://schemas.microsoft.com/office/drawing/2010/main" val="0"/>
+              </a:ext>
+            </a:extLst>
+          </a:blip>
+          <a:srcRect/>
+          <a:stretch>
+            <a:fillRect/>
+          </a:stretch>
+        </p:blipFill>
+        <p:spPr bwMode="auto">
+          <a:xfrm>
+            <a:off x="7632207" y="714461"/>
+            <a:ext cx="3886200" cy="3886200"/>
+          </a:xfrm>
+          <a:prstGeom prst="rect">
+            <a:avLst/>
+          </a:prstGeom>
+          <a:noFill/>
+          <a:extLst>
+            <a:ext uri="{909E8E84-426E-40DD-AFC4-6F175D3DCCD1}">
+              <a14:hiddenFill xmlns:a14="http://schemas.microsoft.com/office/drawing/2010/main">
+                <a:solidFill>
+                  <a:srgbClr val="FFFFFF"/>
+                </a:solidFill>
+              </a14:hiddenFill>
+            </a:ext>
+          </a:extLst>
+        </p:spPr>
+      </p:pic>
+      <p:pic>
+        <p:nvPicPr>
+          <p:cNvPr id="4" name="Imagem 3" descr="Placa azul com letras brancas em fundo preto&#10;&#10;Descrição gerada automaticamente com confiança média">
+            <a:extLst>
+              <a:ext uri="{FF2B5EF4-FFF2-40B4-BE49-F238E27FC236}">
+                <a16:creationId xmlns:a16="http://schemas.microsoft.com/office/drawing/2014/main" id="{26568278-9CFC-CD20-98A0-77EF66133FD0}"/>
+              </a:ext>
+            </a:extLst>
+          </p:cNvPr>
+          <p:cNvPicPr>
+            <a:picLocks noChangeAspect="1"/>
+          </p:cNvPicPr>
+          <p:nvPr/>
+        </p:nvPicPr>
+        <p:blipFill>
+          <a:blip r:embed="rId3">
+            <a:extLst>
+              <a:ext uri="{28A0092B-C50C-407E-A947-70E740481C1C}">
+                <a14:useLocalDpi xmlns:a14="http://schemas.microsoft.com/office/drawing/2010/main" val="0"/>
+              </a:ext>
+            </a:extLst>
+          </a:blip>
+          <a:stretch>
+            <a:fillRect/>
+          </a:stretch>
+        </p:blipFill>
+        <p:spPr>
+          <a:xfrm>
+            <a:off x="9942787" y="6355555"/>
+            <a:ext cx="2128484" cy="440961"/>
+          </a:xfrm>
+          <a:prstGeom prst="rect">
+            <a:avLst/>
+          </a:prstGeom>
+        </p:spPr>
+      </p:pic>
+      <p:sp>
+        <p:nvSpPr>
+          <p:cNvPr id="5" name="CaixaDeTexto 4">
+            <a:extLst>
+              <a:ext uri="{FF2B5EF4-FFF2-40B4-BE49-F238E27FC236}">
+                <a16:creationId xmlns:a16="http://schemas.microsoft.com/office/drawing/2014/main" id="{42962140-8D9E-DAB1-FB09-5109793C9036}"/>
+              </a:ext>
+            </a:extLst>
+          </p:cNvPr>
+          <p:cNvSpPr txBox="1"/>
+          <p:nvPr/>
+        </p:nvSpPr>
+        <p:spPr>
+          <a:xfrm>
+            <a:off x="0" y="4719218"/>
+            <a:ext cx="9270124" cy="1785104"/>
+          </a:xfrm>
+          <a:prstGeom prst="rect">
+            <a:avLst/>
+          </a:prstGeom>
+          <a:noFill/>
+          <a:ln>
+            <a:noFill/>
+          </a:ln>
+        </p:spPr>
+        <p:txBody>
+          <a:bodyPr wrap="square">
+            <a:spAutoFit/>
+          </a:bodyPr>
+          <a:lstStyle/>
+          <a:p>
+            <a:pPr marL="285750">
+              <a:lnSpc>
+                <a:spcPct val="90000"/>
+              </a:lnSpc>
+              <a:spcAft>
+                <a:spcPts val="600"/>
+              </a:spcAft>
+            </a:pPr>
+            <a:r>
+              <a:rPr lang="en-US" sz="2000" dirty="0" err="1">
+                <a:solidFill>
+                  <a:schemeClr val="accent1"/>
+                </a:solidFill>
+                <a:latin typeface="Impact" panose="020B0806030902050204" pitchFamily="34" charset="0"/>
+              </a:rPr>
+              <a:t>Contatos</a:t>
+            </a:r>
+            <a:r>
+              <a:rPr lang="en-US" sz="2000" dirty="0">
+                <a:solidFill>
+                  <a:schemeClr val="accent1"/>
+                </a:solidFill>
+                <a:latin typeface="Impact" panose="020B0806030902050204" pitchFamily="34" charset="0"/>
+              </a:rPr>
+              <a:t>:</a:t>
+            </a:r>
+          </a:p>
+          <a:p>
+            <a:pPr marL="285750">
+              <a:lnSpc>
+                <a:spcPct val="90000"/>
+              </a:lnSpc>
+              <a:spcAft>
+                <a:spcPts val="600"/>
+              </a:spcAft>
+            </a:pPr>
+            <a:r>
+              <a:rPr lang="en-US" sz="2000" dirty="0">
+                <a:solidFill>
+                  <a:schemeClr val="accent1"/>
+                </a:solidFill>
+                <a:latin typeface="Impact" panose="020B0806030902050204" pitchFamily="34" charset="0"/>
+              </a:rPr>
+              <a:t>           </a:t>
+            </a:r>
+            <a:r>
+              <a:rPr lang="en-US" sz="2000" dirty="0">
+                <a:solidFill>
+                  <a:schemeClr val="accent1"/>
+                </a:solidFill>
+                <a:latin typeface="Impact" panose="020B0806030902050204" pitchFamily="34" charset="0"/>
+                <a:hlinkClick r:id="rId4"/>
+              </a:rPr>
+              <a:t>dbaassists@gmail.com</a:t>
+            </a:r>
+            <a:r>
+              <a:rPr lang="en-US" sz="2000" dirty="0">
+                <a:solidFill>
+                  <a:schemeClr val="accent1"/>
+                </a:solidFill>
+                <a:latin typeface="Impact" panose="020B0806030902050204" pitchFamily="34" charset="0"/>
+              </a:rPr>
+              <a:t> </a:t>
+            </a:r>
+          </a:p>
+          <a:p>
+            <a:pPr marL="285750">
+              <a:lnSpc>
+                <a:spcPct val="90000"/>
+              </a:lnSpc>
+              <a:spcAft>
+                <a:spcPts val="600"/>
+              </a:spcAft>
+            </a:pPr>
+            <a:r>
+              <a:rPr lang="en-US" sz="2000" dirty="0">
+                <a:solidFill>
+                  <a:schemeClr val="accent1"/>
+                </a:solidFill>
+                <a:latin typeface="Impact" panose="020B0806030902050204" pitchFamily="34" charset="0"/>
+              </a:rPr>
+              <a:t>           </a:t>
+            </a:r>
+            <a:r>
+              <a:rPr lang="en-US" sz="2000" dirty="0">
+                <a:solidFill>
+                  <a:schemeClr val="accent1"/>
+                </a:solidFill>
+                <a:latin typeface="Impact" panose="020B0806030902050204" pitchFamily="34" charset="0"/>
+                <a:hlinkClick r:id="rId5"/>
+              </a:rPr>
+              <a:t>https://www.instagram.com/dbaassists/</a:t>
+            </a:r>
+            <a:endParaRPr lang="en-US" sz="2000" dirty="0">
+              <a:solidFill>
+                <a:schemeClr val="accent1"/>
+              </a:solidFill>
+              <a:latin typeface="Impact" panose="020B0806030902050204" pitchFamily="34" charset="0"/>
+            </a:endParaRPr>
+          </a:p>
+          <a:p>
+            <a:pPr marL="285750">
+              <a:lnSpc>
+                <a:spcPct val="90000"/>
+              </a:lnSpc>
+              <a:spcAft>
+                <a:spcPts val="600"/>
+              </a:spcAft>
+            </a:pPr>
+            <a:r>
+              <a:rPr lang="en-US" sz="2000" dirty="0">
+                <a:solidFill>
+                  <a:schemeClr val="accent1"/>
+                </a:solidFill>
+                <a:latin typeface="Impact" panose="020B0806030902050204" pitchFamily="34" charset="0"/>
+              </a:rPr>
+              <a:t>           </a:t>
+            </a:r>
+            <a:r>
+              <a:rPr lang="en-US" sz="2000" dirty="0">
+                <a:solidFill>
+                  <a:schemeClr val="accent1"/>
+                </a:solidFill>
+                <a:latin typeface="Impact" panose="020B0806030902050204" pitchFamily="34" charset="0"/>
+                <a:hlinkClick r:id="rId6"/>
+              </a:rPr>
+              <a:t>https://twitter.com/dbaassists</a:t>
+            </a:r>
+            <a:r>
+              <a:rPr lang="en-US" sz="2000" dirty="0">
+                <a:solidFill>
+                  <a:schemeClr val="accent1"/>
+                </a:solidFill>
+                <a:latin typeface="Impact" panose="020B0806030902050204" pitchFamily="34" charset="0"/>
+              </a:rPr>
+              <a:t> </a:t>
+            </a:r>
+          </a:p>
+          <a:p>
+            <a:pPr marL="285750">
+              <a:lnSpc>
+                <a:spcPct val="90000"/>
+              </a:lnSpc>
+              <a:spcAft>
+                <a:spcPts val="600"/>
+              </a:spcAft>
+            </a:pPr>
+            <a:r>
+              <a:rPr lang="en-US" sz="2000" dirty="0">
+                <a:solidFill>
+                  <a:schemeClr val="accent1"/>
+                </a:solidFill>
+                <a:latin typeface="Impact" panose="020B0806030902050204" pitchFamily="34" charset="0"/>
+              </a:rPr>
+              <a:t>           https://www.linkedin.com/in/gabriel-frederico-lacerda-quintella-12148923/</a:t>
+            </a:r>
+          </a:p>
+        </p:txBody>
+      </p:sp>
+      <p:pic>
+        <p:nvPicPr>
+          <p:cNvPr id="5124" name="Picture 4" descr="ícone Gmail, novo, logo em Google new logos">
+            <a:extLst>
+              <a:ext uri="{FF2B5EF4-FFF2-40B4-BE49-F238E27FC236}">
+                <a16:creationId xmlns:a16="http://schemas.microsoft.com/office/drawing/2014/main" id="{B8005F42-5200-FC73-84FB-6C3FC371B7E4}"/>
+              </a:ext>
+            </a:extLst>
+          </p:cNvPr>
+          <p:cNvPicPr>
+            <a:picLocks noChangeAspect="1" noChangeArrowheads="1"/>
+          </p:cNvPicPr>
+          <p:nvPr/>
+        </p:nvPicPr>
+        <p:blipFill>
+          <a:blip r:embed="rId7">
+            <a:extLst>
+              <a:ext uri="{28A0092B-C50C-407E-A947-70E740481C1C}">
+                <a14:useLocalDpi xmlns:a14="http://schemas.microsoft.com/office/drawing/2010/main" val="0"/>
+              </a:ext>
+            </a:extLst>
+          </a:blip>
+          <a:srcRect/>
+          <a:stretch>
+            <a:fillRect/>
+          </a:stretch>
+        </p:blipFill>
+        <p:spPr bwMode="auto">
+          <a:xfrm>
+            <a:off x="384851" y="5043934"/>
+            <a:ext cx="351163" cy="351163"/>
+          </a:xfrm>
+          <a:prstGeom prst="rect">
+            <a:avLst/>
+          </a:prstGeom>
+          <a:noFill/>
+          <a:extLst>
+            <a:ext uri="{909E8E84-426E-40DD-AFC4-6F175D3DCCD1}">
+              <a14:hiddenFill xmlns:a14="http://schemas.microsoft.com/office/drawing/2010/main">
+                <a:solidFill>
+                  <a:srgbClr val="FFFFFF"/>
+                </a:solidFill>
+              </a14:hiddenFill>
+            </a:ext>
+          </a:extLst>
+        </p:spPr>
+      </p:pic>
+      <p:pic>
+        <p:nvPicPr>
+          <p:cNvPr id="5126" name="Picture 6" descr="Instagram - ícones de social grátis">
+            <a:extLst>
+              <a:ext uri="{FF2B5EF4-FFF2-40B4-BE49-F238E27FC236}">
+                <a16:creationId xmlns:a16="http://schemas.microsoft.com/office/drawing/2014/main" id="{D23D0539-3A2D-C8CB-9DB9-56E523831D1F}"/>
+              </a:ext>
+            </a:extLst>
+          </p:cNvPr>
+          <p:cNvPicPr>
+            <a:picLocks noChangeAspect="1" noChangeArrowheads="1"/>
+          </p:cNvPicPr>
+          <p:nvPr/>
+        </p:nvPicPr>
+        <p:blipFill>
+          <a:blip r:embed="rId8">
+            <a:extLst>
+              <a:ext uri="{28A0092B-C50C-407E-A947-70E740481C1C}">
+                <a14:useLocalDpi xmlns:a14="http://schemas.microsoft.com/office/drawing/2010/main" val="0"/>
+              </a:ext>
+            </a:extLst>
+          </a:blip>
+          <a:srcRect/>
+          <a:stretch>
+            <a:fillRect/>
+          </a:stretch>
+        </p:blipFill>
+        <p:spPr bwMode="auto">
+          <a:xfrm>
+            <a:off x="402485" y="5414905"/>
+            <a:ext cx="327145" cy="327145"/>
+          </a:xfrm>
+          <a:prstGeom prst="rect">
+            <a:avLst/>
+          </a:prstGeom>
+          <a:noFill/>
+          <a:extLst>
+            <a:ext uri="{909E8E84-426E-40DD-AFC4-6F175D3DCCD1}">
+              <a14:hiddenFill xmlns:a14="http://schemas.microsoft.com/office/drawing/2010/main">
+                <a:solidFill>
+                  <a:srgbClr val="FFFFFF"/>
+                </a:solidFill>
+              </a14:hiddenFill>
+            </a:ext>
+          </a:extLst>
+        </p:spPr>
+      </p:pic>
+      <p:pic>
+        <p:nvPicPr>
+          <p:cNvPr id="5128" name="Picture 8" descr="Twitter - ícones de mídia social grátis">
+            <a:extLst>
+              <a:ext uri="{FF2B5EF4-FFF2-40B4-BE49-F238E27FC236}">
+                <a16:creationId xmlns:a16="http://schemas.microsoft.com/office/drawing/2014/main" id="{5E25FCD1-5F1A-41B2-8011-85951A7854F5}"/>
+              </a:ext>
+            </a:extLst>
+          </p:cNvPr>
+          <p:cNvPicPr>
+            <a:picLocks noChangeAspect="1" noChangeArrowheads="1"/>
+          </p:cNvPicPr>
+          <p:nvPr/>
+        </p:nvPicPr>
+        <p:blipFill>
+          <a:blip r:embed="rId9">
+            <a:extLst>
+              <a:ext uri="{28A0092B-C50C-407E-A947-70E740481C1C}">
+                <a14:useLocalDpi xmlns:a14="http://schemas.microsoft.com/office/drawing/2010/main" val="0"/>
+              </a:ext>
+            </a:extLst>
+          </a:blip>
+          <a:srcRect/>
+          <a:stretch>
+            <a:fillRect/>
+          </a:stretch>
+        </p:blipFill>
+        <p:spPr bwMode="auto">
+          <a:xfrm>
+            <a:off x="414851" y="5777774"/>
+            <a:ext cx="318965" cy="318965"/>
+          </a:xfrm>
+          <a:prstGeom prst="rect">
+            <a:avLst/>
+          </a:prstGeom>
+          <a:noFill/>
+          <a:extLst>
+            <a:ext uri="{909E8E84-426E-40DD-AFC4-6F175D3DCCD1}">
+              <a14:hiddenFill xmlns:a14="http://schemas.microsoft.com/office/drawing/2010/main">
+                <a:solidFill>
+                  <a:srgbClr val="FFFFFF"/>
+                </a:solidFill>
+              </a14:hiddenFill>
+            </a:ext>
+          </a:extLst>
+        </p:spPr>
+      </p:pic>
+      <p:pic>
+        <p:nvPicPr>
+          <p:cNvPr id="5130" name="Picture 10" descr="Linkedin - ícones de mídia social grátis">
+            <a:extLst>
+              <a:ext uri="{FF2B5EF4-FFF2-40B4-BE49-F238E27FC236}">
+                <a16:creationId xmlns:a16="http://schemas.microsoft.com/office/drawing/2014/main" id="{EBF72C0F-5729-6697-61D7-2DC402B1D5A5}"/>
+              </a:ext>
+            </a:extLst>
+          </p:cNvPr>
+          <p:cNvPicPr>
+            <a:picLocks noChangeAspect="1" noChangeArrowheads="1"/>
+          </p:cNvPicPr>
+          <p:nvPr/>
+        </p:nvPicPr>
+        <p:blipFill>
+          <a:blip r:embed="rId10">
+            <a:extLst>
+              <a:ext uri="{28A0092B-C50C-407E-A947-70E740481C1C}">
+                <a14:useLocalDpi xmlns:a14="http://schemas.microsoft.com/office/drawing/2010/main" val="0"/>
+              </a:ext>
+            </a:extLst>
+          </a:blip>
+          <a:srcRect/>
+          <a:stretch>
+            <a:fillRect/>
+          </a:stretch>
+        </p:blipFill>
+        <p:spPr bwMode="auto">
+          <a:xfrm>
+            <a:off x="422742" y="6140354"/>
+            <a:ext cx="310786" cy="310786"/>
+          </a:xfrm>
+          <a:prstGeom prst="rect">
+            <a:avLst/>
+          </a:prstGeom>
+          <a:noFill/>
+          <a:extLst>
+            <a:ext uri="{909E8E84-426E-40DD-AFC4-6F175D3DCCD1}">
+              <a14:hiddenFill xmlns:a14="http://schemas.microsoft.com/office/drawing/2010/main">
+                <a:solidFill>
+                  <a:srgbClr val="FFFFFF"/>
+                </a:solidFill>
+              </a14:hiddenFill>
+            </a:ext>
+          </a:extLst>
+        </p:spPr>
+      </p:pic>
+    </p:spTree>
+    <p:extLst>
+      <p:ext uri="{BB962C8B-B14F-4D97-AF65-F5344CB8AC3E}">
+        <p14:creationId xmlns:p14="http://schemas.microsoft.com/office/powerpoint/2010/main" val="1848891117"/>
+      </p:ext>
+    </p:extLst>
+  </p:cSld>
+  <p:clrMapOvr>
+    <a:masterClrMapping/>
+  </p:clrMapOvr>
+  <p:timing>
+    <p:tnLst>
+      <p:par>
+        <p:cTn id="1" dur="indefinite" restart="never" nodeType="tmRoot">
+          <p:childTnLst>
+            <p:seq concurrent="1" nextAc="seek">
+              <p:cTn id="2" dur="indefinite" nodeType="mainSeq">
+                <p:childTnLst>
+                  <p:par>
+                    <p:cTn id="3" fill="hold">
+                      <p:stCondLst>
+                        <p:cond delay="indefinite"/>
+                        <p:cond evt="onBegin" delay="0">
+                          <p:tn val="2"/>
+                        </p:cond>
+                      </p:stCondLst>
+                      <p:childTnLst>
+                        <p:par>
+                          <p:cTn id="4" fill="hold">
+                            <p:stCondLst>
+                              <p:cond delay="0"/>
+                            </p:stCondLst>
+                            <p:childTnLst>
+                              <p:par>
+                                <p:cTn id="5" presetID="1" presetClass="entr" presetSubtype="0" fill="hold" grpId="0" nodeType="withEffect">
+                                  <p:stCondLst>
+                                    <p:cond delay="0"/>
+                                  </p:stCondLst>
+                                  <p:childTnLst>
+                                    <p:set>
+                                      <p:cBhvr>
+                                        <p:cTn id="6" dur="1" fill="hold">
+                                          <p:stCondLst>
+                                            <p:cond delay="0"/>
+                                          </p:stCondLst>
+                                        </p:cTn>
+                                        <p:tgtEl>
+                                          <p:spTgt spid="5"/>
+                                        </p:tgtEl>
+                                        <p:attrNameLst>
+                                          <p:attrName>style.visibility</p:attrName>
+                                        </p:attrNameLst>
+                                      </p:cBhvr>
+                                      <p:to>
+                                        <p:strVal val="visible"/>
+                                      </p:to>
+                                    </p:set>
+                                  </p:childTnLst>
+                                </p:cTn>
+                              </p:par>
+                            </p:childTnLst>
+                          </p:cTn>
+                        </p:par>
+                      </p:childTnLst>
+                    </p:cTn>
+                  </p:par>
+                </p:childTnLst>
+              </p:cTn>
+              <p:prevCondLst>
+                <p:cond evt="onPrev" delay="0">
+                  <p:tgtEl>
+                    <p:sldTgt/>
+                  </p:tgtEl>
+                </p:cond>
+              </p:prevCondLst>
+              <p:nextCondLst>
+                <p:cond evt="onNext" delay="0">
+                  <p:tgtEl>
+                    <p:sldTgt/>
+                  </p:tgtEl>
+                </p:cond>
+              </p:nextCondLst>
+            </p:seq>
+          </p:childTnLst>
+        </p:cTn>
+      </p:par>
+    </p:tnLst>
+    <p:bldLst>
+      <p:bldP spid="5" grpId="0" animBg="1"/>
+    </p:bldLst>
+  </p:timing>
 </p:sld>
 </file>
 
@@ -42164,7 +46113,7 @@
         </p:xfrm>
         <a:graphic>
           <a:graphicData uri="http://schemas.openxmlformats.org/drawingml/2006/diagram">
-            <dgm:relIds xmlns:dgm="http://schemas.openxmlformats.org/drawingml/2006/diagram" xmlns:r="http://schemas.openxmlformats.org/officeDocument/2006/relationships" r:dm="rId2" r:lo="rId3" r:qs="rId4" r:cs="rId5"/>
+            <dgm:relIds xmlns:dgm="http://schemas.openxmlformats.org/drawingml/2006/diagram" xmlns:r="http://schemas.openxmlformats.org/officeDocument/2006/relationships" r:dm="rId3" r:lo="rId4" r:qs="rId5" r:cs="rId6"/>
           </a:graphicData>
         </a:graphic>
       </p:graphicFrame>
@@ -43177,7 +47126,7 @@
           <p:nvPr/>
         </p:nvPicPr>
         <p:blipFill>
-          <a:blip r:embed="rId7">
+          <a:blip r:embed="rId8">
             <a:extLst>
               <a:ext uri="{28A0092B-C50C-407E-A947-70E740481C1C}">
                 <a14:useLocalDpi xmlns:a14="http://schemas.microsoft.com/office/drawing/2010/main" val="0"/>
@@ -43213,7 +47162,7 @@
           <p:nvPr/>
         </p:nvPicPr>
         <p:blipFill>
-          <a:blip r:embed="rId8">
+          <a:blip r:embed="rId9">
             <a:extLst>
               <a:ext uri="{28A0092B-C50C-407E-A947-70E740481C1C}">
                 <a14:useLocalDpi xmlns:a14="http://schemas.microsoft.com/office/drawing/2010/main" val="0"/>
@@ -43803,13 +47752,13 @@
           <p:nvPr/>
         </p:nvPicPr>
         <p:blipFill>
-          <a:blip r:embed="rId9">
+          <a:blip r:embed="rId10">
             <a:extLst>
               <a:ext uri="{28A0092B-C50C-407E-A947-70E740481C1C}">
                 <a14:useLocalDpi xmlns:a14="http://schemas.microsoft.com/office/drawing/2010/main" val="0"/>
               </a:ext>
               <a:ext uri="{96DAC541-7B7A-43D3-8B79-37D633B846F1}">
-                <asvg:svgBlip xmlns:asvg="http://schemas.microsoft.com/office/drawing/2016/SVG/main" r:embed="rId10"/>
+                <asvg:svgBlip xmlns:asvg="http://schemas.microsoft.com/office/drawing/2016/SVG/main" r:embed="rId11"/>
               </a:ext>
             </a:extLst>
           </a:blip>
@@ -43842,13 +47791,13 @@
           <p:nvPr/>
         </p:nvPicPr>
         <p:blipFill>
-          <a:blip r:embed="rId11">
+          <a:blip r:embed="rId12">
             <a:extLst>
               <a:ext uri="{28A0092B-C50C-407E-A947-70E740481C1C}">
                 <a14:useLocalDpi xmlns:a14="http://schemas.microsoft.com/office/drawing/2010/main" val="0"/>
               </a:ext>
               <a:ext uri="{96DAC541-7B7A-43D3-8B79-37D633B846F1}">
-                <asvg:svgBlip xmlns:asvg="http://schemas.microsoft.com/office/drawing/2016/SVG/main" r:embed="rId12"/>
+                <asvg:svgBlip xmlns:asvg="http://schemas.microsoft.com/office/drawing/2016/SVG/main" r:embed="rId13"/>
               </a:ext>
             </a:extLst>
           </a:blip>
@@ -43881,13 +47830,13 @@
           <p:nvPr/>
         </p:nvPicPr>
         <p:blipFill>
-          <a:blip r:embed="rId13">
+          <a:blip r:embed="rId14">
             <a:extLst>
               <a:ext uri="{28A0092B-C50C-407E-A947-70E740481C1C}">
                 <a14:useLocalDpi xmlns:a14="http://schemas.microsoft.com/office/drawing/2010/main" val="0"/>
               </a:ext>
               <a:ext uri="{96DAC541-7B7A-43D3-8B79-37D633B846F1}">
-                <asvg:svgBlip xmlns:asvg="http://schemas.microsoft.com/office/drawing/2016/SVG/main" r:embed="rId14"/>
+                <asvg:svgBlip xmlns:asvg="http://schemas.microsoft.com/office/drawing/2016/SVG/main" r:embed="rId15"/>
               </a:ext>
             </a:extLst>
           </a:blip>
@@ -43920,13 +47869,13 @@
           <p:nvPr/>
         </p:nvPicPr>
         <p:blipFill>
-          <a:blip r:embed="rId15">
+          <a:blip r:embed="rId16">
             <a:extLst>
               <a:ext uri="{28A0092B-C50C-407E-A947-70E740481C1C}">
                 <a14:useLocalDpi xmlns:a14="http://schemas.microsoft.com/office/drawing/2010/main" val="0"/>
               </a:ext>
               <a:ext uri="{96DAC541-7B7A-43D3-8B79-37D633B846F1}">
-                <asvg:svgBlip xmlns:asvg="http://schemas.microsoft.com/office/drawing/2016/SVG/main" r:embed="rId16"/>
+                <asvg:svgBlip xmlns:asvg="http://schemas.microsoft.com/office/drawing/2016/SVG/main" r:embed="rId17"/>
               </a:ext>
             </a:extLst>
           </a:blip>
@@ -43959,13 +47908,13 @@
           <p:nvPr/>
         </p:nvPicPr>
         <p:blipFill>
-          <a:blip r:embed="rId17">
+          <a:blip r:embed="rId18">
             <a:extLst>
               <a:ext uri="{28A0092B-C50C-407E-A947-70E740481C1C}">
                 <a14:useLocalDpi xmlns:a14="http://schemas.microsoft.com/office/drawing/2010/main" val="0"/>
               </a:ext>
               <a:ext uri="{96DAC541-7B7A-43D3-8B79-37D633B846F1}">
-                <asvg:svgBlip xmlns:asvg="http://schemas.microsoft.com/office/drawing/2016/SVG/main" r:embed="rId18"/>
+                <asvg:svgBlip xmlns:asvg="http://schemas.microsoft.com/office/drawing/2016/SVG/main" r:embed="rId19"/>
               </a:ext>
             </a:extLst>
           </a:blip>
@@ -43983,6 +47932,136 @@
           </a:prstGeom>
         </p:spPr>
       </p:pic>
+      <p:pic>
+        <p:nvPicPr>
+          <p:cNvPr id="7170" name="Picture 2" descr="Malhando silhueta - ícones de pessoas grátis">
+            <a:extLst>
+              <a:ext uri="{FF2B5EF4-FFF2-40B4-BE49-F238E27FC236}">
+                <a16:creationId xmlns:a16="http://schemas.microsoft.com/office/drawing/2014/main" id="{DC1D486E-D83A-80B0-2575-CBF8656E371E}"/>
+              </a:ext>
+            </a:extLst>
+          </p:cNvPr>
+          <p:cNvPicPr>
+            <a:picLocks noChangeAspect="1" noChangeArrowheads="1"/>
+          </p:cNvPicPr>
+          <p:nvPr/>
+        </p:nvPicPr>
+        <p:blipFill>
+          <a:blip r:embed="rId20">
+            <a:extLst>
+              <a:ext uri="{28A0092B-C50C-407E-A947-70E740481C1C}">
+                <a14:useLocalDpi xmlns:a14="http://schemas.microsoft.com/office/drawing/2010/main" val="0"/>
+              </a:ext>
+            </a:extLst>
+          </a:blip>
+          <a:srcRect/>
+          <a:stretch>
+            <a:fillRect/>
+          </a:stretch>
+        </p:blipFill>
+        <p:spPr bwMode="auto">
+          <a:xfrm>
+            <a:off x="1688826" y="3898408"/>
+            <a:ext cx="866833" cy="866833"/>
+          </a:xfrm>
+          <a:prstGeom prst="rect">
+            <a:avLst/>
+          </a:prstGeom>
+          <a:noFill/>
+          <a:extLst>
+            <a:ext uri="{909E8E84-426E-40DD-AFC4-6F175D3DCCD1}">
+              <a14:hiddenFill xmlns:a14="http://schemas.microsoft.com/office/drawing/2010/main">
+                <a:solidFill>
+                  <a:srgbClr val="FFFFFF"/>
+                </a:solidFill>
+              </a14:hiddenFill>
+            </a:ext>
+          </a:extLst>
+        </p:spPr>
+      </p:pic>
+      <p:pic>
+        <p:nvPicPr>
+          <p:cNvPr id="7174" name="Picture 6" descr="Homem levantando peso - ícones de esportes grátis">
+            <a:extLst>
+              <a:ext uri="{FF2B5EF4-FFF2-40B4-BE49-F238E27FC236}">
+                <a16:creationId xmlns:a16="http://schemas.microsoft.com/office/drawing/2014/main" id="{5F799ACE-D2B8-1AE9-83BB-2C43E6083B61}"/>
+              </a:ext>
+            </a:extLst>
+          </p:cNvPr>
+          <p:cNvPicPr>
+            <a:picLocks noChangeAspect="1" noChangeArrowheads="1"/>
+          </p:cNvPicPr>
+          <p:nvPr/>
+        </p:nvPicPr>
+        <p:blipFill>
+          <a:blip r:embed="rId21">
+            <a:extLst>
+              <a:ext uri="{28A0092B-C50C-407E-A947-70E740481C1C}">
+                <a14:useLocalDpi xmlns:a14="http://schemas.microsoft.com/office/drawing/2010/main" val="0"/>
+              </a:ext>
+            </a:extLst>
+          </a:blip>
+          <a:srcRect/>
+          <a:stretch>
+            <a:fillRect/>
+          </a:stretch>
+        </p:blipFill>
+        <p:spPr bwMode="auto">
+          <a:xfrm>
+            <a:off x="4407170" y="3898408"/>
+            <a:ext cx="913410" cy="913410"/>
+          </a:xfrm>
+          <a:prstGeom prst="rect">
+            <a:avLst/>
+          </a:prstGeom>
+          <a:noFill/>
+          <a:extLst>
+            <a:ext uri="{909E8E84-426E-40DD-AFC4-6F175D3DCCD1}">
+              <a14:hiddenFill xmlns:a14="http://schemas.microsoft.com/office/drawing/2010/main">
+                <a:solidFill>
+                  <a:srgbClr val="FFFFFF"/>
+                </a:solidFill>
+              </a14:hiddenFill>
+            </a:ext>
+          </a:extLst>
+        </p:spPr>
+      </p:pic>
+      <p:pic>
+        <p:nvPicPr>
+          <p:cNvPr id="26" name="Imagem 25" descr="Imagem em preto e branco&#10;&#10;Descrição gerada automaticamente">
+            <a:extLst>
+              <a:ext uri="{FF2B5EF4-FFF2-40B4-BE49-F238E27FC236}">
+                <a16:creationId xmlns:a16="http://schemas.microsoft.com/office/drawing/2014/main" id="{B78EDA1D-299A-9B60-C119-DDE4688AF360}"/>
+              </a:ext>
+            </a:extLst>
+          </p:cNvPr>
+          <p:cNvPicPr>
+            <a:picLocks noChangeAspect="1"/>
+          </p:cNvPicPr>
+          <p:nvPr/>
+        </p:nvPicPr>
+        <p:blipFill>
+          <a:blip r:embed="rId22">
+            <a:extLst>
+              <a:ext uri="{28A0092B-C50C-407E-A947-70E740481C1C}">
+                <a14:useLocalDpi xmlns:a14="http://schemas.microsoft.com/office/drawing/2010/main" val="0"/>
+              </a:ext>
+            </a:extLst>
+          </a:blip>
+          <a:stretch>
+            <a:fillRect/>
+          </a:stretch>
+        </p:blipFill>
+        <p:spPr>
+          <a:xfrm>
+            <a:off x="7519718" y="3961070"/>
+            <a:ext cx="1651085" cy="682660"/>
+          </a:xfrm>
+          <a:prstGeom prst="rect">
+            <a:avLst/>
+          </a:prstGeom>
+        </p:spPr>
+      </p:pic>
     </p:spTree>
     <p:extLst>
       <p:ext uri="{BB962C8B-B14F-4D97-AF65-F5344CB8AC3E}">
@@ -43993,6 +48072,171 @@
   <p:clrMapOvr>
     <a:masterClrMapping/>
   </p:clrMapOvr>
+  <p:timing>
+    <p:tnLst>
+      <p:par>
+        <p:cTn id="1" dur="indefinite" restart="never" nodeType="tmRoot">
+          <p:childTnLst>
+            <p:seq concurrent="1" nextAc="seek">
+              <p:cTn id="2" dur="indefinite" nodeType="mainSeq">
+                <p:childTnLst>
+                  <p:par>
+                    <p:cTn id="3" fill="hold">
+                      <p:stCondLst>
+                        <p:cond delay="indefinite"/>
+                      </p:stCondLst>
+                      <p:childTnLst>
+                        <p:par>
+                          <p:cTn id="4" fill="hold">
+                            <p:stCondLst>
+                              <p:cond delay="0"/>
+                            </p:stCondLst>
+                            <p:childTnLst>
+                              <p:par>
+                                <p:cTn id="5" presetID="1" presetClass="entr" presetSubtype="0" fill="hold" nodeType="clickEffect">
+                                  <p:stCondLst>
+                                    <p:cond delay="0"/>
+                                  </p:stCondLst>
+                                  <p:childTnLst>
+                                    <p:set>
+                                      <p:cBhvr>
+                                        <p:cTn id="6" dur="1" fill="hold">
+                                          <p:stCondLst>
+                                            <p:cond delay="0"/>
+                                          </p:stCondLst>
+                                        </p:cTn>
+                                        <p:tgtEl>
+                                          <p:spTgt spid="7170"/>
+                                        </p:tgtEl>
+                                        <p:attrNameLst>
+                                          <p:attrName>style.visibility</p:attrName>
+                                        </p:attrNameLst>
+                                      </p:cBhvr>
+                                      <p:to>
+                                        <p:strVal val="visible"/>
+                                      </p:to>
+                                    </p:set>
+                                  </p:childTnLst>
+                                </p:cTn>
+                              </p:par>
+                            </p:childTnLst>
+                          </p:cTn>
+                        </p:par>
+                      </p:childTnLst>
+                    </p:cTn>
+                  </p:par>
+                  <p:par>
+                    <p:cTn id="7" fill="hold">
+                      <p:stCondLst>
+                        <p:cond delay="indefinite"/>
+                      </p:stCondLst>
+                      <p:childTnLst>
+                        <p:par>
+                          <p:cTn id="8" fill="hold">
+                            <p:stCondLst>
+                              <p:cond delay="0"/>
+                            </p:stCondLst>
+                            <p:childTnLst>
+                              <p:par>
+                                <p:cTn id="9" presetID="1" presetClass="entr" presetSubtype="0" fill="hold" nodeType="clickEffect">
+                                  <p:stCondLst>
+                                    <p:cond delay="0"/>
+                                  </p:stCondLst>
+                                  <p:childTnLst>
+                                    <p:set>
+                                      <p:cBhvr>
+                                        <p:cTn id="10" dur="1" fill="hold">
+                                          <p:stCondLst>
+                                            <p:cond delay="0"/>
+                                          </p:stCondLst>
+                                        </p:cTn>
+                                        <p:tgtEl>
+                                          <p:spTgt spid="7174"/>
+                                        </p:tgtEl>
+                                        <p:attrNameLst>
+                                          <p:attrName>style.visibility</p:attrName>
+                                        </p:attrNameLst>
+                                      </p:cBhvr>
+                                      <p:to>
+                                        <p:strVal val="visible"/>
+                                      </p:to>
+                                    </p:set>
+                                  </p:childTnLst>
+                                </p:cTn>
+                              </p:par>
+                            </p:childTnLst>
+                          </p:cTn>
+                        </p:par>
+                      </p:childTnLst>
+                    </p:cTn>
+                  </p:par>
+                  <p:par>
+                    <p:cTn id="11" fill="hold">
+                      <p:stCondLst>
+                        <p:cond delay="indefinite"/>
+                      </p:stCondLst>
+                      <p:childTnLst>
+                        <p:par>
+                          <p:cTn id="12" fill="hold">
+                            <p:stCondLst>
+                              <p:cond delay="0"/>
+                            </p:stCondLst>
+                            <p:childTnLst>
+                              <p:par>
+                                <p:cTn id="13" presetID="1" presetClass="entr" presetSubtype="0" fill="hold" nodeType="clickEffect">
+                                  <p:stCondLst>
+                                    <p:cond delay="0"/>
+                                  </p:stCondLst>
+                                  <p:childTnLst>
+                                    <p:set>
+                                      <p:cBhvr>
+                                        <p:cTn id="14" dur="1" fill="hold">
+                                          <p:stCondLst>
+                                            <p:cond delay="0"/>
+                                          </p:stCondLst>
+                                        </p:cTn>
+                                        <p:tgtEl>
+                                          <p:spTgt spid="26"/>
+                                        </p:tgtEl>
+                                        <p:attrNameLst>
+                                          <p:attrName>style.visibility</p:attrName>
+                                        </p:attrNameLst>
+                                      </p:cBhvr>
+                                      <p:to>
+                                        <p:strVal val="visible"/>
+                                      </p:to>
+                                    </p:set>
+                                  </p:childTnLst>
+                                </p:cTn>
+                              </p:par>
+                            </p:childTnLst>
+                          </p:cTn>
+                        </p:par>
+                      </p:childTnLst>
+                    </p:cTn>
+                  </p:par>
+                </p:childTnLst>
+              </p:cTn>
+              <p:prevCondLst>
+                <p:cond evt="onPrev" delay="0">
+                  <p:tgtEl>
+                    <p:sldTgt/>
+                  </p:tgtEl>
+                </p:cond>
+              </p:prevCondLst>
+              <p:nextCondLst>
+                <p:cond evt="onNext" delay="0">
+                  <p:tgtEl>
+                    <p:sldTgt/>
+                  </p:tgtEl>
+                </p:cond>
+              </p:nextCondLst>
+            </p:seq>
+          </p:childTnLst>
+        </p:cTn>
+      </p:par>
+    </p:tnLst>
+  </p:timing>
 </p:sld>
 </file>
 
